--- a/LeandingClub-CaseStudy.pptx
+++ b/LeandingClub-CaseStudy.pptx
@@ -9,7 +9,14 @@
     <p:sldId id="258" r:id="rId3"/>
     <p:sldId id="259" r:id="rId4"/>
     <p:sldId id="260" r:id="rId5"/>
-    <p:sldId id="261" r:id="rId6"/>
+    <p:sldId id="267" r:id="rId6"/>
+    <p:sldId id="261" r:id="rId7"/>
+    <p:sldId id="262" r:id="rId8"/>
+    <p:sldId id="264" r:id="rId9"/>
+    <p:sldId id="263" r:id="rId10"/>
+    <p:sldId id="268" r:id="rId11"/>
+    <p:sldId id="265" r:id="rId12"/>
+    <p:sldId id="266" r:id="rId13"/>
   </p:sldIdLst>
   <p:sldSz cx="9144000" cy="6858000" type="screen4x3"/>
   <p:notesSz cx="6858000" cy="9144000"/>
@@ -9830,6 +9837,749 @@
 </p:sld>
 </file>
 
+<file path=ppt/slides/slide10.xml><?xml version="1.0" encoding="utf-8"?>
+<p:sld xmlns:a="http://schemas.openxmlformats.org/drawingml/2006/main" xmlns:r="http://schemas.openxmlformats.org/officeDocument/2006/relationships" xmlns:p="http://schemas.openxmlformats.org/presentationml/2006/main">
+  <p:cSld>
+    <p:spTree>
+      <p:nvGrpSpPr>
+        <p:cNvPr id="1" name=""/>
+        <p:cNvGrpSpPr/>
+        <p:nvPr/>
+      </p:nvGrpSpPr>
+      <p:grpSpPr>
+        <a:xfrm>
+          <a:off x="0" y="0"/>
+          <a:ext cx="0" cy="0"/>
+          <a:chOff x="0" y="0"/>
+          <a:chExt cx="0" cy="0"/>
+        </a:xfrm>
+      </p:grpSpPr>
+      <p:pic>
+        <p:nvPicPr>
+          <p:cNvPr id="3074" name="Picture 2">
+            <a:extLst>
+              <a:ext uri="{FF2B5EF4-FFF2-40B4-BE49-F238E27FC236}">
+                <a16:creationId xmlns:a16="http://schemas.microsoft.com/office/drawing/2014/main" id="{5ACEDECC-5D07-66A4-691B-208458005311}"/>
+              </a:ext>
+            </a:extLst>
+          </p:cNvPr>
+          <p:cNvPicPr>
+            <a:picLocks noChangeAspect="1" noChangeArrowheads="1"/>
+          </p:cNvPicPr>
+          <p:nvPr/>
+        </p:nvPicPr>
+        <p:blipFill>
+          <a:blip r:embed="rId2">
+            <a:extLst>
+              <a:ext uri="{28A0092B-C50C-407E-A947-70E740481C1C}">
+                <a14:useLocalDpi xmlns:a14="http://schemas.microsoft.com/office/drawing/2010/main" val="0"/>
+              </a:ext>
+            </a:extLst>
+          </a:blip>
+          <a:srcRect/>
+          <a:stretch>
+            <a:fillRect/>
+          </a:stretch>
+        </p:blipFill>
+        <p:spPr bwMode="auto">
+          <a:xfrm>
+            <a:off x="4283968" y="1700808"/>
+            <a:ext cx="3400425" cy="3667125"/>
+          </a:xfrm>
+          <a:prstGeom prst="rect">
+            <a:avLst/>
+          </a:prstGeom>
+          <a:noFill/>
+          <a:extLst>
+            <a:ext uri="{909E8E84-426E-40DD-AFC4-6F175D3DCCD1}">
+              <a14:hiddenFill xmlns:a14="http://schemas.microsoft.com/office/drawing/2010/main">
+                <a:solidFill>
+                  <a:srgbClr val="FFFFFF"/>
+                </a:solidFill>
+              </a14:hiddenFill>
+            </a:ext>
+          </a:extLst>
+        </p:spPr>
+      </p:pic>
+      <p:pic>
+        <p:nvPicPr>
+          <p:cNvPr id="3076" name="Picture 4">
+            <a:extLst>
+              <a:ext uri="{FF2B5EF4-FFF2-40B4-BE49-F238E27FC236}">
+                <a16:creationId xmlns:a16="http://schemas.microsoft.com/office/drawing/2014/main" id="{819B857C-7D00-56A3-089B-7A06D1717F86}"/>
+              </a:ext>
+            </a:extLst>
+          </p:cNvPr>
+          <p:cNvPicPr>
+            <a:picLocks noChangeAspect="1" noChangeArrowheads="1"/>
+          </p:cNvPicPr>
+          <p:nvPr/>
+        </p:nvPicPr>
+        <p:blipFill>
+          <a:blip r:embed="rId3">
+            <a:extLst>
+              <a:ext uri="{28A0092B-C50C-407E-A947-70E740481C1C}">
+                <a14:useLocalDpi xmlns:a14="http://schemas.microsoft.com/office/drawing/2010/main" val="0"/>
+              </a:ext>
+            </a:extLst>
+          </a:blip>
+          <a:srcRect/>
+          <a:stretch>
+            <a:fillRect/>
+          </a:stretch>
+        </p:blipFill>
+        <p:spPr bwMode="auto">
+          <a:xfrm>
+            <a:off x="395536" y="1700807"/>
+            <a:ext cx="3286125" cy="3667125"/>
+          </a:xfrm>
+          <a:prstGeom prst="rect">
+            <a:avLst/>
+          </a:prstGeom>
+          <a:noFill/>
+          <a:extLst>
+            <a:ext uri="{909E8E84-426E-40DD-AFC4-6F175D3DCCD1}">
+              <a14:hiddenFill xmlns:a14="http://schemas.microsoft.com/office/drawing/2010/main">
+                <a:solidFill>
+                  <a:srgbClr val="FFFFFF"/>
+                </a:solidFill>
+              </a14:hiddenFill>
+            </a:ext>
+          </a:extLst>
+        </p:spPr>
+      </p:pic>
+      <p:sp>
+        <p:nvSpPr>
+          <p:cNvPr id="4" name="TextBox 3">
+            <a:extLst>
+              <a:ext uri="{FF2B5EF4-FFF2-40B4-BE49-F238E27FC236}">
+                <a16:creationId xmlns:a16="http://schemas.microsoft.com/office/drawing/2014/main" id="{781AD93A-887B-1A4E-28C7-C818B7338587}"/>
+              </a:ext>
+            </a:extLst>
+          </p:cNvPr>
+          <p:cNvSpPr txBox="1"/>
+          <p:nvPr/>
+        </p:nvSpPr>
+        <p:spPr>
+          <a:xfrm>
+            <a:off x="313221" y="5661248"/>
+            <a:ext cx="8517558" cy="369332"/>
+          </a:xfrm>
+          <a:prstGeom prst="rect">
+            <a:avLst/>
+          </a:prstGeom>
+          <a:noFill/>
+        </p:spPr>
+        <p:txBody>
+          <a:bodyPr wrap="square" rtlCol="0">
+            <a:spAutoFit/>
+          </a:bodyPr>
+          <a:lstStyle/>
+          <a:p>
+            <a:pPr marL="285750" indent="-285750">
+              <a:buFont typeface="Arial" panose="020B0604020202020204" pitchFamily="34" charset="0"/>
+              <a:buChar char="•"/>
+            </a:pPr>
+            <a:r>
+              <a:rPr lang="en-IN" dirty="0"/>
+              <a:t>Loan Purpose</a:t>
+            </a:r>
+          </a:p>
+        </p:txBody>
+      </p:sp>
+    </p:spTree>
+    <p:extLst>
+      <p:ext uri="{BB962C8B-B14F-4D97-AF65-F5344CB8AC3E}">
+        <p14:creationId xmlns:p14="http://schemas.microsoft.com/office/powerpoint/2010/main" val="3674895049"/>
+      </p:ext>
+    </p:extLst>
+  </p:cSld>
+  <p:clrMapOvr>
+    <a:masterClrMapping/>
+  </p:clrMapOvr>
+</p:sld>
+</file>
+
+<file path=ppt/slides/slide11.xml><?xml version="1.0" encoding="utf-8"?>
+<p:sld xmlns:a="http://schemas.openxmlformats.org/drawingml/2006/main" xmlns:r="http://schemas.openxmlformats.org/officeDocument/2006/relationships" xmlns:p="http://schemas.openxmlformats.org/presentationml/2006/main">
+  <p:cSld>
+    <p:spTree>
+      <p:nvGrpSpPr>
+        <p:cNvPr id="1" name=""/>
+        <p:cNvGrpSpPr/>
+        <p:nvPr/>
+      </p:nvGrpSpPr>
+      <p:grpSpPr>
+        <a:xfrm>
+          <a:off x="0" y="0"/>
+          <a:ext cx="0" cy="0"/>
+          <a:chOff x="0" y="0"/>
+          <a:chExt cx="0" cy="0"/>
+        </a:xfrm>
+      </p:grpSpPr>
+      <p:pic>
+        <p:nvPicPr>
+          <p:cNvPr id="1028" name="Picture 4">
+            <a:extLst>
+              <a:ext uri="{FF2B5EF4-FFF2-40B4-BE49-F238E27FC236}">
+                <a16:creationId xmlns:a16="http://schemas.microsoft.com/office/drawing/2014/main" id="{3262E6DA-283E-AC8D-95CE-DABC517F2185}"/>
+              </a:ext>
+            </a:extLst>
+          </p:cNvPr>
+          <p:cNvPicPr>
+            <a:picLocks noChangeAspect="1" noChangeArrowheads="1"/>
+          </p:cNvPicPr>
+          <p:nvPr/>
+        </p:nvPicPr>
+        <p:blipFill>
+          <a:blip r:embed="rId2">
+            <a:extLst>
+              <a:ext uri="{28A0092B-C50C-407E-A947-70E740481C1C}">
+                <a14:useLocalDpi xmlns:a14="http://schemas.microsoft.com/office/drawing/2010/main" val="0"/>
+              </a:ext>
+            </a:extLst>
+          </a:blip>
+          <a:srcRect/>
+          <a:stretch>
+            <a:fillRect/>
+          </a:stretch>
+        </p:blipFill>
+        <p:spPr bwMode="auto">
+          <a:xfrm>
+            <a:off x="5842972" y="1841351"/>
+            <a:ext cx="3124200" cy="3171825"/>
+          </a:xfrm>
+          <a:prstGeom prst="rect">
+            <a:avLst/>
+          </a:prstGeom>
+          <a:noFill/>
+          <a:extLst>
+            <a:ext uri="{909E8E84-426E-40DD-AFC4-6F175D3DCCD1}">
+              <a14:hiddenFill xmlns:a14="http://schemas.microsoft.com/office/drawing/2010/main">
+                <a:solidFill>
+                  <a:srgbClr val="FFFFFF"/>
+                </a:solidFill>
+              </a14:hiddenFill>
+            </a:ext>
+          </a:extLst>
+        </p:spPr>
+      </p:pic>
+      <p:sp>
+        <p:nvSpPr>
+          <p:cNvPr id="4" name="TextBox 3">
+            <a:extLst>
+              <a:ext uri="{FF2B5EF4-FFF2-40B4-BE49-F238E27FC236}">
+                <a16:creationId xmlns:a16="http://schemas.microsoft.com/office/drawing/2014/main" id="{8B5D33C8-5FB1-0A16-DF70-7BE75059948A}"/>
+              </a:ext>
+            </a:extLst>
+          </p:cNvPr>
+          <p:cNvSpPr txBox="1"/>
+          <p:nvPr/>
+        </p:nvSpPr>
+        <p:spPr>
+          <a:xfrm>
+            <a:off x="313221" y="5013176"/>
+            <a:ext cx="8517558" cy="1200329"/>
+          </a:xfrm>
+          <a:prstGeom prst="rect">
+            <a:avLst/>
+          </a:prstGeom>
+          <a:noFill/>
+        </p:spPr>
+        <p:txBody>
+          <a:bodyPr wrap="square" rtlCol="0">
+            <a:spAutoFit/>
+          </a:bodyPr>
+          <a:lstStyle/>
+          <a:p>
+            <a:pPr marL="285750" indent="-285750">
+              <a:buFont typeface="Arial" panose="020B0604020202020204" pitchFamily="34" charset="0"/>
+              <a:buChar char="•"/>
+            </a:pPr>
+            <a:r>
+              <a:rPr lang="en-IN" dirty="0"/>
+              <a:t>Grade: profit improves as grade upscale, but lower grades are risky </a:t>
+            </a:r>
+          </a:p>
+          <a:p>
+            <a:pPr marL="285750" indent="-285750">
+              <a:buFont typeface="Arial" panose="020B0604020202020204" pitchFamily="34" charset="0"/>
+              <a:buChar char="•"/>
+            </a:pPr>
+            <a:r>
+              <a:rPr lang="en-IN" dirty="0"/>
+              <a:t>Sub Grade: heavy loss making cases for middle sub grades though major cases are profit making. Initial sub grades are with wide spread across loss and profit scale and to be watched closely   </a:t>
+            </a:r>
+          </a:p>
+        </p:txBody>
+      </p:sp>
+      <p:pic>
+        <p:nvPicPr>
+          <p:cNvPr id="1030" name="Picture 6">
+            <a:extLst>
+              <a:ext uri="{FF2B5EF4-FFF2-40B4-BE49-F238E27FC236}">
+                <a16:creationId xmlns:a16="http://schemas.microsoft.com/office/drawing/2014/main" id="{72C5E007-4CF3-1FC7-9FF1-90EFE4538B7B}"/>
+              </a:ext>
+            </a:extLst>
+          </p:cNvPr>
+          <p:cNvPicPr>
+            <a:picLocks noChangeAspect="1" noChangeArrowheads="1"/>
+          </p:cNvPicPr>
+          <p:nvPr/>
+        </p:nvPicPr>
+        <p:blipFill>
+          <a:blip r:embed="rId3">
+            <a:extLst>
+              <a:ext uri="{28A0092B-C50C-407E-A947-70E740481C1C}">
+                <a14:useLocalDpi xmlns:a14="http://schemas.microsoft.com/office/drawing/2010/main" val="0"/>
+              </a:ext>
+            </a:extLst>
+          </a:blip>
+          <a:srcRect/>
+          <a:stretch>
+            <a:fillRect/>
+          </a:stretch>
+        </p:blipFill>
+        <p:spPr bwMode="auto">
+          <a:xfrm>
+            <a:off x="141194" y="1841351"/>
+            <a:ext cx="2828926" cy="1881200"/>
+          </a:xfrm>
+          <a:prstGeom prst="rect">
+            <a:avLst/>
+          </a:prstGeom>
+          <a:noFill/>
+          <a:extLst>
+            <a:ext uri="{909E8E84-426E-40DD-AFC4-6F175D3DCCD1}">
+              <a14:hiddenFill xmlns:a14="http://schemas.microsoft.com/office/drawing/2010/main">
+                <a:solidFill>
+                  <a:srgbClr val="FFFFFF"/>
+                </a:solidFill>
+              </a14:hiddenFill>
+            </a:ext>
+          </a:extLst>
+        </p:spPr>
+      </p:pic>
+      <p:sp>
+        <p:nvSpPr>
+          <p:cNvPr id="5" name="Rectangle 2">
+            <a:extLst>
+              <a:ext uri="{FF2B5EF4-FFF2-40B4-BE49-F238E27FC236}">
+                <a16:creationId xmlns:a16="http://schemas.microsoft.com/office/drawing/2014/main" id="{28ADE99B-A50A-58B8-EA45-85272A488040}"/>
+              </a:ext>
+            </a:extLst>
+          </p:cNvPr>
+          <p:cNvSpPr>
+            <a:spLocks noGrp="1" noChangeArrowheads="1"/>
+          </p:cNvSpPr>
+          <p:nvPr>
+            <p:ph type="title"/>
+          </p:nvPr>
+        </p:nvSpPr>
+        <p:spPr>
+          <a:xfrm>
+            <a:off x="1686173" y="188640"/>
+            <a:ext cx="6480000" cy="981075"/>
+          </a:xfrm>
+        </p:spPr>
+        <p:txBody>
+          <a:bodyPr vert="horz" wrap="none" anchor="ctr" anchorCtr="1"/>
+          <a:lstStyle/>
+          <a:p>
+            <a:pPr eaLnBrk="1" hangingPunct="1"/>
+            <a:r>
+              <a:rPr lang="en-US" altLang="en-US" dirty="0">
+                <a:solidFill>
+                  <a:schemeClr val="accent1">
+                    <a:lumMod val="90000"/>
+                  </a:schemeClr>
+                </a:solidFill>
+              </a:rPr>
+              <a:t>         Data Insights  1/10</a:t>
+            </a:r>
+          </a:p>
+        </p:txBody>
+      </p:sp>
+      <p:sp>
+        <p:nvSpPr>
+          <p:cNvPr id="6" name="TextBox 5">
+            <a:extLst>
+              <a:ext uri="{FF2B5EF4-FFF2-40B4-BE49-F238E27FC236}">
+                <a16:creationId xmlns:a16="http://schemas.microsoft.com/office/drawing/2014/main" id="{FF1B4D70-133F-EF81-C76A-E2283DF31738}"/>
+              </a:ext>
+            </a:extLst>
+          </p:cNvPr>
+          <p:cNvSpPr txBox="1"/>
+          <p:nvPr/>
+        </p:nvSpPr>
+        <p:spPr>
+          <a:xfrm>
+            <a:off x="2163259" y="1143873"/>
+            <a:ext cx="6635214" cy="369332"/>
+          </a:xfrm>
+          <a:prstGeom prst="rect">
+            <a:avLst/>
+          </a:prstGeom>
+          <a:noFill/>
+        </p:spPr>
+        <p:txBody>
+          <a:bodyPr vert="horz" wrap="none" rtlCol="0" anchor="ctr" anchorCtr="1">
+            <a:spAutoFit/>
+          </a:bodyPr>
+          <a:lstStyle/>
+          <a:p>
+            <a:pPr algn="ctr"/>
+            <a:r>
+              <a:rPr lang="en-IN" dirty="0">
+                <a:solidFill>
+                  <a:schemeClr val="bg1"/>
+                </a:solidFill>
+              </a:rPr>
+              <a:t>Bivariate Analysis – Profit &amp; Loss across Grades &amp; Sub Grades</a:t>
+            </a:r>
+          </a:p>
+        </p:txBody>
+      </p:sp>
+      <p:pic>
+        <p:nvPicPr>
+          <p:cNvPr id="1032" name="Picture 8">
+            <a:extLst>
+              <a:ext uri="{FF2B5EF4-FFF2-40B4-BE49-F238E27FC236}">
+                <a16:creationId xmlns:a16="http://schemas.microsoft.com/office/drawing/2014/main" id="{0602C929-159F-CB05-32DB-94322E1C4799}"/>
+              </a:ext>
+            </a:extLst>
+          </p:cNvPr>
+          <p:cNvPicPr>
+            <a:picLocks noChangeAspect="1" noChangeArrowheads="1"/>
+          </p:cNvPicPr>
+          <p:nvPr/>
+        </p:nvPicPr>
+        <p:blipFill>
+          <a:blip r:embed="rId4">
+            <a:extLst>
+              <a:ext uri="{28A0092B-C50C-407E-A947-70E740481C1C}">
+                <a14:useLocalDpi xmlns:a14="http://schemas.microsoft.com/office/drawing/2010/main" val="0"/>
+              </a:ext>
+            </a:extLst>
+          </a:blip>
+          <a:srcRect/>
+          <a:stretch>
+            <a:fillRect/>
+          </a:stretch>
+        </p:blipFill>
+        <p:spPr bwMode="auto">
+          <a:xfrm>
+            <a:off x="3056678" y="1841351"/>
+            <a:ext cx="2641118" cy="1751830"/>
+          </a:xfrm>
+          <a:prstGeom prst="rect">
+            <a:avLst/>
+          </a:prstGeom>
+          <a:noFill/>
+          <a:extLst>
+            <a:ext uri="{909E8E84-426E-40DD-AFC4-6F175D3DCCD1}">
+              <a14:hiddenFill xmlns:a14="http://schemas.microsoft.com/office/drawing/2010/main">
+                <a:solidFill>
+                  <a:srgbClr val="FFFFFF"/>
+                </a:solidFill>
+              </a14:hiddenFill>
+            </a:ext>
+          </a:extLst>
+        </p:spPr>
+      </p:pic>
+    </p:spTree>
+    <p:extLst>
+      <p:ext uri="{BB962C8B-B14F-4D97-AF65-F5344CB8AC3E}">
+        <p14:creationId xmlns:p14="http://schemas.microsoft.com/office/powerpoint/2010/main" val="1109628938"/>
+      </p:ext>
+    </p:extLst>
+  </p:cSld>
+  <p:clrMapOvr>
+    <a:masterClrMapping/>
+  </p:clrMapOvr>
+</p:sld>
+</file>
+
+<file path=ppt/slides/slide12.xml><?xml version="1.0" encoding="utf-8"?>
+<p:sld xmlns:a="http://schemas.openxmlformats.org/drawingml/2006/main" xmlns:r="http://schemas.openxmlformats.org/officeDocument/2006/relationships" xmlns:p="http://schemas.openxmlformats.org/presentationml/2006/main">
+  <p:cSld>
+    <p:spTree>
+      <p:nvGrpSpPr>
+        <p:cNvPr id="1" name=""/>
+        <p:cNvGrpSpPr/>
+        <p:nvPr/>
+      </p:nvGrpSpPr>
+      <p:grpSpPr>
+        <a:xfrm>
+          <a:off x="0" y="0"/>
+          <a:ext cx="0" cy="0"/>
+          <a:chOff x="0" y="0"/>
+          <a:chExt cx="0" cy="0"/>
+        </a:xfrm>
+      </p:grpSpPr>
+      <p:pic>
+        <p:nvPicPr>
+          <p:cNvPr id="2050" name="Picture 2">
+            <a:extLst>
+              <a:ext uri="{FF2B5EF4-FFF2-40B4-BE49-F238E27FC236}">
+                <a16:creationId xmlns:a16="http://schemas.microsoft.com/office/drawing/2014/main" id="{BBAE0259-C9C6-DBDB-E221-573582D7BF19}"/>
+              </a:ext>
+            </a:extLst>
+          </p:cNvPr>
+          <p:cNvPicPr>
+            <a:picLocks noChangeAspect="1" noChangeArrowheads="1"/>
+          </p:cNvPicPr>
+          <p:nvPr/>
+        </p:nvPicPr>
+        <p:blipFill>
+          <a:blip r:embed="rId2">
+            <a:extLst>
+              <a:ext uri="{28A0092B-C50C-407E-A947-70E740481C1C}">
+                <a14:useLocalDpi xmlns:a14="http://schemas.microsoft.com/office/drawing/2010/main" val="0"/>
+              </a:ext>
+            </a:extLst>
+          </a:blip>
+          <a:srcRect/>
+          <a:stretch>
+            <a:fillRect/>
+          </a:stretch>
+        </p:blipFill>
+        <p:spPr bwMode="auto">
+          <a:xfrm>
+            <a:off x="107504" y="1844824"/>
+            <a:ext cx="4276725" cy="3467100"/>
+          </a:xfrm>
+          <a:prstGeom prst="rect">
+            <a:avLst/>
+          </a:prstGeom>
+          <a:noFill/>
+          <a:extLst>
+            <a:ext uri="{909E8E84-426E-40DD-AFC4-6F175D3DCCD1}">
+              <a14:hiddenFill xmlns:a14="http://schemas.microsoft.com/office/drawing/2010/main">
+                <a:solidFill>
+                  <a:srgbClr val="FFFFFF"/>
+                </a:solidFill>
+              </a14:hiddenFill>
+            </a:ext>
+          </a:extLst>
+        </p:spPr>
+      </p:pic>
+      <p:pic>
+        <p:nvPicPr>
+          <p:cNvPr id="2054" name="Picture 6">
+            <a:extLst>
+              <a:ext uri="{FF2B5EF4-FFF2-40B4-BE49-F238E27FC236}">
+                <a16:creationId xmlns:a16="http://schemas.microsoft.com/office/drawing/2014/main" id="{BC05CCCF-61A3-1640-0B7C-BAABA5B2AA6A}"/>
+              </a:ext>
+            </a:extLst>
+          </p:cNvPr>
+          <p:cNvPicPr>
+            <a:picLocks noChangeAspect="1" noChangeArrowheads="1"/>
+          </p:cNvPicPr>
+          <p:nvPr/>
+        </p:nvPicPr>
+        <p:blipFill>
+          <a:blip r:embed="rId3">
+            <a:extLst>
+              <a:ext uri="{28A0092B-C50C-407E-A947-70E740481C1C}">
+                <a14:useLocalDpi xmlns:a14="http://schemas.microsoft.com/office/drawing/2010/main" val="0"/>
+              </a:ext>
+            </a:extLst>
+          </a:blip>
+          <a:srcRect/>
+          <a:stretch>
+            <a:fillRect/>
+          </a:stretch>
+        </p:blipFill>
+        <p:spPr bwMode="auto">
+          <a:xfrm>
+            <a:off x="4644008" y="1864254"/>
+            <a:ext cx="4276725" cy="3467100"/>
+          </a:xfrm>
+          <a:prstGeom prst="rect">
+            <a:avLst/>
+          </a:prstGeom>
+          <a:noFill/>
+          <a:extLst>
+            <a:ext uri="{909E8E84-426E-40DD-AFC4-6F175D3DCCD1}">
+              <a14:hiddenFill xmlns:a14="http://schemas.microsoft.com/office/drawing/2010/main">
+                <a:solidFill>
+                  <a:srgbClr val="FFFFFF"/>
+                </a:solidFill>
+              </a14:hiddenFill>
+            </a:ext>
+          </a:extLst>
+        </p:spPr>
+      </p:pic>
+      <p:sp>
+        <p:nvSpPr>
+          <p:cNvPr id="4" name="Rectangle 2">
+            <a:extLst>
+              <a:ext uri="{FF2B5EF4-FFF2-40B4-BE49-F238E27FC236}">
+                <a16:creationId xmlns:a16="http://schemas.microsoft.com/office/drawing/2014/main" id="{E10C1E6A-75CB-DF0E-D480-8EE4CD45DCD7}"/>
+              </a:ext>
+            </a:extLst>
+          </p:cNvPr>
+          <p:cNvSpPr>
+            <a:spLocks noGrp="1" noChangeArrowheads="1"/>
+          </p:cNvSpPr>
+          <p:nvPr>
+            <p:ph type="title"/>
+          </p:nvPr>
+        </p:nvSpPr>
+        <p:spPr>
+          <a:xfrm>
+            <a:off x="1686173" y="188640"/>
+            <a:ext cx="6480000" cy="981075"/>
+          </a:xfrm>
+        </p:spPr>
+        <p:txBody>
+          <a:bodyPr vert="horz" wrap="none" anchor="ctr" anchorCtr="1"/>
+          <a:lstStyle/>
+          <a:p>
+            <a:pPr eaLnBrk="1" hangingPunct="1"/>
+            <a:r>
+              <a:rPr lang="en-US" altLang="en-US" dirty="0">
+                <a:solidFill>
+                  <a:schemeClr val="accent1">
+                    <a:lumMod val="90000"/>
+                  </a:schemeClr>
+                </a:solidFill>
+              </a:rPr>
+              <a:t>         Data Insights  1/10</a:t>
+            </a:r>
+          </a:p>
+        </p:txBody>
+      </p:sp>
+      <p:sp>
+        <p:nvSpPr>
+          <p:cNvPr id="5" name="TextBox 4">
+            <a:extLst>
+              <a:ext uri="{FF2B5EF4-FFF2-40B4-BE49-F238E27FC236}">
+                <a16:creationId xmlns:a16="http://schemas.microsoft.com/office/drawing/2014/main" id="{4B1D9854-48C2-F4C3-0EC6-1ECED7F2B028}"/>
+              </a:ext>
+            </a:extLst>
+          </p:cNvPr>
+          <p:cNvSpPr txBox="1"/>
+          <p:nvPr/>
+        </p:nvSpPr>
+        <p:spPr>
+          <a:xfrm>
+            <a:off x="2270148" y="1143873"/>
+            <a:ext cx="6421438" cy="369332"/>
+          </a:xfrm>
+          <a:prstGeom prst="rect">
+            <a:avLst/>
+          </a:prstGeom>
+          <a:noFill/>
+        </p:spPr>
+        <p:txBody>
+          <a:bodyPr vert="horz" wrap="none" rtlCol="0" anchor="ctr" anchorCtr="1">
+            <a:spAutoFit/>
+          </a:bodyPr>
+          <a:lstStyle/>
+          <a:p>
+            <a:pPr algn="ctr"/>
+            <a:r>
+              <a:rPr lang="en-IN" dirty="0">
+                <a:solidFill>
+                  <a:schemeClr val="bg1"/>
+                </a:solidFill>
+              </a:rPr>
+              <a:t>Bivariate Analysis – Watch Profit &amp; Loss across key variables</a:t>
+            </a:r>
+          </a:p>
+        </p:txBody>
+      </p:sp>
+      <p:sp>
+        <p:nvSpPr>
+          <p:cNvPr id="6" name="TextBox 5">
+            <a:extLst>
+              <a:ext uri="{FF2B5EF4-FFF2-40B4-BE49-F238E27FC236}">
+                <a16:creationId xmlns:a16="http://schemas.microsoft.com/office/drawing/2014/main" id="{6FF03248-7D80-734F-CA76-CD48843BE123}"/>
+              </a:ext>
+            </a:extLst>
+          </p:cNvPr>
+          <p:cNvSpPr txBox="1"/>
+          <p:nvPr/>
+        </p:nvSpPr>
+        <p:spPr>
+          <a:xfrm>
+            <a:off x="313221" y="5013176"/>
+            <a:ext cx="8517558" cy="1754326"/>
+          </a:xfrm>
+          <a:prstGeom prst="rect">
+            <a:avLst/>
+          </a:prstGeom>
+          <a:noFill/>
+        </p:spPr>
+        <p:txBody>
+          <a:bodyPr wrap="square" rtlCol="0">
+            <a:spAutoFit/>
+          </a:bodyPr>
+          <a:lstStyle/>
+          <a:p>
+            <a:pPr marL="285750" indent="-285750">
+              <a:buFont typeface="Arial" panose="020B0604020202020204" pitchFamily="34" charset="0"/>
+              <a:buChar char="•"/>
+            </a:pPr>
+            <a:r>
+              <a:rPr lang="en-IN" dirty="0"/>
+              <a:t>Overall not very strong corelation but certainly employee length is positively impacting whereas below 3 drivers for loss making </a:t>
+            </a:r>
+          </a:p>
+          <a:p>
+            <a:pPr marL="800100" lvl="1" indent="-342900">
+              <a:buFont typeface="+mj-lt"/>
+              <a:buAutoNum type="arabicPeriod"/>
+            </a:pPr>
+            <a:r>
+              <a:rPr lang="en-IN" dirty="0"/>
+              <a:t>Public Records (Bankruptcies)</a:t>
+            </a:r>
+          </a:p>
+          <a:p>
+            <a:pPr marL="800100" lvl="1" indent="-342900">
+              <a:buFont typeface="+mj-lt"/>
+              <a:buAutoNum type="arabicPeriod"/>
+            </a:pPr>
+            <a:r>
+              <a:rPr lang="en-IN" dirty="0"/>
+              <a:t>DTI</a:t>
+            </a:r>
+          </a:p>
+          <a:p>
+            <a:pPr marL="800100" lvl="1" indent="-342900">
+              <a:buFont typeface="+mj-lt"/>
+              <a:buAutoNum type="arabicPeriod"/>
+            </a:pPr>
+            <a:r>
+              <a:rPr lang="en-IN" dirty="0"/>
+              <a:t>Number of Bank Accounts </a:t>
+            </a:r>
+          </a:p>
+          <a:p>
+            <a:pPr marL="800100" lvl="1" indent="-342900">
+              <a:buFont typeface="+mj-lt"/>
+              <a:buAutoNum type="arabicPeriod"/>
+            </a:pPr>
+            <a:endParaRPr lang="en-IN" dirty="0"/>
+          </a:p>
+        </p:txBody>
+      </p:sp>
+    </p:spTree>
+    <p:extLst>
+      <p:ext uri="{BB962C8B-B14F-4D97-AF65-F5344CB8AC3E}">
+        <p14:creationId xmlns:p14="http://schemas.microsoft.com/office/powerpoint/2010/main" val="440523247"/>
+      </p:ext>
+    </p:extLst>
+  </p:cSld>
+  <p:clrMapOvr>
+    <a:masterClrMapping/>
+  </p:clrMapOvr>
+</p:sld>
+</file>
+
 <file path=ppt/slides/slide2.xml><?xml version="1.0" encoding="utf-8"?>
 <p:sld xmlns:a="http://schemas.openxmlformats.org/drawingml/2006/main" xmlns:r="http://schemas.openxmlformats.org/officeDocument/2006/relationships" xmlns:p="http://schemas.openxmlformats.org/presentationml/2006/main">
   <p:cSld>
@@ -10792,6 +11542,36 @@
           <a:chExt cx="0" cy="0"/>
         </a:xfrm>
       </p:grpSpPr>
+    </p:spTree>
+    <p:extLst>
+      <p:ext uri="{BB962C8B-B14F-4D97-AF65-F5344CB8AC3E}">
+        <p14:creationId xmlns:p14="http://schemas.microsoft.com/office/powerpoint/2010/main" val="1898064560"/>
+      </p:ext>
+    </p:extLst>
+  </p:cSld>
+  <p:clrMapOvr>
+    <a:masterClrMapping/>
+  </p:clrMapOvr>
+</p:sld>
+</file>
+
+<file path=ppt/slides/slide6.xml><?xml version="1.0" encoding="utf-8"?>
+<p:sld xmlns:a="http://schemas.openxmlformats.org/drawingml/2006/main" xmlns:r="http://schemas.openxmlformats.org/officeDocument/2006/relationships" xmlns:p="http://schemas.openxmlformats.org/presentationml/2006/main">
+  <p:cSld>
+    <p:spTree>
+      <p:nvGrpSpPr>
+        <p:cNvPr id="1" name=""/>
+        <p:cNvGrpSpPr/>
+        <p:nvPr/>
+      </p:nvGrpSpPr>
+      <p:grpSpPr>
+        <a:xfrm>
+          <a:off x="0" y="0"/>
+          <a:ext cx="0" cy="0"/>
+          <a:chOff x="0" y="0"/>
+          <a:chExt cx="0" cy="0"/>
+        </a:xfrm>
+      </p:grpSpPr>
       <p:sp>
         <p:nvSpPr>
           <p:cNvPr id="4098" name="Rectangle 2">
@@ -10810,12 +11590,12 @@
         </p:nvSpPr>
         <p:spPr>
           <a:xfrm>
-            <a:off x="398611" y="130143"/>
-            <a:ext cx="8229600" cy="981075"/>
+            <a:off x="1979711" y="116632"/>
+            <a:ext cx="6480000" cy="981075"/>
           </a:xfrm>
         </p:spPr>
         <p:txBody>
-          <a:bodyPr/>
+          <a:bodyPr vert="horz" wrap="none" anchor="ctr" anchorCtr="1"/>
           <a:lstStyle/>
           <a:p>
             <a:pPr eaLnBrk="1" hangingPunct="1"/>
@@ -10832,10 +11612,1065 @@
           </a:p>
         </p:txBody>
       </p:sp>
+      <p:sp>
+        <p:nvSpPr>
+          <p:cNvPr id="2" name="TextBox 1">
+            <a:extLst>
+              <a:ext uri="{FF2B5EF4-FFF2-40B4-BE49-F238E27FC236}">
+                <a16:creationId xmlns:a16="http://schemas.microsoft.com/office/drawing/2014/main" id="{79957AFD-4410-DCE2-3A52-199C302FA8C0}"/>
+              </a:ext>
+            </a:extLst>
+          </p:cNvPr>
+          <p:cNvSpPr txBox="1"/>
+          <p:nvPr/>
+        </p:nvSpPr>
+        <p:spPr>
+          <a:xfrm>
+            <a:off x="2949163" y="1082318"/>
+            <a:ext cx="5693225" cy="461665"/>
+          </a:xfrm>
+          <a:prstGeom prst="rect">
+            <a:avLst/>
+          </a:prstGeom>
+          <a:noFill/>
+        </p:spPr>
+        <p:txBody>
+          <a:bodyPr vert="horz" wrap="none" rtlCol="0" anchor="ctr" anchorCtr="1">
+            <a:spAutoFit/>
+          </a:bodyPr>
+          <a:lstStyle/>
+          <a:p>
+            <a:pPr algn="ctr"/>
+            <a:r>
+              <a:rPr lang="en-IN" sz="2400" dirty="0">
+                <a:solidFill>
+                  <a:schemeClr val="bg1"/>
+                </a:solidFill>
+              </a:rPr>
+              <a:t>Bivariate Analysis – DTI Vs Loan Status </a:t>
+            </a:r>
+          </a:p>
+        </p:txBody>
+      </p:sp>
+      <p:pic>
+        <p:nvPicPr>
+          <p:cNvPr id="1026" name="Picture 2">
+            <a:extLst>
+              <a:ext uri="{FF2B5EF4-FFF2-40B4-BE49-F238E27FC236}">
+                <a16:creationId xmlns:a16="http://schemas.microsoft.com/office/drawing/2014/main" id="{935CDB19-4D8B-5B16-E82F-8B398545FF17}"/>
+              </a:ext>
+            </a:extLst>
+          </p:cNvPr>
+          <p:cNvPicPr>
+            <a:picLocks noChangeAspect="1" noChangeArrowheads="1"/>
+          </p:cNvPicPr>
+          <p:nvPr/>
+        </p:nvPicPr>
+        <p:blipFill>
+          <a:blip r:embed="rId2">
+            <a:extLst>
+              <a:ext uri="{28A0092B-C50C-407E-A947-70E740481C1C}">
+                <a14:useLocalDpi xmlns:a14="http://schemas.microsoft.com/office/drawing/2010/main" val="0"/>
+              </a:ext>
+            </a:extLst>
+          </a:blip>
+          <a:srcRect/>
+          <a:stretch>
+            <a:fillRect/>
+          </a:stretch>
+        </p:blipFill>
+        <p:spPr bwMode="auto">
+          <a:xfrm>
+            <a:off x="1835696" y="2172598"/>
+            <a:ext cx="3004742" cy="2023759"/>
+          </a:xfrm>
+          <a:prstGeom prst="rect">
+            <a:avLst/>
+          </a:prstGeom>
+          <a:noFill/>
+          <a:extLst>
+            <a:ext uri="{909E8E84-426E-40DD-AFC4-6F175D3DCCD1}">
+              <a14:hiddenFill xmlns:a14="http://schemas.microsoft.com/office/drawing/2010/main">
+                <a:solidFill>
+                  <a:srgbClr val="FFFFFF"/>
+                </a:solidFill>
+              </a14:hiddenFill>
+            </a:ext>
+          </a:extLst>
+        </p:spPr>
+      </p:pic>
+      <p:pic>
+        <p:nvPicPr>
+          <p:cNvPr id="1029" name="Picture 5">
+            <a:extLst>
+              <a:ext uri="{FF2B5EF4-FFF2-40B4-BE49-F238E27FC236}">
+                <a16:creationId xmlns:a16="http://schemas.microsoft.com/office/drawing/2014/main" id="{872B1E83-1308-69B9-F426-5D3E589E5BA3}"/>
+              </a:ext>
+            </a:extLst>
+          </p:cNvPr>
+          <p:cNvPicPr>
+            <a:picLocks noChangeAspect="1" noChangeArrowheads="1"/>
+          </p:cNvPicPr>
+          <p:nvPr/>
+        </p:nvPicPr>
+        <p:blipFill>
+          <a:blip r:embed="rId3">
+            <a:extLst>
+              <a:ext uri="{28A0092B-C50C-407E-A947-70E740481C1C}">
+                <a14:useLocalDpi xmlns:a14="http://schemas.microsoft.com/office/drawing/2010/main" val="0"/>
+              </a:ext>
+            </a:extLst>
+          </a:blip>
+          <a:srcRect/>
+          <a:stretch>
+            <a:fillRect/>
+          </a:stretch>
+        </p:blipFill>
+        <p:spPr bwMode="auto">
+          <a:xfrm>
+            <a:off x="1903666" y="4437112"/>
+            <a:ext cx="3051088" cy="2054657"/>
+          </a:xfrm>
+          <a:prstGeom prst="rect">
+            <a:avLst/>
+          </a:prstGeom>
+          <a:noFill/>
+          <a:extLst>
+            <a:ext uri="{909E8E84-426E-40DD-AFC4-6F175D3DCCD1}">
+              <a14:hiddenFill xmlns:a14="http://schemas.microsoft.com/office/drawing/2010/main">
+                <a:solidFill>
+                  <a:srgbClr val="FFFFFF"/>
+                </a:solidFill>
+              </a14:hiddenFill>
+            </a:ext>
+          </a:extLst>
+        </p:spPr>
+      </p:pic>
+      <p:sp>
+        <p:nvSpPr>
+          <p:cNvPr id="4" name="TextBox 3">
+            <a:extLst>
+              <a:ext uri="{FF2B5EF4-FFF2-40B4-BE49-F238E27FC236}">
+                <a16:creationId xmlns:a16="http://schemas.microsoft.com/office/drawing/2014/main" id="{830626B9-8918-4128-C21A-ABC7D0EE2437}"/>
+              </a:ext>
+            </a:extLst>
+          </p:cNvPr>
+          <p:cNvSpPr txBox="1"/>
+          <p:nvPr/>
+        </p:nvSpPr>
+        <p:spPr>
+          <a:xfrm>
+            <a:off x="179512" y="2790983"/>
+            <a:ext cx="1368152" cy="307777"/>
+          </a:xfrm>
+          <a:prstGeom prst="rect">
+            <a:avLst/>
+          </a:prstGeom>
+          <a:noFill/>
+        </p:spPr>
+        <p:txBody>
+          <a:bodyPr wrap="square" rtlCol="0">
+            <a:spAutoFit/>
+          </a:bodyPr>
+          <a:lstStyle/>
+          <a:p>
+            <a:r>
+              <a:rPr lang="en-IN" sz="1400" dirty="0"/>
+              <a:t>Defaulters</a:t>
+            </a:r>
+          </a:p>
+        </p:txBody>
+      </p:sp>
+      <p:sp>
+        <p:nvSpPr>
+          <p:cNvPr id="5" name="TextBox 4">
+            <a:extLst>
+              <a:ext uri="{FF2B5EF4-FFF2-40B4-BE49-F238E27FC236}">
+                <a16:creationId xmlns:a16="http://schemas.microsoft.com/office/drawing/2014/main" id="{3F6F8E28-4901-B399-971C-E36FE590F5E0}"/>
+              </a:ext>
+            </a:extLst>
+          </p:cNvPr>
+          <p:cNvSpPr txBox="1"/>
+          <p:nvPr/>
+        </p:nvSpPr>
+        <p:spPr>
+          <a:xfrm>
+            <a:off x="206644" y="5101415"/>
+            <a:ext cx="1368152" cy="307777"/>
+          </a:xfrm>
+          <a:prstGeom prst="rect">
+            <a:avLst/>
+          </a:prstGeom>
+          <a:noFill/>
+        </p:spPr>
+        <p:txBody>
+          <a:bodyPr wrap="square" rtlCol="0">
+            <a:spAutoFit/>
+          </a:bodyPr>
+          <a:lstStyle/>
+          <a:p>
+            <a:r>
+              <a:rPr lang="en-IN" sz="1400" dirty="0"/>
+              <a:t>Non defaulters</a:t>
+            </a:r>
+          </a:p>
+        </p:txBody>
+      </p:sp>
+      <p:sp>
+        <p:nvSpPr>
+          <p:cNvPr id="6" name="TextBox 5">
+            <a:extLst>
+              <a:ext uri="{FF2B5EF4-FFF2-40B4-BE49-F238E27FC236}">
+                <a16:creationId xmlns:a16="http://schemas.microsoft.com/office/drawing/2014/main" id="{31661278-8D03-F953-A360-3F12AF568A53}"/>
+              </a:ext>
+            </a:extLst>
+          </p:cNvPr>
+          <p:cNvSpPr txBox="1"/>
+          <p:nvPr/>
+        </p:nvSpPr>
+        <p:spPr>
+          <a:xfrm>
+            <a:off x="5638710" y="2238438"/>
+            <a:ext cx="3051088" cy="2308324"/>
+          </a:xfrm>
+          <a:prstGeom prst="rect">
+            <a:avLst/>
+          </a:prstGeom>
+          <a:noFill/>
+        </p:spPr>
+        <p:txBody>
+          <a:bodyPr wrap="square" rtlCol="0">
+            <a:spAutoFit/>
+          </a:bodyPr>
+          <a:lstStyle/>
+          <a:p>
+            <a:pPr marL="285750" indent="-285750">
+              <a:buFont typeface="Arial" panose="020B0604020202020204" pitchFamily="34" charset="0"/>
+              <a:buChar char="•"/>
+            </a:pPr>
+            <a:r>
+              <a:rPr lang="en-IN" dirty="0"/>
+              <a:t>Defaulter (loan status = “Charged Oss”) count is trending up with DTI value</a:t>
+            </a:r>
+          </a:p>
+          <a:p>
+            <a:pPr marL="285750" indent="-285750">
+              <a:buFont typeface="Arial" panose="020B0604020202020204" pitchFamily="34" charset="0"/>
+              <a:buChar char="•"/>
+            </a:pPr>
+            <a:r>
+              <a:rPr lang="en-IN" dirty="0"/>
+              <a:t>Peaks observed DTI &gt; 14; securitize deep for these loan requests </a:t>
+            </a:r>
+          </a:p>
+          <a:p>
+            <a:endParaRPr lang="en-IN" dirty="0"/>
+          </a:p>
+        </p:txBody>
+      </p:sp>
     </p:spTree>
     <p:extLst>
       <p:ext uri="{BB962C8B-B14F-4D97-AF65-F5344CB8AC3E}">
         <p14:creationId xmlns:p14="http://schemas.microsoft.com/office/powerpoint/2010/main" val="3546599479"/>
+      </p:ext>
+    </p:extLst>
+  </p:cSld>
+  <p:clrMapOvr>
+    <a:masterClrMapping/>
+  </p:clrMapOvr>
+</p:sld>
+</file>
+
+<file path=ppt/slides/slide7.xml><?xml version="1.0" encoding="utf-8"?>
+<p:sld xmlns:a="http://schemas.openxmlformats.org/drawingml/2006/main" xmlns:r="http://schemas.openxmlformats.org/officeDocument/2006/relationships" xmlns:p="http://schemas.openxmlformats.org/presentationml/2006/main">
+  <p:cSld>
+    <p:spTree>
+      <p:nvGrpSpPr>
+        <p:cNvPr id="1" name=""/>
+        <p:cNvGrpSpPr/>
+        <p:nvPr/>
+      </p:nvGrpSpPr>
+      <p:grpSpPr>
+        <a:xfrm>
+          <a:off x="0" y="0"/>
+          <a:ext cx="0" cy="0"/>
+          <a:chOff x="0" y="0"/>
+          <a:chExt cx="0" cy="0"/>
+        </a:xfrm>
+      </p:grpSpPr>
+      <p:sp>
+        <p:nvSpPr>
+          <p:cNvPr id="4098" name="Rectangle 2">
+            <a:extLst>
+              <a:ext uri="{FF2B5EF4-FFF2-40B4-BE49-F238E27FC236}">
+                <a16:creationId xmlns:a16="http://schemas.microsoft.com/office/drawing/2014/main" id="{2BAFB2C9-6F6C-E160-9580-037FF81E1208}"/>
+              </a:ext>
+            </a:extLst>
+          </p:cNvPr>
+          <p:cNvSpPr>
+            <a:spLocks noGrp="1" noChangeArrowheads="1"/>
+          </p:cNvSpPr>
+          <p:nvPr>
+            <p:ph type="title"/>
+          </p:nvPr>
+        </p:nvSpPr>
+        <p:spPr>
+          <a:xfrm>
+            <a:off x="1686173" y="188640"/>
+            <a:ext cx="6480000" cy="981075"/>
+          </a:xfrm>
+        </p:spPr>
+        <p:txBody>
+          <a:bodyPr vert="horz" wrap="none" anchor="ctr" anchorCtr="1"/>
+          <a:lstStyle/>
+          <a:p>
+            <a:pPr eaLnBrk="1" hangingPunct="1"/>
+            <a:r>
+              <a:rPr lang="en-US" altLang="en-US" dirty="0">
+                <a:solidFill>
+                  <a:schemeClr val="accent1">
+                    <a:lumMod val="90000"/>
+                  </a:schemeClr>
+                </a:solidFill>
+              </a:rPr>
+              <a:t>         Data Insights  1/10</a:t>
+            </a:r>
+          </a:p>
+        </p:txBody>
+      </p:sp>
+      <p:sp>
+        <p:nvSpPr>
+          <p:cNvPr id="2" name="TextBox 1">
+            <a:extLst>
+              <a:ext uri="{FF2B5EF4-FFF2-40B4-BE49-F238E27FC236}">
+                <a16:creationId xmlns:a16="http://schemas.microsoft.com/office/drawing/2014/main" id="{79957AFD-4410-DCE2-3A52-199C302FA8C0}"/>
+              </a:ext>
+            </a:extLst>
+          </p:cNvPr>
+          <p:cNvSpPr txBox="1"/>
+          <p:nvPr/>
+        </p:nvSpPr>
+        <p:spPr>
+          <a:xfrm>
+            <a:off x="1691680" y="1097707"/>
+            <a:ext cx="7578357" cy="461665"/>
+          </a:xfrm>
+          <a:prstGeom prst="rect">
+            <a:avLst/>
+          </a:prstGeom>
+          <a:noFill/>
+        </p:spPr>
+        <p:txBody>
+          <a:bodyPr vert="horz" wrap="none" rtlCol="0" anchor="ctr" anchorCtr="1">
+            <a:spAutoFit/>
+          </a:bodyPr>
+          <a:lstStyle/>
+          <a:p>
+            <a:pPr algn="ctr"/>
+            <a:r>
+              <a:rPr lang="en-IN" sz="2400" dirty="0">
+                <a:solidFill>
+                  <a:schemeClr val="bg1"/>
+                </a:solidFill>
+              </a:rPr>
+              <a:t>Bivariate Analysis – Employment Vs Defaulter Count </a:t>
+            </a:r>
+          </a:p>
+        </p:txBody>
+      </p:sp>
+      <p:sp>
+        <p:nvSpPr>
+          <p:cNvPr id="6" name="TextBox 5">
+            <a:extLst>
+              <a:ext uri="{FF2B5EF4-FFF2-40B4-BE49-F238E27FC236}">
+                <a16:creationId xmlns:a16="http://schemas.microsoft.com/office/drawing/2014/main" id="{31661278-8D03-F953-A360-3F12AF568A53}"/>
+              </a:ext>
+            </a:extLst>
+          </p:cNvPr>
+          <p:cNvSpPr txBox="1"/>
+          <p:nvPr/>
+        </p:nvSpPr>
+        <p:spPr>
+          <a:xfrm>
+            <a:off x="5638710" y="2238438"/>
+            <a:ext cx="3051088" cy="1477328"/>
+          </a:xfrm>
+          <a:prstGeom prst="rect">
+            <a:avLst/>
+          </a:prstGeom>
+          <a:noFill/>
+        </p:spPr>
+        <p:txBody>
+          <a:bodyPr wrap="square" rtlCol="0">
+            <a:spAutoFit/>
+          </a:bodyPr>
+          <a:lstStyle/>
+          <a:p>
+            <a:pPr marL="285750" indent="-285750">
+              <a:buFont typeface="Arial" panose="020B0604020202020204" pitchFamily="34" charset="0"/>
+              <a:buChar char="•"/>
+            </a:pPr>
+            <a:r>
+              <a:rPr lang="en-IN" dirty="0"/>
+              <a:t>Employment length &lt; 2 </a:t>
+            </a:r>
+            <a:r>
+              <a:rPr lang="en-IN" dirty="0" err="1"/>
+              <a:t>yrs</a:t>
+            </a:r>
+            <a:r>
+              <a:rPr lang="en-IN" dirty="0"/>
+              <a:t> &amp; 10+ years to be watched as deflater peaks </a:t>
+            </a:r>
+          </a:p>
+          <a:p>
+            <a:endParaRPr lang="en-IN" dirty="0"/>
+          </a:p>
+        </p:txBody>
+      </p:sp>
+      <p:pic>
+        <p:nvPicPr>
+          <p:cNvPr id="2052" name="Picture 4">
+            <a:extLst>
+              <a:ext uri="{FF2B5EF4-FFF2-40B4-BE49-F238E27FC236}">
+                <a16:creationId xmlns:a16="http://schemas.microsoft.com/office/drawing/2014/main" id="{76177404-69D3-0E3D-E656-7F6CC21845B9}"/>
+              </a:ext>
+            </a:extLst>
+          </p:cNvPr>
+          <p:cNvPicPr>
+            <a:picLocks noChangeAspect="1" noChangeArrowheads="1"/>
+          </p:cNvPicPr>
+          <p:nvPr/>
+        </p:nvPicPr>
+        <p:blipFill>
+          <a:blip r:embed="rId2">
+            <a:extLst>
+              <a:ext uri="{28A0092B-C50C-407E-A947-70E740481C1C}">
+                <a14:useLocalDpi xmlns:a14="http://schemas.microsoft.com/office/drawing/2010/main" val="0"/>
+              </a:ext>
+            </a:extLst>
+          </a:blip>
+          <a:srcRect/>
+          <a:stretch>
+            <a:fillRect/>
+          </a:stretch>
+        </p:blipFill>
+        <p:spPr bwMode="auto">
+          <a:xfrm>
+            <a:off x="809625" y="2144825"/>
+            <a:ext cx="3762375" cy="2495550"/>
+          </a:xfrm>
+          <a:prstGeom prst="rect">
+            <a:avLst/>
+          </a:prstGeom>
+          <a:noFill/>
+          <a:extLst>
+            <a:ext uri="{909E8E84-426E-40DD-AFC4-6F175D3DCCD1}">
+              <a14:hiddenFill xmlns:a14="http://schemas.microsoft.com/office/drawing/2010/main">
+                <a:solidFill>
+                  <a:srgbClr val="FFFFFF"/>
+                </a:solidFill>
+              </a14:hiddenFill>
+            </a:ext>
+          </a:extLst>
+        </p:spPr>
+      </p:pic>
+      <p:sp>
+        <p:nvSpPr>
+          <p:cNvPr id="3" name="Arrow: Left 2">
+            <a:extLst>
+              <a:ext uri="{FF2B5EF4-FFF2-40B4-BE49-F238E27FC236}">
+                <a16:creationId xmlns:a16="http://schemas.microsoft.com/office/drawing/2014/main" id="{59137BDA-047A-3009-41BF-47BBC53A4E7F}"/>
+              </a:ext>
+            </a:extLst>
+          </p:cNvPr>
+          <p:cNvSpPr/>
+          <p:nvPr/>
+        </p:nvSpPr>
+        <p:spPr>
+          <a:xfrm>
+            <a:off x="1979712" y="2636912"/>
+            <a:ext cx="576064" cy="288032"/>
+          </a:xfrm>
+          <a:prstGeom prst="leftArrow">
+            <a:avLst/>
+          </a:prstGeom>
+          <a:solidFill>
+            <a:schemeClr val="accent2">
+              <a:lumMod val="60000"/>
+              <a:lumOff val="40000"/>
+            </a:schemeClr>
+          </a:solidFill>
+        </p:spPr>
+        <p:style>
+          <a:lnRef idx="2">
+            <a:schemeClr val="accent1">
+              <a:shade val="50000"/>
+            </a:schemeClr>
+          </a:lnRef>
+          <a:fillRef idx="1">
+            <a:schemeClr val="accent1"/>
+          </a:fillRef>
+          <a:effectRef idx="0">
+            <a:schemeClr val="accent1"/>
+          </a:effectRef>
+          <a:fontRef idx="minor">
+            <a:schemeClr val="lt1"/>
+          </a:fontRef>
+        </p:style>
+        <p:txBody>
+          <a:bodyPr rtlCol="0" anchor="ctr"/>
+          <a:lstStyle/>
+          <a:p>
+            <a:pPr algn="ctr"/>
+            <a:endParaRPr lang="en-IN"/>
+          </a:p>
+        </p:txBody>
+      </p:sp>
+      <p:sp>
+        <p:nvSpPr>
+          <p:cNvPr id="7" name="Arrow: Left 6">
+            <a:extLst>
+              <a:ext uri="{FF2B5EF4-FFF2-40B4-BE49-F238E27FC236}">
+                <a16:creationId xmlns:a16="http://schemas.microsoft.com/office/drawing/2014/main" id="{38CC6900-FE79-EAA0-4E05-58B42C2868EB}"/>
+              </a:ext>
+            </a:extLst>
+          </p:cNvPr>
+          <p:cNvSpPr/>
+          <p:nvPr/>
+        </p:nvSpPr>
+        <p:spPr>
+          <a:xfrm flipH="1">
+            <a:off x="3491880" y="2636912"/>
+            <a:ext cx="576064" cy="288032"/>
+          </a:xfrm>
+          <a:prstGeom prst="leftArrow">
+            <a:avLst/>
+          </a:prstGeom>
+          <a:solidFill>
+            <a:schemeClr val="accent2">
+              <a:lumMod val="60000"/>
+              <a:lumOff val="40000"/>
+            </a:schemeClr>
+          </a:solidFill>
+        </p:spPr>
+        <p:style>
+          <a:lnRef idx="2">
+            <a:schemeClr val="accent1">
+              <a:shade val="50000"/>
+            </a:schemeClr>
+          </a:lnRef>
+          <a:fillRef idx="1">
+            <a:schemeClr val="accent1"/>
+          </a:fillRef>
+          <a:effectRef idx="0">
+            <a:schemeClr val="accent1"/>
+          </a:effectRef>
+          <a:fontRef idx="minor">
+            <a:schemeClr val="lt1"/>
+          </a:fontRef>
+        </p:style>
+        <p:txBody>
+          <a:bodyPr rtlCol="0" anchor="ctr"/>
+          <a:lstStyle/>
+          <a:p>
+            <a:pPr algn="ctr"/>
+            <a:endParaRPr lang="en-IN"/>
+          </a:p>
+        </p:txBody>
+      </p:sp>
+    </p:spTree>
+    <p:extLst>
+      <p:ext uri="{BB962C8B-B14F-4D97-AF65-F5344CB8AC3E}">
+        <p14:creationId xmlns:p14="http://schemas.microsoft.com/office/powerpoint/2010/main" val="1786619864"/>
+      </p:ext>
+    </p:extLst>
+  </p:cSld>
+  <p:clrMapOvr>
+    <a:masterClrMapping/>
+  </p:clrMapOvr>
+</p:sld>
+</file>
+
+<file path=ppt/slides/slide8.xml><?xml version="1.0" encoding="utf-8"?>
+<p:sld xmlns:a="http://schemas.openxmlformats.org/drawingml/2006/main" xmlns:r="http://schemas.openxmlformats.org/officeDocument/2006/relationships" xmlns:p="http://schemas.openxmlformats.org/presentationml/2006/main">
+  <p:cSld>
+    <p:spTree>
+      <p:nvGrpSpPr>
+        <p:cNvPr id="1" name=""/>
+        <p:cNvGrpSpPr/>
+        <p:nvPr/>
+      </p:nvGrpSpPr>
+      <p:grpSpPr>
+        <a:xfrm>
+          <a:off x="0" y="0"/>
+          <a:ext cx="0" cy="0"/>
+          <a:chOff x="0" y="0"/>
+          <a:chExt cx="0" cy="0"/>
+        </a:xfrm>
+      </p:grpSpPr>
+      <p:sp>
+        <p:nvSpPr>
+          <p:cNvPr id="4098" name="Rectangle 2">
+            <a:extLst>
+              <a:ext uri="{FF2B5EF4-FFF2-40B4-BE49-F238E27FC236}">
+                <a16:creationId xmlns:a16="http://schemas.microsoft.com/office/drawing/2014/main" id="{2BAFB2C9-6F6C-E160-9580-037FF81E1208}"/>
+              </a:ext>
+            </a:extLst>
+          </p:cNvPr>
+          <p:cNvSpPr>
+            <a:spLocks noGrp="1" noChangeArrowheads="1"/>
+          </p:cNvSpPr>
+          <p:nvPr>
+            <p:ph type="title"/>
+          </p:nvPr>
+        </p:nvSpPr>
+        <p:spPr>
+          <a:xfrm>
+            <a:off x="1686173" y="188640"/>
+            <a:ext cx="6480000" cy="981075"/>
+          </a:xfrm>
+        </p:spPr>
+        <p:txBody>
+          <a:bodyPr vert="horz" wrap="none" anchor="ctr" anchorCtr="1"/>
+          <a:lstStyle/>
+          <a:p>
+            <a:pPr eaLnBrk="1" hangingPunct="1"/>
+            <a:r>
+              <a:rPr lang="en-US" altLang="en-US" dirty="0">
+                <a:solidFill>
+                  <a:schemeClr val="accent1">
+                    <a:lumMod val="90000"/>
+                  </a:schemeClr>
+                </a:solidFill>
+              </a:rPr>
+              <a:t>         Data Insights  1/10</a:t>
+            </a:r>
+          </a:p>
+        </p:txBody>
+      </p:sp>
+      <p:sp>
+        <p:nvSpPr>
+          <p:cNvPr id="2" name="TextBox 1">
+            <a:extLst>
+              <a:ext uri="{FF2B5EF4-FFF2-40B4-BE49-F238E27FC236}">
+                <a16:creationId xmlns:a16="http://schemas.microsoft.com/office/drawing/2014/main" id="{79957AFD-4410-DCE2-3A52-199C302FA8C0}"/>
+              </a:ext>
+            </a:extLst>
+          </p:cNvPr>
+          <p:cNvSpPr txBox="1"/>
+          <p:nvPr/>
+        </p:nvSpPr>
+        <p:spPr>
+          <a:xfrm>
+            <a:off x="1913696" y="1097707"/>
+            <a:ext cx="7134325" cy="461665"/>
+          </a:xfrm>
+          <a:prstGeom prst="rect">
+            <a:avLst/>
+          </a:prstGeom>
+          <a:noFill/>
+        </p:spPr>
+        <p:txBody>
+          <a:bodyPr vert="horz" wrap="none" rtlCol="0" anchor="ctr" anchorCtr="1">
+            <a:spAutoFit/>
+          </a:bodyPr>
+          <a:lstStyle/>
+          <a:p>
+            <a:pPr algn="ctr"/>
+            <a:r>
+              <a:rPr lang="en-IN" sz="2400" dirty="0">
+                <a:solidFill>
+                  <a:schemeClr val="bg1"/>
+                </a:solidFill>
+              </a:rPr>
+              <a:t>Bivariate Analysis – Loan Purpose Vs Defaulters </a:t>
+            </a:r>
+          </a:p>
+        </p:txBody>
+      </p:sp>
+      <p:sp>
+        <p:nvSpPr>
+          <p:cNvPr id="6" name="TextBox 5">
+            <a:extLst>
+              <a:ext uri="{FF2B5EF4-FFF2-40B4-BE49-F238E27FC236}">
+                <a16:creationId xmlns:a16="http://schemas.microsoft.com/office/drawing/2014/main" id="{31661278-8D03-F953-A360-3F12AF568A53}"/>
+              </a:ext>
+            </a:extLst>
+          </p:cNvPr>
+          <p:cNvSpPr txBox="1"/>
+          <p:nvPr/>
+        </p:nvSpPr>
+        <p:spPr>
+          <a:xfrm>
+            <a:off x="4572000" y="1916832"/>
+            <a:ext cx="4117798" cy="1815882"/>
+          </a:xfrm>
+          <a:prstGeom prst="rect">
+            <a:avLst/>
+          </a:prstGeom>
+          <a:noFill/>
+        </p:spPr>
+        <p:txBody>
+          <a:bodyPr wrap="square" rtlCol="0">
+            <a:spAutoFit/>
+          </a:bodyPr>
+          <a:lstStyle/>
+          <a:p>
+            <a:pPr marL="285750" indent="-285750">
+              <a:buFont typeface="Arial" panose="020B0604020202020204" pitchFamily="34" charset="0"/>
+              <a:buChar char="•"/>
+            </a:pPr>
+            <a:r>
+              <a:rPr lang="en-IN" sz="1400" dirty="0"/>
+              <a:t>Below purpose categories to be handled cautiously as % defaulters are higher side </a:t>
+            </a:r>
+          </a:p>
+          <a:p>
+            <a:pPr marL="742950" lvl="1" indent="-285750">
+              <a:buFont typeface="Arial" panose="020B0604020202020204" pitchFamily="34" charset="0"/>
+              <a:buChar char="•"/>
+            </a:pPr>
+            <a:r>
+              <a:rPr lang="en-IN" sz="1400" dirty="0"/>
+              <a:t>Dept Consolidation</a:t>
+            </a:r>
+          </a:p>
+          <a:p>
+            <a:pPr marL="742950" lvl="1" indent="-285750">
+              <a:buFont typeface="Arial" panose="020B0604020202020204" pitchFamily="34" charset="0"/>
+              <a:buChar char="•"/>
+            </a:pPr>
+            <a:r>
+              <a:rPr lang="en-IN" sz="1400" dirty="0"/>
+              <a:t>Credit Card</a:t>
+            </a:r>
+          </a:p>
+          <a:p>
+            <a:pPr marL="742950" lvl="1" indent="-285750">
+              <a:buFont typeface="Arial" panose="020B0604020202020204" pitchFamily="34" charset="0"/>
+              <a:buChar char="•"/>
+            </a:pPr>
+            <a:r>
+              <a:rPr lang="en-IN" sz="1400" dirty="0"/>
+              <a:t>Small Business </a:t>
+            </a:r>
+          </a:p>
+          <a:p>
+            <a:pPr marL="285750" indent="-285750">
+              <a:buFont typeface="Arial" panose="020B0604020202020204" pitchFamily="34" charset="0"/>
+              <a:buChar char="•"/>
+            </a:pPr>
+            <a:r>
+              <a:rPr lang="en-IN" sz="1400" dirty="0"/>
+              <a:t>Highest % defaulters are in Small Business Category</a:t>
+            </a:r>
+          </a:p>
+          <a:p>
+            <a:endParaRPr lang="en-IN" sz="1400" dirty="0"/>
+          </a:p>
+        </p:txBody>
+      </p:sp>
+      <p:pic>
+        <p:nvPicPr>
+          <p:cNvPr id="4" name="Picture 2">
+            <a:extLst>
+              <a:ext uri="{FF2B5EF4-FFF2-40B4-BE49-F238E27FC236}">
+                <a16:creationId xmlns:a16="http://schemas.microsoft.com/office/drawing/2014/main" id="{B453FCB2-9DA7-13D6-7C35-8D6003F843EB}"/>
+              </a:ext>
+            </a:extLst>
+          </p:cNvPr>
+          <p:cNvPicPr>
+            <a:picLocks noChangeAspect="1" noChangeArrowheads="1"/>
+          </p:cNvPicPr>
+          <p:nvPr/>
+        </p:nvPicPr>
+        <p:blipFill>
+          <a:blip r:embed="rId2">
+            <a:extLst>
+              <a:ext uri="{28A0092B-C50C-407E-A947-70E740481C1C}">
+                <a14:useLocalDpi xmlns:a14="http://schemas.microsoft.com/office/drawing/2010/main" val="0"/>
+              </a:ext>
+            </a:extLst>
+          </a:blip>
+          <a:srcRect/>
+          <a:stretch>
+            <a:fillRect/>
+          </a:stretch>
+        </p:blipFill>
+        <p:spPr bwMode="auto">
+          <a:xfrm>
+            <a:off x="251520" y="1916832"/>
+            <a:ext cx="3590925" cy="3990975"/>
+          </a:xfrm>
+          <a:prstGeom prst="rect">
+            <a:avLst/>
+          </a:prstGeom>
+          <a:noFill/>
+          <a:extLst>
+            <a:ext uri="{909E8E84-426E-40DD-AFC4-6F175D3DCCD1}">
+              <a14:hiddenFill xmlns:a14="http://schemas.microsoft.com/office/drawing/2010/main">
+                <a:solidFill>
+                  <a:srgbClr val="FFFFFF"/>
+                </a:solidFill>
+              </a14:hiddenFill>
+            </a:ext>
+          </a:extLst>
+        </p:spPr>
+      </p:pic>
+      <p:sp>
+        <p:nvSpPr>
+          <p:cNvPr id="5" name="Rectangle 4">
+            <a:extLst>
+              <a:ext uri="{FF2B5EF4-FFF2-40B4-BE49-F238E27FC236}">
+                <a16:creationId xmlns:a16="http://schemas.microsoft.com/office/drawing/2014/main" id="{C30FBF57-0C84-1A05-6133-957ADBDEF593}"/>
+              </a:ext>
+            </a:extLst>
+          </p:cNvPr>
+          <p:cNvSpPr/>
+          <p:nvPr/>
+        </p:nvSpPr>
+        <p:spPr>
+          <a:xfrm>
+            <a:off x="1187624" y="2078782"/>
+            <a:ext cx="576064" cy="2502346"/>
+          </a:xfrm>
+          <a:prstGeom prst="rect">
+            <a:avLst/>
+          </a:prstGeom>
+          <a:noFill/>
+          <a:ln w="41275" cmpd="dbl">
+            <a:solidFill>
+              <a:srgbClr val="C00000"/>
+            </a:solidFill>
+            <a:prstDash val="dash"/>
+          </a:ln>
+        </p:spPr>
+        <p:style>
+          <a:lnRef idx="2">
+            <a:schemeClr val="accent1">
+              <a:shade val="50000"/>
+            </a:schemeClr>
+          </a:lnRef>
+          <a:fillRef idx="1">
+            <a:schemeClr val="accent1"/>
+          </a:fillRef>
+          <a:effectRef idx="0">
+            <a:schemeClr val="accent1"/>
+          </a:effectRef>
+          <a:fontRef idx="minor">
+            <a:schemeClr val="lt1"/>
+          </a:fontRef>
+        </p:style>
+        <p:txBody>
+          <a:bodyPr rtlCol="0" anchor="ctr"/>
+          <a:lstStyle/>
+          <a:p>
+            <a:pPr algn="ctr"/>
+            <a:endParaRPr lang="en-IN"/>
+          </a:p>
+        </p:txBody>
+      </p:sp>
+    </p:spTree>
+    <p:extLst>
+      <p:ext uri="{BB962C8B-B14F-4D97-AF65-F5344CB8AC3E}">
+        <p14:creationId xmlns:p14="http://schemas.microsoft.com/office/powerpoint/2010/main" val="495848562"/>
+      </p:ext>
+    </p:extLst>
+  </p:cSld>
+  <p:clrMapOvr>
+    <a:masterClrMapping/>
+  </p:clrMapOvr>
+</p:sld>
+</file>
+
+<file path=ppt/slides/slide9.xml><?xml version="1.0" encoding="utf-8"?>
+<p:sld xmlns:a="http://schemas.openxmlformats.org/drawingml/2006/main" xmlns:r="http://schemas.openxmlformats.org/officeDocument/2006/relationships" xmlns:p="http://schemas.openxmlformats.org/presentationml/2006/main">
+  <p:cSld>
+    <p:spTree>
+      <p:nvGrpSpPr>
+        <p:cNvPr id="1" name=""/>
+        <p:cNvGrpSpPr/>
+        <p:nvPr/>
+      </p:nvGrpSpPr>
+      <p:grpSpPr>
+        <a:xfrm>
+          <a:off x="0" y="0"/>
+          <a:ext cx="0" cy="0"/>
+          <a:chOff x="0" y="0"/>
+          <a:chExt cx="0" cy="0"/>
+        </a:xfrm>
+      </p:grpSpPr>
+      <p:sp>
+        <p:nvSpPr>
+          <p:cNvPr id="4098" name="Rectangle 2">
+            <a:extLst>
+              <a:ext uri="{FF2B5EF4-FFF2-40B4-BE49-F238E27FC236}">
+                <a16:creationId xmlns:a16="http://schemas.microsoft.com/office/drawing/2014/main" id="{2BAFB2C9-6F6C-E160-9580-037FF81E1208}"/>
+              </a:ext>
+            </a:extLst>
+          </p:cNvPr>
+          <p:cNvSpPr>
+            <a:spLocks noGrp="1" noChangeArrowheads="1"/>
+          </p:cNvSpPr>
+          <p:nvPr>
+            <p:ph type="title"/>
+          </p:nvPr>
+        </p:nvSpPr>
+        <p:spPr>
+          <a:xfrm>
+            <a:off x="1686173" y="188640"/>
+            <a:ext cx="6480000" cy="981075"/>
+          </a:xfrm>
+        </p:spPr>
+        <p:txBody>
+          <a:bodyPr vert="horz" wrap="none" anchor="ctr" anchorCtr="1"/>
+          <a:lstStyle/>
+          <a:p>
+            <a:pPr eaLnBrk="1" hangingPunct="1"/>
+            <a:r>
+              <a:rPr lang="en-US" altLang="en-US" dirty="0">
+                <a:solidFill>
+                  <a:schemeClr val="accent1">
+                    <a:lumMod val="90000"/>
+                  </a:schemeClr>
+                </a:solidFill>
+              </a:rPr>
+              <a:t>         Data Insights  1/10</a:t>
+            </a:r>
+          </a:p>
+        </p:txBody>
+      </p:sp>
+      <p:sp>
+        <p:nvSpPr>
+          <p:cNvPr id="2" name="TextBox 1">
+            <a:extLst>
+              <a:ext uri="{FF2B5EF4-FFF2-40B4-BE49-F238E27FC236}">
+                <a16:creationId xmlns:a16="http://schemas.microsoft.com/office/drawing/2014/main" id="{79957AFD-4410-DCE2-3A52-199C302FA8C0}"/>
+              </a:ext>
+            </a:extLst>
+          </p:cNvPr>
+          <p:cNvSpPr txBox="1"/>
+          <p:nvPr/>
+        </p:nvSpPr>
+        <p:spPr>
+          <a:xfrm>
+            <a:off x="3541834" y="1143873"/>
+            <a:ext cx="3878048" cy="369332"/>
+          </a:xfrm>
+          <a:prstGeom prst="rect">
+            <a:avLst/>
+          </a:prstGeom>
+          <a:noFill/>
+        </p:spPr>
+        <p:txBody>
+          <a:bodyPr vert="horz" wrap="none" rtlCol="0" anchor="ctr" anchorCtr="1">
+            <a:spAutoFit/>
+          </a:bodyPr>
+          <a:lstStyle/>
+          <a:p>
+            <a:pPr algn="ctr"/>
+            <a:r>
+              <a:rPr lang="en-IN" dirty="0">
+                <a:solidFill>
+                  <a:schemeClr val="bg1"/>
+                </a:solidFill>
+              </a:rPr>
+              <a:t>Bivariate Analysis – year wise trend </a:t>
+            </a:r>
+          </a:p>
+        </p:txBody>
+      </p:sp>
+      <p:sp>
+        <p:nvSpPr>
+          <p:cNvPr id="6" name="TextBox 5">
+            <a:extLst>
+              <a:ext uri="{FF2B5EF4-FFF2-40B4-BE49-F238E27FC236}">
+                <a16:creationId xmlns:a16="http://schemas.microsoft.com/office/drawing/2014/main" id="{31661278-8D03-F953-A360-3F12AF568A53}"/>
+              </a:ext>
+            </a:extLst>
+          </p:cNvPr>
+          <p:cNvSpPr txBox="1"/>
+          <p:nvPr/>
+        </p:nvSpPr>
+        <p:spPr>
+          <a:xfrm>
+            <a:off x="5638710" y="2238438"/>
+            <a:ext cx="3051088" cy="1200329"/>
+          </a:xfrm>
+          <a:prstGeom prst="rect">
+            <a:avLst/>
+          </a:prstGeom>
+          <a:noFill/>
+        </p:spPr>
+        <p:txBody>
+          <a:bodyPr wrap="square" rtlCol="0">
+            <a:spAutoFit/>
+          </a:bodyPr>
+          <a:lstStyle/>
+          <a:p>
+            <a:pPr marL="285750" indent="-285750">
+              <a:buFont typeface="Arial" panose="020B0604020202020204" pitchFamily="34" charset="0"/>
+              <a:buChar char="•"/>
+            </a:pPr>
+            <a:r>
+              <a:rPr lang="en-IN" dirty="0"/>
+              <a:t>Loan count is trending up but defaulter rate is consistent ~18% for last 3 years</a:t>
+            </a:r>
+          </a:p>
+        </p:txBody>
+      </p:sp>
+      <p:pic>
+        <p:nvPicPr>
+          <p:cNvPr id="3074" name="Picture 2">
+            <a:extLst>
+              <a:ext uri="{FF2B5EF4-FFF2-40B4-BE49-F238E27FC236}">
+                <a16:creationId xmlns:a16="http://schemas.microsoft.com/office/drawing/2014/main" id="{073696AF-7907-188C-68F6-CB3BBEA4B4FA}"/>
+              </a:ext>
+            </a:extLst>
+          </p:cNvPr>
+          <p:cNvPicPr>
+            <a:picLocks noChangeAspect="1" noChangeArrowheads="1"/>
+          </p:cNvPicPr>
+          <p:nvPr/>
+        </p:nvPicPr>
+        <p:blipFill>
+          <a:blip r:embed="rId2">
+            <a:extLst>
+              <a:ext uri="{28A0092B-C50C-407E-A947-70E740481C1C}">
+                <a14:useLocalDpi xmlns:a14="http://schemas.microsoft.com/office/drawing/2010/main" val="0"/>
+              </a:ext>
+            </a:extLst>
+          </a:blip>
+          <a:srcRect/>
+          <a:stretch>
+            <a:fillRect/>
+          </a:stretch>
+        </p:blipFill>
+        <p:spPr bwMode="auto">
+          <a:xfrm>
+            <a:off x="323528" y="2075952"/>
+            <a:ext cx="3295650" cy="3162300"/>
+          </a:xfrm>
+          <a:prstGeom prst="rect">
+            <a:avLst/>
+          </a:prstGeom>
+          <a:noFill/>
+          <a:extLst>
+            <a:ext uri="{909E8E84-426E-40DD-AFC4-6F175D3DCCD1}">
+              <a14:hiddenFill xmlns:a14="http://schemas.microsoft.com/office/drawing/2010/main">
+                <a:solidFill>
+                  <a:srgbClr val="FFFFFF"/>
+                </a:solidFill>
+              </a14:hiddenFill>
+            </a:ext>
+          </a:extLst>
+        </p:spPr>
+      </p:pic>
+    </p:spTree>
+    <p:extLst>
+      <p:ext uri="{BB962C8B-B14F-4D97-AF65-F5344CB8AC3E}">
+        <p14:creationId xmlns:p14="http://schemas.microsoft.com/office/powerpoint/2010/main" val="602744923"/>
       </p:ext>
     </p:extLst>
   </p:cSld>

--- a/LeandingClub-CaseStudy.pptx
+++ b/LeandingClub-CaseStudy.pptx
@@ -6780,7 +6780,7 @@
           <a:p>
             <a:fld id="{BDC5F7DD-F8CC-455F-84F9-B40DC0416614}" type="datetimeFigureOut">
               <a:rPr lang="en-IN" smtClean="0"/>
-              <a:t>27-09-2022</a:t>
+              <a:t>28-09-2022</a:t>
             </a:fld>
             <a:endParaRPr lang="en-IN"/>
           </a:p>
@@ -10949,8 +10949,24 @@
                   </a:schemeClr>
                 </a:solidFill>
               </a:rPr>
-              <a:t>         Data Insights - 5/10</a:t>
-            </a:r>
+              <a:t>         Bivariate Analysis – Home Ownership </a:t>
+            </a:r>
+            <a:br>
+              <a:rPr lang="en-US" altLang="en-US" sz="3500" dirty="0">
+                <a:solidFill>
+                  <a:schemeClr val="accent1">
+                    <a:lumMod val="90000"/>
+                  </a:schemeClr>
+                </a:solidFill>
+              </a:rPr>
+            </a:br>
+            <a:endParaRPr lang="en-US" altLang="en-US" sz="3500" dirty="0">
+              <a:solidFill>
+                <a:schemeClr val="accent1">
+                  <a:lumMod val="90000"/>
+                </a:schemeClr>
+              </a:solidFill>
+            </a:endParaRPr>
           </a:p>
         </p:txBody>
       </p:sp>
@@ -10968,8 +10984,8 @@
         </p:nvSpPr>
         <p:spPr>
           <a:xfrm>
-            <a:off x="2673069" y="1090013"/>
-            <a:ext cx="5615576" cy="477054"/>
+            <a:off x="3779912" y="903500"/>
+            <a:ext cx="2965877" cy="477054"/>
           </a:xfrm>
           <a:prstGeom prst="rect">
             <a:avLst/>
@@ -10984,13 +11000,18 @@
           <a:p>
             <a:pPr algn="ctr"/>
             <a:r>
-              <a:rPr lang="en-IN" sz="2500" dirty="0">
+              <a:rPr lang="en-IN" sz="2500">
                 <a:solidFill>
                   <a:schemeClr val="bg1"/>
                 </a:solidFill>
               </a:rPr>
-              <a:t>Bivariate Analysis – Home Ownership </a:t>
-            </a:r>
+              <a:t>Data Insights - 5/10</a:t>
+            </a:r>
+            <a:endParaRPr lang="en-IN" sz="2500" dirty="0">
+              <a:solidFill>
+                <a:schemeClr val="bg1"/>
+              </a:solidFill>
+            </a:endParaRPr>
           </a:p>
         </p:txBody>
       </p:sp>
@@ -11319,7 +11340,7 @@
         </p:nvSpPr>
         <p:spPr>
           <a:xfrm>
-            <a:off x="1846955" y="132783"/>
+            <a:off x="1839822" y="304742"/>
             <a:ext cx="6480000" cy="981075"/>
           </a:xfrm>
         </p:spPr>
@@ -11336,8 +11357,43 @@
                   </a:schemeClr>
                 </a:solidFill>
               </a:rPr>
-              <a:t>         Data Insights - 6/10</a:t>
-            </a:r>
+              <a:t>Bivariate Analysis – </a:t>
+            </a:r>
+            <a:br>
+              <a:rPr lang="en-US" altLang="en-US" sz="3500" dirty="0">
+                <a:solidFill>
+                  <a:schemeClr val="accent1">
+                    <a:lumMod val="90000"/>
+                  </a:schemeClr>
+                </a:solidFill>
+              </a:rPr>
+            </a:br>
+            <a:r>
+              <a:rPr lang="en-US" altLang="en-US" sz="3500" dirty="0">
+                <a:solidFill>
+                  <a:schemeClr val="accent1">
+                    <a:lumMod val="90000"/>
+                  </a:schemeClr>
+                </a:solidFill>
+              </a:rPr>
+              <a:t>DTI Vs Loan Status </a:t>
+            </a:r>
+            <a:br>
+              <a:rPr lang="en-US" altLang="en-US" sz="3500" dirty="0">
+                <a:solidFill>
+                  <a:schemeClr val="accent1">
+                    <a:lumMod val="90000"/>
+                  </a:schemeClr>
+                </a:solidFill>
+              </a:rPr>
+            </a:br>
+            <a:endParaRPr lang="en-US" altLang="en-US" sz="3500" dirty="0">
+              <a:solidFill>
+                <a:schemeClr val="accent1">
+                  <a:lumMod val="90000"/>
+                </a:schemeClr>
+              </a:solidFill>
+            </a:endParaRPr>
           </a:p>
         </p:txBody>
       </p:sp>
@@ -11355,8 +11411,8 @@
         </p:nvSpPr>
         <p:spPr>
           <a:xfrm>
-            <a:off x="2835702" y="980728"/>
-            <a:ext cx="5920147" cy="477054"/>
+            <a:off x="3596883" y="1081187"/>
+            <a:ext cx="2965877" cy="477054"/>
           </a:xfrm>
           <a:prstGeom prst="rect">
             <a:avLst/>
@@ -11376,7 +11432,7 @@
                   <a:schemeClr val="bg1"/>
                 </a:solidFill>
               </a:rPr>
-              <a:t>Bivariate Analysis – DTI Vs Loan Status </a:t>
+              <a:t>Data Insights - 6/10</a:t>
             </a:r>
           </a:p>
         </p:txBody>
@@ -11901,7 +11957,7 @@
         </p:nvSpPr>
         <p:spPr>
           <a:xfrm>
-            <a:off x="1686173" y="188640"/>
+            <a:off x="1907704" y="358186"/>
             <a:ext cx="6480000" cy="981075"/>
           </a:xfrm>
         </p:spPr>
@@ -11918,8 +11974,43 @@
                   </a:schemeClr>
                 </a:solidFill>
               </a:rPr>
-              <a:t>         Data Insights - 7/10</a:t>
-            </a:r>
+              <a:t> Bivariate Analysis – </a:t>
+            </a:r>
+            <a:br>
+              <a:rPr lang="en-US" altLang="en-US" sz="3500" dirty="0">
+                <a:solidFill>
+                  <a:schemeClr val="accent1">
+                    <a:lumMod val="90000"/>
+                  </a:schemeClr>
+                </a:solidFill>
+              </a:rPr>
+            </a:br>
+            <a:r>
+              <a:rPr lang="en-US" altLang="en-US" sz="3500" dirty="0">
+                <a:solidFill>
+                  <a:schemeClr val="accent1">
+                    <a:lumMod val="90000"/>
+                  </a:schemeClr>
+                </a:solidFill>
+              </a:rPr>
+              <a:t>Loan Purpose &amp; P&amp;L</a:t>
+            </a:r>
+            <a:br>
+              <a:rPr lang="en-US" altLang="en-US" sz="3500" dirty="0">
+                <a:solidFill>
+                  <a:schemeClr val="accent1">
+                    <a:lumMod val="90000"/>
+                  </a:schemeClr>
+                </a:solidFill>
+              </a:rPr>
+            </a:br>
+            <a:endParaRPr lang="en-US" altLang="en-US" sz="3500" dirty="0">
+              <a:solidFill>
+                <a:schemeClr val="accent1">
+                  <a:lumMod val="90000"/>
+                </a:schemeClr>
+              </a:solidFill>
+            </a:endParaRPr>
           </a:p>
         </p:txBody>
       </p:sp>
@@ -11937,8 +12028,8 @@
         </p:nvSpPr>
         <p:spPr>
           <a:xfrm>
-            <a:off x="2459872" y="1090012"/>
-            <a:ext cx="6041974" cy="477054"/>
+            <a:off x="3709941" y="1100734"/>
+            <a:ext cx="2965877" cy="477054"/>
           </a:xfrm>
           <a:prstGeom prst="rect">
             <a:avLst/>
@@ -11958,7 +12049,7 @@
                   <a:schemeClr val="bg1"/>
                 </a:solidFill>
               </a:rPr>
-              <a:t>Bivariate Analysis – Loan Purpose &amp; P&amp;L</a:t>
+              <a:t>Data Insights - 7/10</a:t>
             </a:r>
           </a:p>
         </p:txBody>
@@ -12322,7 +12413,7 @@
         </p:nvSpPr>
         <p:spPr>
           <a:xfrm>
-            <a:off x="1691680" y="28754"/>
+            <a:off x="1813127" y="298562"/>
             <a:ext cx="6480000" cy="981075"/>
           </a:xfrm>
         </p:spPr>
@@ -12339,8 +12430,43 @@
                   </a:schemeClr>
                 </a:solidFill>
               </a:rPr>
-              <a:t>         Data Insights - 8/10</a:t>
-            </a:r>
+              <a:t>    Bivariate Analysis – </a:t>
+            </a:r>
+            <a:br>
+              <a:rPr lang="en-US" altLang="en-US" sz="3500" dirty="0">
+                <a:solidFill>
+                  <a:schemeClr val="accent1">
+                    <a:lumMod val="90000"/>
+                  </a:schemeClr>
+                </a:solidFill>
+              </a:rPr>
+            </a:br>
+            <a:r>
+              <a:rPr lang="en-US" altLang="en-US" sz="3500" dirty="0">
+                <a:solidFill>
+                  <a:schemeClr val="accent1">
+                    <a:lumMod val="90000"/>
+                  </a:schemeClr>
+                </a:solidFill>
+              </a:rPr>
+              <a:t>Profit &amp; Loss across Grades</a:t>
+            </a:r>
+            <a:br>
+              <a:rPr lang="en-US" altLang="en-US" sz="3500" dirty="0">
+                <a:solidFill>
+                  <a:schemeClr val="accent1">
+                    <a:lumMod val="90000"/>
+                  </a:schemeClr>
+                </a:solidFill>
+              </a:rPr>
+            </a:br>
+            <a:endParaRPr lang="en-US" altLang="en-US" sz="3500" dirty="0">
+              <a:solidFill>
+                <a:schemeClr val="accent1">
+                  <a:lumMod val="90000"/>
+                </a:schemeClr>
+              </a:solidFill>
+            </a:endParaRPr>
           </a:p>
         </p:txBody>
       </p:sp>
@@ -12358,8 +12484,8 @@
         </p:nvSpPr>
         <p:spPr>
           <a:xfrm>
-            <a:off x="1958940" y="1052299"/>
-            <a:ext cx="7043851" cy="477054"/>
+            <a:off x="3635896" y="977255"/>
+            <a:ext cx="2965876" cy="477054"/>
           </a:xfrm>
           <a:prstGeom prst="rect">
             <a:avLst/>
@@ -12379,7 +12505,7 @@
                   <a:schemeClr val="bg1"/>
                 </a:solidFill>
               </a:rPr>
-              <a:t>Bivariate Analysis – Profit &amp; Loss across Grades</a:t>
+              <a:t>Data Insights - 8/10</a:t>
             </a:r>
           </a:p>
         </p:txBody>
@@ -12676,8 +12802,8 @@
         </p:blipFill>
         <p:spPr bwMode="auto">
           <a:xfrm>
-            <a:off x="617900" y="1988840"/>
-            <a:ext cx="3971925" cy="3400425"/>
+            <a:off x="539552" y="1697791"/>
+            <a:ext cx="3450044" cy="2953635"/>
           </a:xfrm>
           <a:prstGeom prst="rect">
             <a:avLst/>
@@ -12712,7 +12838,7 @@
         </p:nvSpPr>
         <p:spPr>
           <a:xfrm>
-            <a:off x="1686173" y="150927"/>
+            <a:off x="1684991" y="318228"/>
             <a:ext cx="6480000" cy="981075"/>
           </a:xfrm>
         </p:spPr>
@@ -12729,8 +12855,43 @@
                   </a:schemeClr>
                 </a:solidFill>
               </a:rPr>
-              <a:t>         Data Insights - 9/10</a:t>
-            </a:r>
+              <a:t>         Bivariate Analysis – Profit &amp; Loss, </a:t>
+            </a:r>
+            <a:br>
+              <a:rPr lang="en-US" altLang="en-US" sz="3500" dirty="0">
+                <a:solidFill>
+                  <a:schemeClr val="accent1">
+                    <a:lumMod val="90000"/>
+                  </a:schemeClr>
+                </a:solidFill>
+              </a:rPr>
+            </a:br>
+            <a:r>
+              <a:rPr lang="en-US" altLang="en-US" sz="3500" dirty="0">
+                <a:solidFill>
+                  <a:schemeClr val="accent1">
+                    <a:lumMod val="90000"/>
+                  </a:schemeClr>
+                </a:solidFill>
+              </a:rPr>
+              <a:t>Income, Loan Amount</a:t>
+            </a:r>
+            <a:br>
+              <a:rPr lang="en-US" altLang="en-US" sz="3500" dirty="0">
+                <a:solidFill>
+                  <a:schemeClr val="accent1">
+                    <a:lumMod val="90000"/>
+                  </a:schemeClr>
+                </a:solidFill>
+              </a:rPr>
+            </a:br>
+            <a:endParaRPr lang="en-US" altLang="en-US" sz="3500" dirty="0">
+              <a:solidFill>
+                <a:schemeClr val="accent1">
+                  <a:lumMod val="90000"/>
+                </a:schemeClr>
+              </a:solidFill>
+            </a:endParaRPr>
           </a:p>
         </p:txBody>
       </p:sp>
@@ -12748,8 +12909,8 @@
         </p:nvSpPr>
         <p:spPr>
           <a:xfrm>
-            <a:off x="2522335" y="1106160"/>
-            <a:ext cx="5917069" cy="369332"/>
+            <a:off x="3923928" y="1080050"/>
+            <a:ext cx="2965877" cy="477054"/>
           </a:xfrm>
           <a:prstGeom prst="rect">
             <a:avLst/>
@@ -12764,12 +12925,12 @@
           <a:p>
             <a:pPr algn="ctr"/>
             <a:r>
-              <a:rPr lang="en-IN" dirty="0">
+              <a:rPr lang="en-IN" sz="2500" dirty="0">
                 <a:solidFill>
                   <a:schemeClr val="bg1"/>
                 </a:solidFill>
               </a:rPr>
-              <a:t>Bivariate Analysis – Profit &amp; Loss, Income, Loan Amount</a:t>
+              <a:t>Data Insights - 9/10</a:t>
             </a:r>
           </a:p>
         </p:txBody>
@@ -12788,8 +12949,8 @@
         </p:nvSpPr>
         <p:spPr>
           <a:xfrm>
-            <a:off x="5309668" y="1916832"/>
-            <a:ext cx="3168352" cy="2677656"/>
+            <a:off x="107504" y="4883219"/>
+            <a:ext cx="8208912" cy="1384995"/>
           </a:xfrm>
           <a:prstGeom prst="rect">
             <a:avLst/>
@@ -12808,7 +12969,7 @@
             </a:pPr>
             <a:r>
               <a:rPr lang="en-IN" sz="1400" dirty="0"/>
-              <a:t>Income &lt; 200k &amp; loan amount between 10K to 40k to be scrutinized to mitigate loss risks or increase interest rate to have better recovery</a:t>
+              <a:t>Income &lt; 200K &amp; loan amount between 15K to 40K to be scrutinized to mitigate loss risks or increase interest rate to have better recovery</a:t>
             </a:r>
           </a:p>
           <a:p>
@@ -12825,7 +12986,7 @@
             </a:pPr>
             <a:r>
               <a:rPr lang="en-IN" sz="1400" dirty="0"/>
-              <a:t>Income &lt; 200k, sanction loan up to 10% of annual income </a:t>
+              <a:t>Income &lt; 200K, sanction loan up to 15% of annual income </a:t>
             </a:r>
           </a:p>
           <a:p>
@@ -12930,6 +13091,105 @@
           </a:p>
         </p:txBody>
       </p:sp>
+      <p:pic>
+        <p:nvPicPr>
+          <p:cNvPr id="1026" name="Picture 2">
+            <a:extLst>
+              <a:ext uri="{FF2B5EF4-FFF2-40B4-BE49-F238E27FC236}">
+                <a16:creationId xmlns:a16="http://schemas.microsoft.com/office/drawing/2014/main" id="{E1981D4C-4E28-ECCE-1B8B-EF7963665DF6}"/>
+              </a:ext>
+            </a:extLst>
+          </p:cNvPr>
+          <p:cNvPicPr>
+            <a:picLocks noChangeAspect="1" noChangeArrowheads="1"/>
+          </p:cNvPicPr>
+          <p:nvPr/>
+        </p:nvPicPr>
+        <p:blipFill>
+          <a:blip r:embed="rId4">
+            <a:extLst>
+              <a:ext uri="{28A0092B-C50C-407E-A947-70E740481C1C}">
+                <a14:useLocalDpi xmlns:a14="http://schemas.microsoft.com/office/drawing/2010/main" val="0"/>
+              </a:ext>
+            </a:extLst>
+          </a:blip>
+          <a:srcRect/>
+          <a:stretch>
+            <a:fillRect/>
+          </a:stretch>
+        </p:blipFill>
+        <p:spPr bwMode="auto">
+          <a:xfrm>
+            <a:off x="4403798" y="1872066"/>
+            <a:ext cx="3762375" cy="2495550"/>
+          </a:xfrm>
+          <a:prstGeom prst="rect">
+            <a:avLst/>
+          </a:prstGeom>
+          <a:noFill/>
+          <a:extLst>
+            <a:ext uri="{909E8E84-426E-40DD-AFC4-6F175D3DCCD1}">
+              <a14:hiddenFill xmlns:a14="http://schemas.microsoft.com/office/drawing/2010/main">
+                <a:solidFill>
+                  <a:srgbClr val="FFFFFF"/>
+                </a:solidFill>
+              </a14:hiddenFill>
+            </a:ext>
+          </a:extLst>
+        </p:spPr>
+      </p:pic>
+      <p:sp>
+        <p:nvSpPr>
+          <p:cNvPr id="7" name="Rectangle 6">
+            <a:extLst>
+              <a:ext uri="{FF2B5EF4-FFF2-40B4-BE49-F238E27FC236}">
+                <a16:creationId xmlns:a16="http://schemas.microsoft.com/office/drawing/2014/main" id="{46BCB315-94CE-8202-D24A-AE78F8F65F72}"/>
+              </a:ext>
+            </a:extLst>
+          </p:cNvPr>
+          <p:cNvSpPr/>
+          <p:nvPr/>
+        </p:nvSpPr>
+        <p:spPr>
+          <a:xfrm>
+            <a:off x="5076056" y="2087235"/>
+            <a:ext cx="936104" cy="2280381"/>
+          </a:xfrm>
+          <a:prstGeom prst="rect">
+            <a:avLst/>
+          </a:prstGeom>
+          <a:noFill/>
+          <a:ln>
+            <a:solidFill>
+              <a:srgbClr val="FF0000"/>
+            </a:solidFill>
+          </a:ln>
+        </p:spPr>
+        <p:style>
+          <a:lnRef idx="2">
+            <a:schemeClr val="accent3">
+              <a:shade val="50000"/>
+            </a:schemeClr>
+          </a:lnRef>
+          <a:fillRef idx="1">
+            <a:schemeClr val="accent3"/>
+          </a:fillRef>
+          <a:effectRef idx="0">
+            <a:schemeClr val="accent3"/>
+          </a:effectRef>
+          <a:fontRef idx="minor">
+            <a:schemeClr val="lt1"/>
+          </a:fontRef>
+        </p:style>
+        <p:txBody>
+          <a:bodyPr rtlCol="0" anchor="ctr"/>
+          <a:lstStyle/>
+          <a:p>
+            <a:pPr algn="ctr"/>
+            <a:endParaRPr lang="en-IN"/>
+          </a:p>
+        </p:txBody>
+      </p:sp>
     </p:spTree>
     <p:extLst>
       <p:ext uri="{BB962C8B-B14F-4D97-AF65-F5344CB8AC3E}">
@@ -13072,7 +13332,7 @@
         </p:nvSpPr>
         <p:spPr>
           <a:xfrm>
-            <a:off x="1686173" y="188640"/>
+            <a:off x="1619672" y="328916"/>
             <a:ext cx="6480000" cy="981075"/>
           </a:xfrm>
         </p:spPr>
@@ -13089,8 +13349,43 @@
                   </a:schemeClr>
                 </a:solidFill>
               </a:rPr>
-              <a:t>         Data Insights - 10/10</a:t>
-            </a:r>
+              <a:t>         Bivariate Analysis – Watch Profit </a:t>
+            </a:r>
+            <a:br>
+              <a:rPr lang="en-US" altLang="en-US" sz="3500" dirty="0">
+                <a:solidFill>
+                  <a:schemeClr val="accent1">
+                    <a:lumMod val="90000"/>
+                  </a:schemeClr>
+                </a:solidFill>
+              </a:rPr>
+            </a:br>
+            <a:r>
+              <a:rPr lang="en-US" altLang="en-US" sz="3500" dirty="0">
+                <a:solidFill>
+                  <a:schemeClr val="accent1">
+                    <a:lumMod val="90000"/>
+                  </a:schemeClr>
+                </a:solidFill>
+              </a:rPr>
+              <a:t>&amp; Loss across key variables</a:t>
+            </a:r>
+            <a:br>
+              <a:rPr lang="en-US" altLang="en-US" sz="3500" dirty="0">
+                <a:solidFill>
+                  <a:schemeClr val="accent1">
+                    <a:lumMod val="90000"/>
+                  </a:schemeClr>
+                </a:solidFill>
+              </a:rPr>
+            </a:br>
+            <a:endParaRPr lang="en-US" altLang="en-US" sz="3500" dirty="0">
+              <a:solidFill>
+                <a:schemeClr val="accent1">
+                  <a:lumMod val="90000"/>
+                </a:schemeClr>
+              </a:solidFill>
+            </a:endParaRPr>
           </a:p>
         </p:txBody>
       </p:sp>
@@ -13108,8 +13403,8 @@
         </p:nvSpPr>
         <p:spPr>
           <a:xfrm>
-            <a:off x="2270148" y="1143873"/>
-            <a:ext cx="6421438" cy="369332"/>
+            <a:off x="3629470" y="1111937"/>
+            <a:ext cx="3143809" cy="477054"/>
           </a:xfrm>
           <a:prstGeom prst="rect">
             <a:avLst/>
@@ -13124,12 +13419,12 @@
           <a:p>
             <a:pPr algn="ctr"/>
             <a:r>
-              <a:rPr lang="en-IN" dirty="0">
+              <a:rPr lang="en-IN" sz="2500" dirty="0">
                 <a:solidFill>
                   <a:schemeClr val="bg1"/>
                 </a:solidFill>
               </a:rPr>
-              <a:t>Bivariate Analysis – Watch Profit &amp; Loss across key variables</a:t>
+              <a:t>Data Insights - 10/10</a:t>
             </a:r>
           </a:p>
         </p:txBody>
@@ -13488,38 +13783,155 @@
         </p:nvSpPr>
         <p:spPr>
           <a:xfrm>
-            <a:off x="1043608" y="408672"/>
-            <a:ext cx="8161209" cy="646331"/>
+            <a:off x="1331640" y="-122243"/>
+            <a:ext cx="8161209" cy="1708160"/>
           </a:xfrm>
           <a:prstGeom prst="rect">
             <a:avLst/>
           </a:prstGeom>
           <a:noFill/>
+          <a:ln>
+            <a:noFill/>
+          </a:ln>
+          <a:effectLst/>
+          <a:extLst>
+            <a:ext uri="{909E8E84-426E-40DD-AFC4-6F175D3DCCD1}">
+              <a14:hiddenFill xmlns:a14="http://schemas.microsoft.com/office/drawing/2010/main">
+                <a:solidFill>
+                  <a:schemeClr val="accent1"/>
+                </a:solidFill>
+              </a14:hiddenFill>
+            </a:ext>
+            <a:ext uri="{91240B29-F687-4F45-9708-019B960494DF}">
+              <a14:hiddenLine xmlns:a14="http://schemas.microsoft.com/office/drawing/2010/main" w="9525">
+                <a:solidFill>
+                  <a:schemeClr val="tx1"/>
+                </a:solidFill>
+                <a:miter lim="800000"/>
+                <a:headEnd/>
+                <a:tailEnd/>
+              </a14:hiddenLine>
+            </a:ext>
+            <a:ext uri="{AF507438-7753-43E0-B8FC-AC1667EBCBE1}">
+              <a14:hiddenEffects xmlns:a14="http://schemas.microsoft.com/office/drawing/2010/main">
+                <a:effectLst>
+                  <a:outerShdw dist="35921" dir="2700000" algn="ctr" rotWithShape="0">
+                    <a:schemeClr val="bg2"/>
+                  </a:outerShdw>
+                </a:effectLst>
+              </a14:hiddenEffects>
+            </a:ext>
+          </a:extLst>
         </p:spPr>
         <p:txBody>
-          <a:bodyPr vert="horz" wrap="square" rtlCol="0" anchor="ctr" anchorCtr="1">
-            <a:spAutoFit/>
+          <a:bodyPr vert="horz" wrap="none" lIns="91440" tIns="45720" rIns="91440" bIns="45720" numCol="1" anchor="ctr" anchorCtr="1" compatLnSpc="1">
+            <a:prstTxWarp prst="textNoShape">
+              <a:avLst/>
+            </a:prstTxWarp>
           </a:bodyPr>
-          <a:lstStyle/>
-          <a:p>
-            <a:pPr algn="ctr"/>
-            <a:r>
-              <a:rPr lang="en-IN" dirty="0">
+          <a:lstStyle>
+            <a:lvl1pPr algn="ctr" eaLnBrk="1" hangingPunct="1">
+              <a:defRPr sz="3500">
                 <a:solidFill>
-                  <a:schemeClr val="bg1"/>
+                  <a:schemeClr val="accent1">
+                    <a:lumMod val="90000"/>
+                  </a:schemeClr>
                 </a:solidFill>
-              </a:rPr>
+                <a:latin typeface="+mj-lt"/>
+                <a:ea typeface="+mj-ea"/>
+                <a:cs typeface="+mj-cs"/>
+              </a:defRPr>
+            </a:lvl1pPr>
+            <a:lvl2pPr algn="ctr">
+              <a:defRPr sz="4400">
+                <a:solidFill>
+                  <a:schemeClr val="tx2"/>
+                </a:solidFill>
+              </a:defRPr>
+            </a:lvl2pPr>
+            <a:lvl3pPr algn="ctr">
+              <a:defRPr sz="4400">
+                <a:solidFill>
+                  <a:schemeClr val="tx2"/>
+                </a:solidFill>
+              </a:defRPr>
+            </a:lvl3pPr>
+            <a:lvl4pPr algn="ctr">
+              <a:defRPr sz="4400">
+                <a:solidFill>
+                  <a:schemeClr val="tx2"/>
+                </a:solidFill>
+              </a:defRPr>
+            </a:lvl4pPr>
+            <a:lvl5pPr algn="ctr">
+              <a:defRPr sz="4400">
+                <a:solidFill>
+                  <a:schemeClr val="tx2"/>
+                </a:solidFill>
+              </a:defRPr>
+            </a:lvl5pPr>
+            <a:lvl6pPr marL="457200" algn="ctr" fontAlgn="base">
+              <a:spcBef>
+                <a:spcPct val="0"/>
+              </a:spcBef>
+              <a:spcAft>
+                <a:spcPct val="0"/>
+              </a:spcAft>
+              <a:defRPr sz="4400">
+                <a:solidFill>
+                  <a:schemeClr val="tx2"/>
+                </a:solidFill>
+              </a:defRPr>
+            </a:lvl6pPr>
+            <a:lvl7pPr marL="914400" algn="ctr" fontAlgn="base">
+              <a:spcBef>
+                <a:spcPct val="0"/>
+              </a:spcBef>
+              <a:spcAft>
+                <a:spcPct val="0"/>
+              </a:spcAft>
+              <a:defRPr sz="4400">
+                <a:solidFill>
+                  <a:schemeClr val="tx2"/>
+                </a:solidFill>
+              </a:defRPr>
+            </a:lvl7pPr>
+            <a:lvl8pPr marL="1371600" algn="ctr" fontAlgn="base">
+              <a:spcBef>
+                <a:spcPct val="0"/>
+              </a:spcBef>
+              <a:spcAft>
+                <a:spcPct val="0"/>
+              </a:spcAft>
+              <a:defRPr sz="4400">
+                <a:solidFill>
+                  <a:schemeClr val="tx2"/>
+                </a:solidFill>
+              </a:defRPr>
+            </a:lvl8pPr>
+            <a:lvl9pPr marL="1828800" algn="ctr" fontAlgn="base">
+              <a:spcBef>
+                <a:spcPct val="0"/>
+              </a:spcBef>
+              <a:spcAft>
+                <a:spcPct val="0"/>
+              </a:spcAft>
+              <a:defRPr sz="4400">
+                <a:solidFill>
+                  <a:schemeClr val="tx2"/>
+                </a:solidFill>
+              </a:defRPr>
+            </a:lvl9pPr>
+          </a:lstStyle>
+          <a:p>
+            <a:r>
+              <a:rPr lang="en-IN" sz="3000" dirty="0"/>
               <a:t>The Goal was to turn data into information </a:t>
             </a:r>
           </a:p>
           <a:p>
-            <a:pPr algn="ctr"/>
-            <a:r>
-              <a:rPr lang="en-IN" dirty="0">
-                <a:solidFill>
-                  <a:schemeClr val="bg1"/>
-                </a:solidFill>
-              </a:rPr>
+            <a:r>
+              <a:rPr lang="en-IN" sz="3000" dirty="0"/>
               <a:t>and information into insights </a:t>
             </a:r>
           </a:p>
@@ -14776,7 +15188,7 @@
         </p:nvSpPr>
         <p:spPr>
           <a:xfrm>
-            <a:off x="398611" y="130143"/>
+            <a:off x="352275" y="324954"/>
             <a:ext cx="8229600" cy="981075"/>
           </a:xfrm>
         </p:spPr>
@@ -14785,16 +15197,6 @@
           <a:lstStyle/>
           <a:p>
             <a:pPr eaLnBrk="1" hangingPunct="1"/>
-            <a:r>
-              <a:rPr lang="en-US" altLang="en-US" dirty="0">
-                <a:solidFill>
-                  <a:schemeClr val="accent1">
-                    <a:lumMod val="90000"/>
-                  </a:schemeClr>
-                </a:solidFill>
-              </a:rPr>
-              <a:t>         </a:t>
-            </a:r>
             <a:r>
               <a:rPr lang="en-US" altLang="en-US" sz="3500" dirty="0">
                 <a:solidFill>
@@ -14803,8 +15205,24 @@
                   </a:schemeClr>
                 </a:solidFill>
               </a:rPr>
-              <a:t>Data Insights Summary - 1/2 </a:t>
-            </a:r>
+              <a:t>         Top View on Profit &amp; Loss</a:t>
+            </a:r>
+            <a:br>
+              <a:rPr lang="en-US" altLang="en-US" sz="3500" dirty="0">
+                <a:solidFill>
+                  <a:schemeClr val="accent1">
+                    <a:lumMod val="90000"/>
+                  </a:schemeClr>
+                </a:solidFill>
+              </a:rPr>
+            </a:br>
+            <a:endParaRPr lang="en-US" altLang="en-US" sz="3500" dirty="0">
+              <a:solidFill>
+                <a:schemeClr val="accent1">
+                  <a:lumMod val="90000"/>
+                </a:schemeClr>
+              </a:solidFill>
+            </a:endParaRPr>
           </a:p>
         </p:txBody>
       </p:sp>
@@ -14823,13 +15241,13 @@
           <p:nvPr>
             <p:extLst>
               <p:ext uri="{D42A27DB-BD31-4B8C-83A1-F6EECF244321}">
-                <p14:modId xmlns:p14="http://schemas.microsoft.com/office/powerpoint/2010/main" val="4195142546"/>
+                <p14:modId xmlns:p14="http://schemas.microsoft.com/office/powerpoint/2010/main" val="2931175580"/>
               </p:ext>
             </p:extLst>
           </p:nvPr>
         </p:nvGraphicFramePr>
         <p:xfrm>
-          <a:off x="1331640" y="2553958"/>
+          <a:off x="1655675" y="2117749"/>
           <a:ext cx="5832649" cy="2387209"/>
         </p:xfrm>
         <a:graphic>
@@ -15276,8 +15694,8 @@
         </p:nvSpPr>
         <p:spPr>
           <a:xfrm>
-            <a:off x="3059832" y="1103524"/>
-            <a:ext cx="4254646" cy="477054"/>
+            <a:off x="2195736" y="1117007"/>
+            <a:ext cx="5694806" cy="477054"/>
           </a:xfrm>
           <a:prstGeom prst="rect">
             <a:avLst/>
@@ -15297,7 +15715,7 @@
                   <a:schemeClr val="bg1"/>
                 </a:solidFill>
               </a:rPr>
-              <a:t>Top View on Profit &amp; Loss</a:t>
+              <a:t>Data Insights Summary - 1/2 </a:t>
             </a:r>
           </a:p>
         </p:txBody>
@@ -15316,7 +15734,7 @@
         </p:nvSpPr>
         <p:spPr>
           <a:xfrm>
-            <a:off x="755576" y="5517232"/>
+            <a:off x="498374" y="4797152"/>
             <a:ext cx="8222254" cy="738664"/>
           </a:xfrm>
           <a:prstGeom prst="rect">
@@ -15442,8 +15860,8 @@
         </p:nvSpPr>
         <p:spPr>
           <a:xfrm>
-            <a:off x="396470" y="116632"/>
-            <a:ext cx="8229600" cy="981075"/>
+            <a:off x="1201451" y="69554"/>
+            <a:ext cx="7330989" cy="981075"/>
           </a:xfrm>
         </p:spPr>
         <p:txBody>
@@ -15459,7 +15877,7 @@
                   </a:schemeClr>
                 </a:solidFill>
               </a:rPr>
-              <a:t>         Data Insights Summary - 2/2 </a:t>
+              <a:t>Defaulters - Driving factors &amp; Recommendation </a:t>
             </a:r>
           </a:p>
         </p:txBody>
@@ -15619,7 +16037,7 @@
         <p:spPr>
           <a:xfrm>
             <a:off x="6785992" y="4356006"/>
-            <a:ext cx="1944216" cy="646331"/>
+            <a:ext cx="1944216" cy="830997"/>
           </a:xfrm>
           <a:prstGeom prst="rect">
             <a:avLst/>
@@ -15636,7 +16054,7 @@
               <a:rPr lang="en-IN" sz="1200" dirty="0">
                 <a:latin typeface="+mn-lt"/>
               </a:rPr>
-              <a:t>Reduce loan sanction for small business or scrutinize deep </a:t>
+              <a:t>Reduce loan sanction for purpose as small business or scrutinize deep </a:t>
             </a:r>
           </a:p>
         </p:txBody>
@@ -15655,7 +16073,7 @@
         </p:nvSpPr>
         <p:spPr>
           <a:xfrm>
-            <a:off x="6876256" y="5479623"/>
+            <a:off x="6804248" y="5668866"/>
             <a:ext cx="1944216" cy="646331"/>
           </a:xfrm>
           <a:prstGeom prst="rect">
@@ -15817,7 +16235,7 @@
               </a:pPr>
               <a:r>
                 <a:rPr lang="en-IN" sz="1200" kern="1200" dirty="0"/>
-                <a:t>Reject loan amount &gt; 10%  of </a:t>
+                <a:t>Reject loan amount &gt; 15%  of </a:t>
               </a:r>
               <a:r>
                 <a:rPr lang="en-IN" sz="1200" kern="1200" dirty="0">
@@ -15836,7 +16254,7 @@
               </a:r>
               <a:r>
                 <a:rPr lang="en-IN" sz="1200" kern="1200" dirty="0"/>
-                <a:t> income for income &lt;= 200K</a:t>
+                <a:t> income for income &lt; 200K</a:t>
               </a:r>
             </a:p>
           </p:txBody>
@@ -15856,7 +16274,7 @@
         </p:nvSpPr>
         <p:spPr>
           <a:xfrm>
-            <a:off x="179512" y="1997838"/>
+            <a:off x="251520" y="4158877"/>
             <a:ext cx="2498633" cy="1015663"/>
           </a:xfrm>
           <a:prstGeom prst="rect">
@@ -15896,8 +16314,8 @@
         </p:nvSpPr>
         <p:spPr>
           <a:xfrm>
-            <a:off x="2411760" y="998781"/>
-            <a:ext cx="5507842" cy="477054"/>
+            <a:off x="1151620" y="1055438"/>
+            <a:ext cx="7416824" cy="477054"/>
           </a:xfrm>
           <a:prstGeom prst="rect">
             <a:avLst/>
@@ -15917,7 +16335,7 @@
                   <a:schemeClr val="bg1"/>
                 </a:solidFill>
               </a:rPr>
-              <a:t>Listing driving factors for defaulters  </a:t>
+              <a:t>Data Insights Summary - 2/2   </a:t>
             </a:r>
           </a:p>
         </p:txBody>
@@ -15936,7 +16354,7 @@
         </p:nvSpPr>
         <p:spPr>
           <a:xfrm>
-            <a:off x="179512" y="3648679"/>
+            <a:off x="179512" y="1868455"/>
             <a:ext cx="1944216" cy="646331"/>
           </a:xfrm>
           <a:prstGeom prst="rect">
@@ -15973,7 +16391,7 @@
         </p:nvSpPr>
         <p:spPr>
           <a:xfrm>
-            <a:off x="199241" y="5349906"/>
+            <a:off x="199241" y="3038792"/>
             <a:ext cx="1944216" cy="646331"/>
           </a:xfrm>
           <a:prstGeom prst="rect">
@@ -16011,7 +16429,7 @@
         </p:nvSpPr>
         <p:spPr>
           <a:xfrm>
-            <a:off x="277180" y="1849451"/>
+            <a:off x="338253" y="4005064"/>
             <a:ext cx="216024" cy="185856"/>
           </a:xfrm>
           <a:prstGeom prst="actionButtonInformation">
@@ -16058,7 +16476,7 @@
         </p:nvSpPr>
         <p:spPr>
           <a:xfrm>
-            <a:off x="271568" y="3481032"/>
+            <a:off x="271568" y="1700808"/>
             <a:ext cx="216024" cy="185856"/>
           </a:xfrm>
           <a:prstGeom prst="actionButtonInformation">
@@ -16105,7 +16523,7 @@
         </p:nvSpPr>
         <p:spPr>
           <a:xfrm>
-            <a:off x="271568" y="5164050"/>
+            <a:off x="271568" y="2852936"/>
             <a:ext cx="216024" cy="185856"/>
           </a:xfrm>
           <a:prstGeom prst="actionButtonInformation">
@@ -16293,7 +16711,92 @@
         </p:nvSpPr>
         <p:spPr>
           <a:xfrm>
-            <a:off x="6888315" y="5327989"/>
+            <a:off x="6816307" y="5517232"/>
+            <a:ext cx="216024" cy="185856"/>
+          </a:xfrm>
+          <a:prstGeom prst="actionButtonInformation">
+            <a:avLst/>
+          </a:prstGeom>
+        </p:spPr>
+        <p:style>
+          <a:lnRef idx="2">
+            <a:schemeClr val="accent1">
+              <a:shade val="50000"/>
+            </a:schemeClr>
+          </a:lnRef>
+          <a:fillRef idx="1">
+            <a:schemeClr val="accent1"/>
+          </a:fillRef>
+          <a:effectRef idx="0">
+            <a:schemeClr val="accent1"/>
+          </a:effectRef>
+          <a:fontRef idx="minor">
+            <a:schemeClr val="lt1"/>
+          </a:fontRef>
+        </p:style>
+        <p:txBody>
+          <a:bodyPr rtlCol="0" anchor="ctr"/>
+          <a:lstStyle/>
+          <a:p>
+            <a:pPr algn="ctr"/>
+            <a:endParaRPr lang="en-IN"/>
+          </a:p>
+        </p:txBody>
+      </p:sp>
+      <p:sp>
+        <p:nvSpPr>
+          <p:cNvPr id="10" name="TextBox 9">
+            <a:extLst>
+              <a:ext uri="{FF2B5EF4-FFF2-40B4-BE49-F238E27FC236}">
+                <a16:creationId xmlns:a16="http://schemas.microsoft.com/office/drawing/2014/main" id="{1BF06A0C-0722-7AF0-FE48-402DDDED124F}"/>
+              </a:ext>
+            </a:extLst>
+          </p:cNvPr>
+          <p:cNvSpPr txBox="1"/>
+          <p:nvPr/>
+        </p:nvSpPr>
+        <p:spPr>
+          <a:xfrm>
+            <a:off x="272368" y="5557270"/>
+            <a:ext cx="1944216" cy="646331"/>
+          </a:xfrm>
+          <a:prstGeom prst="rect">
+            <a:avLst/>
+          </a:prstGeom>
+          <a:noFill/>
+        </p:spPr>
+        <p:txBody>
+          <a:bodyPr wrap="square" rtlCol="0">
+            <a:spAutoFit/>
+          </a:bodyPr>
+          <a:lstStyle/>
+          <a:p>
+            <a:r>
+              <a:rPr lang="en-IN" sz="1200" dirty="0"/>
+              <a:t>Reduce providing loans as well as reduce loan amount for Rent category</a:t>
+            </a:r>
+            <a:endParaRPr lang="en-IN" sz="1200" dirty="0">
+              <a:latin typeface="+mn-lt"/>
+            </a:endParaRPr>
+          </a:p>
+        </p:txBody>
+      </p:sp>
+      <p:sp>
+        <p:nvSpPr>
+          <p:cNvPr id="11" name="Action Button: Get Information 10">
+            <a:hlinkClick r:id="rId10" action="ppaction://hlinksldjump" highlightClick="1"/>
+            <a:extLst>
+              <a:ext uri="{FF2B5EF4-FFF2-40B4-BE49-F238E27FC236}">
+                <a16:creationId xmlns:a16="http://schemas.microsoft.com/office/drawing/2014/main" id="{3020CDF1-2997-7B12-4934-58EED80FEA62}"/>
+              </a:ext>
+            </a:extLst>
+          </p:cNvPr>
+          <p:cNvSpPr/>
+          <p:nvPr/>
+        </p:nvSpPr>
+        <p:spPr>
+          <a:xfrm>
+            <a:off x="344695" y="5371414"/>
             <a:ext cx="216024" cy="185856"/>
           </a:xfrm>
           <a:prstGeom prst="actionButtonInformation">
@@ -17034,7 +17537,7 @@
                   </a:schemeClr>
                 </a:solidFill>
               </a:rPr>
-              <a:t>         Data Insights - 1/10  </a:t>
+              <a:t>         Univariate Analysis</a:t>
             </a:r>
           </a:p>
         </p:txBody>
@@ -17053,7 +17556,7 @@
         </p:nvSpPr>
         <p:spPr>
           <a:xfrm>
-            <a:off x="3839362" y="1074994"/>
+            <a:off x="3709134" y="990060"/>
             <a:ext cx="2958502" cy="477054"/>
           </a:xfrm>
           <a:prstGeom prst="rect">
@@ -17069,13 +17572,18 @@
           <a:p>
             <a:pPr algn="ctr"/>
             <a:r>
-              <a:rPr lang="en-IN" sz="2500" dirty="0">
+              <a:rPr lang="en-IN" sz="2500">
                 <a:solidFill>
                   <a:schemeClr val="bg1"/>
                 </a:solidFill>
               </a:rPr>
-              <a:t>Univariate Analysis  </a:t>
-            </a:r>
+              <a:t>Data Insights - 1/10 </a:t>
+            </a:r>
+            <a:endParaRPr lang="en-IN" sz="2500" dirty="0">
+              <a:solidFill>
+                <a:schemeClr val="bg1"/>
+              </a:solidFill>
+            </a:endParaRPr>
           </a:p>
         </p:txBody>
       </p:sp>
@@ -17405,7 +17913,7 @@
                   </a:schemeClr>
                 </a:solidFill>
               </a:rPr>
-              <a:t>         Data Insights - 2/10</a:t>
+              <a:t>         Segmented Univariate Analysis</a:t>
             </a:r>
           </a:p>
         </p:txBody>
@@ -17424,8 +17932,8 @@
         </p:nvSpPr>
         <p:spPr>
           <a:xfrm>
-            <a:off x="3037875" y="1046275"/>
-            <a:ext cx="4796442" cy="477054"/>
+            <a:off x="3851920" y="910739"/>
+            <a:ext cx="2965877" cy="477054"/>
           </a:xfrm>
           <a:prstGeom prst="rect">
             <a:avLst/>
@@ -17440,13 +17948,18 @@
           <a:p>
             <a:pPr algn="ctr"/>
             <a:r>
-              <a:rPr lang="en-IN" sz="2500" dirty="0">
+              <a:rPr lang="en-IN" sz="2500">
                 <a:solidFill>
                   <a:schemeClr val="bg1"/>
                 </a:solidFill>
               </a:rPr>
-              <a:t>Segmented Univariate Analysis  </a:t>
-            </a:r>
+              <a:t>Data Insights - 2/10</a:t>
+            </a:r>
+            <a:endParaRPr lang="en-IN" sz="2500" dirty="0">
+              <a:solidFill>
+                <a:schemeClr val="bg1"/>
+              </a:solidFill>
+            </a:endParaRPr>
           </a:p>
         </p:txBody>
       </p:sp>
@@ -18066,7 +18579,7 @@
         </p:nvSpPr>
         <p:spPr>
           <a:xfrm>
-            <a:off x="1686173" y="188640"/>
+            <a:off x="2250208" y="217621"/>
             <a:ext cx="6480000" cy="981075"/>
           </a:xfrm>
         </p:spPr>
@@ -18083,8 +18596,24 @@
                   </a:schemeClr>
                 </a:solidFill>
               </a:rPr>
-              <a:t>         Data Insights - 3/10</a:t>
-            </a:r>
+              <a:t>Bivariate Analysis – Year &amp; Term  </a:t>
+            </a:r>
+            <a:br>
+              <a:rPr lang="en-US" altLang="en-US" sz="3500" dirty="0">
+                <a:solidFill>
+                  <a:schemeClr val="accent1">
+                    <a:lumMod val="90000"/>
+                  </a:schemeClr>
+                </a:solidFill>
+              </a:rPr>
+            </a:br>
+            <a:endParaRPr lang="en-US" altLang="en-US" sz="3500" dirty="0">
+              <a:solidFill>
+                <a:schemeClr val="accent1">
+                  <a:lumMod val="90000"/>
+                </a:schemeClr>
+              </a:solidFill>
+            </a:endParaRPr>
           </a:p>
         </p:txBody>
       </p:sp>
@@ -18102,8 +18631,8 @@
         </p:nvSpPr>
         <p:spPr>
           <a:xfrm>
-            <a:off x="2675252" y="1090012"/>
-            <a:ext cx="5611216" cy="477054"/>
+            <a:off x="3635896" y="960169"/>
+            <a:ext cx="3055645" cy="477054"/>
           </a:xfrm>
           <a:prstGeom prst="rect">
             <a:avLst/>
@@ -18123,7 +18652,7 @@
                   <a:schemeClr val="bg1"/>
                 </a:solidFill>
               </a:rPr>
-              <a:t>Bivariate Analysis – Year &amp; Term wise </a:t>
+              <a:t> Data Insights - 3/10</a:t>
             </a:r>
           </a:p>
         </p:txBody>
@@ -18535,7 +19064,7 @@
         </p:nvSpPr>
         <p:spPr>
           <a:xfrm>
-            <a:off x="1621501" y="21717"/>
+            <a:off x="1691680" y="341857"/>
             <a:ext cx="6480000" cy="981075"/>
           </a:xfrm>
         </p:spPr>
@@ -18552,8 +19081,43 @@
                   </a:schemeClr>
                 </a:solidFill>
               </a:rPr>
-              <a:t>         Data Insights - 4/10</a:t>
-            </a:r>
+              <a:t>         Bivariate Analysis – </a:t>
+            </a:r>
+            <a:br>
+              <a:rPr lang="en-US" altLang="en-US" sz="3500" dirty="0">
+                <a:solidFill>
+                  <a:schemeClr val="accent1">
+                    <a:lumMod val="90000"/>
+                  </a:schemeClr>
+                </a:solidFill>
+              </a:rPr>
+            </a:br>
+            <a:r>
+              <a:rPr lang="en-US" altLang="en-US" sz="3500" dirty="0">
+                <a:solidFill>
+                  <a:schemeClr val="accent1">
+                    <a:lumMod val="90000"/>
+                  </a:schemeClr>
+                </a:solidFill>
+              </a:rPr>
+              <a:t>Employee Length &amp; Purpose</a:t>
+            </a:r>
+            <a:br>
+              <a:rPr lang="en-US" altLang="en-US" sz="3500" dirty="0">
+                <a:solidFill>
+                  <a:schemeClr val="accent1">
+                    <a:lumMod val="90000"/>
+                  </a:schemeClr>
+                </a:solidFill>
+              </a:rPr>
+            </a:br>
+            <a:endParaRPr lang="en-US" altLang="en-US" sz="3500" dirty="0">
+              <a:solidFill>
+                <a:schemeClr val="accent1">
+                  <a:lumMod val="90000"/>
+                </a:schemeClr>
+              </a:solidFill>
+            </a:endParaRPr>
           </a:p>
         </p:txBody>
       </p:sp>
@@ -18571,7 +19135,7 @@
         </p:nvSpPr>
         <p:spPr>
           <a:xfrm>
-            <a:off x="1594333" y="1029072"/>
+            <a:off x="1334971" y="1049317"/>
             <a:ext cx="7522499" cy="477054"/>
           </a:xfrm>
           <a:prstGeom prst="rect">
@@ -18592,7 +19156,7 @@
                   <a:schemeClr val="bg1"/>
                 </a:solidFill>
               </a:rPr>
-              <a:t>Bivariate Analysis – Employee Length &amp; Purpose</a:t>
+              <a:t>Data Insights - 4/10</a:t>
             </a:r>
           </a:p>
         </p:txBody>

--- a/LeandingClub-CaseStudy.pptx
+++ b/LeandingClub-CaseStudy.pptx
@@ -5,25 +5,27 @@
     <p:sldMasterId id="2147483648" r:id="rId1"/>
   </p:sldMasterIdLst>
   <p:notesMasterIdLst>
-    <p:notesMasterId r:id="rId18"/>
+    <p:notesMasterId r:id="rId20"/>
   </p:notesMasterIdLst>
   <p:sldIdLst>
     <p:sldId id="256" r:id="rId2"/>
-    <p:sldId id="258" r:id="rId3"/>
-    <p:sldId id="259" r:id="rId4"/>
-    <p:sldId id="270" r:id="rId5"/>
-    <p:sldId id="260" r:id="rId6"/>
-    <p:sldId id="267" r:id="rId7"/>
-    <p:sldId id="269" r:id="rId8"/>
-    <p:sldId id="263" r:id="rId9"/>
-    <p:sldId id="262" r:id="rId10"/>
-    <p:sldId id="264" r:id="rId11"/>
-    <p:sldId id="261" r:id="rId12"/>
-    <p:sldId id="268" r:id="rId13"/>
-    <p:sldId id="265" r:id="rId14"/>
-    <p:sldId id="271" r:id="rId15"/>
-    <p:sldId id="266" r:id="rId16"/>
-    <p:sldId id="272" r:id="rId17"/>
+    <p:sldId id="274" r:id="rId3"/>
+    <p:sldId id="258" r:id="rId4"/>
+    <p:sldId id="259" r:id="rId5"/>
+    <p:sldId id="270" r:id="rId6"/>
+    <p:sldId id="260" r:id="rId7"/>
+    <p:sldId id="267" r:id="rId8"/>
+    <p:sldId id="269" r:id="rId9"/>
+    <p:sldId id="263" r:id="rId10"/>
+    <p:sldId id="262" r:id="rId11"/>
+    <p:sldId id="264" r:id="rId12"/>
+    <p:sldId id="273" r:id="rId13"/>
+    <p:sldId id="261" r:id="rId14"/>
+    <p:sldId id="268" r:id="rId15"/>
+    <p:sldId id="265" r:id="rId16"/>
+    <p:sldId id="271" r:id="rId17"/>
+    <p:sldId id="266" r:id="rId18"/>
+    <p:sldId id="272" r:id="rId19"/>
   </p:sldIdLst>
   <p:sldSz cx="9144000" cy="6858000" type="screen4x3"/>
   <p:notesSz cx="6858000" cy="9144000"/>
@@ -2153,7 +2155,7 @@
         <a:p>
           <a:r>
             <a:rPr lang="en-IN" sz="1200" dirty="0"/>
-            <a:t>Loan Amount Vs  Income</a:t>
+            <a:t>Loan Amount</a:t>
           </a:r>
         </a:p>
       </dgm:t>
@@ -2339,6 +2341,45 @@
         </a:p>
       </dgm:t>
     </dgm:pt>
+    <dgm:pt modelId="{DF729E29-49C5-40E2-897D-AE5016B03CF9}">
+      <dgm:prSet phldrT="[Text]" custT="1"/>
+      <dgm:spPr/>
+      <dgm:t>
+        <a:bodyPr/>
+        <a:lstStyle/>
+        <a:p>
+          <a:r>
+            <a:rPr lang="en-IN" sz="1200" dirty="0"/>
+            <a:t>Verification Status </a:t>
+          </a:r>
+        </a:p>
+      </dgm:t>
+    </dgm:pt>
+    <dgm:pt modelId="{1C536307-3FD9-4623-B551-EB520C74EC43}" type="parTrans" cxnId="{E8CE9C5E-6322-4B7F-8FE0-E37EE4436844}">
+      <dgm:prSet/>
+      <dgm:spPr/>
+      <dgm:t>
+        <a:bodyPr/>
+        <a:lstStyle/>
+        <a:p>
+          <a:endParaRPr lang="en-IN"/>
+        </a:p>
+      </dgm:t>
+    </dgm:pt>
+    <dgm:pt modelId="{6A18FB7E-6F08-4BF7-9DBB-90095029113B}" type="sibTrans" cxnId="{E8CE9C5E-6322-4B7F-8FE0-E37EE4436844}">
+      <dgm:prSet/>
+      <dgm:spPr/>
+      <dgm:t>
+        <a:bodyPr/>
+        <a:lstStyle/>
+        <a:p>
+          <a:r>
+            <a:rPr lang="en-IN" dirty="0"/>
+            <a:t>Income</a:t>
+          </a:r>
+        </a:p>
+      </dgm:t>
+    </dgm:pt>
     <dgm:pt modelId="{1FC59A1F-CE5F-437C-B9CA-6060AFF67286}" type="pres">
       <dgm:prSet presAssocID="{4D3E3D03-E6FF-476F-9CFE-5D4255238083}" presName="Name0" presStyleCnt="0">
         <dgm:presLayoutVars>
@@ -2355,7 +2396,7 @@
       <dgm:spPr/>
     </dgm:pt>
     <dgm:pt modelId="{D2286EE6-011C-49FA-9726-AF5036AB86A3}" type="pres">
-      <dgm:prSet presAssocID="{E5050651-3757-48E7-85A6-56DBD14F7253}" presName="Parent1" presStyleLbl="node1" presStyleIdx="0" presStyleCnt="10">
+      <dgm:prSet presAssocID="{E5050651-3757-48E7-85A6-56DBD14F7253}" presName="Parent1" presStyleLbl="node1" presStyleIdx="0" presStyleCnt="12">
         <dgm:presLayoutVars>
           <dgm:chMax val="1"/>
           <dgm:chPref val="1"/>
@@ -2365,7 +2406,7 @@
       <dgm:spPr/>
     </dgm:pt>
     <dgm:pt modelId="{44188815-F950-4DC2-9852-A19085841EF9}" type="pres">
-      <dgm:prSet presAssocID="{E5050651-3757-48E7-85A6-56DBD14F7253}" presName="Childtext1" presStyleLbl="revTx" presStyleIdx="0" presStyleCnt="5" custScaleX="93115" custLinFactNeighborX="2320" custLinFactNeighborY="-4265">
+      <dgm:prSet presAssocID="{E5050651-3757-48E7-85A6-56DBD14F7253}" presName="Childtext1" presStyleLbl="revTx" presStyleIdx="0" presStyleCnt="6" custScaleX="93115" custLinFactNeighborX="2320" custLinFactNeighborY="-4265">
         <dgm:presLayoutVars>
           <dgm:chMax val="0"/>
           <dgm:chPref val="0"/>
@@ -2383,7 +2424,7 @@
       <dgm:spPr/>
     </dgm:pt>
     <dgm:pt modelId="{5D82964B-D814-46A7-8811-405F2B55A641}" type="pres">
-      <dgm:prSet presAssocID="{53DC7991-71D7-4893-B053-3BBE04829F99}" presName="Accent1Text" presStyleLbl="node1" presStyleIdx="1" presStyleCnt="10" custLinFactNeighborX="991" custLinFactNeighborY="-101"/>
+      <dgm:prSet presAssocID="{53DC7991-71D7-4893-B053-3BBE04829F99}" presName="Accent1Text" presStyleLbl="node1" presStyleIdx="1" presStyleCnt="12" custLinFactNeighborX="991" custLinFactNeighborY="-101"/>
       <dgm:spPr/>
     </dgm:pt>
     <dgm:pt modelId="{239E0A11-F96B-4DB5-BCEF-39B0E4613864}" type="pres">
@@ -2395,7 +2436,7 @@
       <dgm:spPr/>
     </dgm:pt>
     <dgm:pt modelId="{87316106-55EE-42F7-B8A3-2A9452E435F3}" type="pres">
-      <dgm:prSet presAssocID="{B2760400-46B8-480A-864E-7FA2E1B4EA2B}" presName="Parent1" presStyleLbl="node1" presStyleIdx="2" presStyleCnt="10" custLinFactNeighborX="991" custLinFactNeighborY="-101">
+      <dgm:prSet presAssocID="{B2760400-46B8-480A-864E-7FA2E1B4EA2B}" presName="Parent1" presStyleLbl="node1" presStyleIdx="2" presStyleCnt="12" custLinFactNeighborX="991" custLinFactNeighborY="-101">
         <dgm:presLayoutVars>
           <dgm:chMax val="1"/>
           <dgm:chPref val="1"/>
@@ -2405,7 +2446,7 @@
       <dgm:spPr/>
     </dgm:pt>
     <dgm:pt modelId="{583E51D8-B657-4E2C-A64A-73D791452976}" type="pres">
-      <dgm:prSet presAssocID="{B2760400-46B8-480A-864E-7FA2E1B4EA2B}" presName="Childtext1" presStyleLbl="revTx" presStyleIdx="1" presStyleCnt="5" custLinFactNeighborX="-26849" custLinFactNeighborY="4089">
+      <dgm:prSet presAssocID="{B2760400-46B8-480A-864E-7FA2E1B4EA2B}" presName="Childtext1" presStyleLbl="revTx" presStyleIdx="1" presStyleCnt="6" custLinFactNeighborX="-26849" custLinFactNeighborY="4089">
         <dgm:presLayoutVars>
           <dgm:chMax val="0"/>
           <dgm:chPref val="0"/>
@@ -2423,7 +2464,7 @@
       <dgm:spPr/>
     </dgm:pt>
     <dgm:pt modelId="{9124E829-FE07-426F-9B6D-CD883A7804AB}" type="pres">
-      <dgm:prSet presAssocID="{4CE40ECC-4B7E-4C56-906D-E957FB99B300}" presName="Accent1Text" presStyleLbl="node1" presStyleIdx="3" presStyleCnt="10" custLinFactNeighborX="2138" custLinFactNeighborY="2296"/>
+      <dgm:prSet presAssocID="{4CE40ECC-4B7E-4C56-906D-E957FB99B300}" presName="Accent1Text" presStyleLbl="node1" presStyleIdx="3" presStyleCnt="12" custLinFactNeighborX="2138" custLinFactNeighborY="2296"/>
       <dgm:spPr/>
     </dgm:pt>
     <dgm:pt modelId="{DD3F4DED-B780-4F85-A84F-99DA980AA849}" type="pres">
@@ -2435,7 +2476,7 @@
       <dgm:spPr/>
     </dgm:pt>
     <dgm:pt modelId="{D84CD058-2A15-4ADA-AFD1-32720FECC116}" type="pres">
-      <dgm:prSet presAssocID="{C825023B-4ED6-4693-95A7-3818E7CB9083}" presName="Parent1" presStyleLbl="node1" presStyleIdx="4" presStyleCnt="10" custLinFactNeighborY="0">
+      <dgm:prSet presAssocID="{C825023B-4ED6-4693-95A7-3818E7CB9083}" presName="Parent1" presStyleLbl="node1" presStyleIdx="4" presStyleCnt="12" custLinFactNeighborY="0">
         <dgm:presLayoutVars>
           <dgm:chMax val="1"/>
           <dgm:chPref val="1"/>
@@ -2445,7 +2486,7 @@
       <dgm:spPr/>
     </dgm:pt>
     <dgm:pt modelId="{5B1E5CAF-64BE-4830-8CE3-32A9BE004B4F}" type="pres">
-      <dgm:prSet presAssocID="{C825023B-4ED6-4693-95A7-3818E7CB9083}" presName="Childtext1" presStyleLbl="revTx" presStyleIdx="2" presStyleCnt="5">
+      <dgm:prSet presAssocID="{C825023B-4ED6-4693-95A7-3818E7CB9083}" presName="Childtext1" presStyleLbl="revTx" presStyleIdx="2" presStyleCnt="6">
         <dgm:presLayoutVars>
           <dgm:chMax val="0"/>
           <dgm:chPref val="0"/>
@@ -2463,7 +2504,7 @@
       <dgm:spPr/>
     </dgm:pt>
     <dgm:pt modelId="{6BD7B044-836A-4AEE-A815-755B44C80448}" type="pres">
-      <dgm:prSet presAssocID="{2BA0BEF7-0D04-4247-88A9-A6A1D926F09C}" presName="Accent1Text" presStyleLbl="node1" presStyleIdx="5" presStyleCnt="10" custLinFactNeighborX="991" custLinFactNeighborY="-101"/>
+      <dgm:prSet presAssocID="{2BA0BEF7-0D04-4247-88A9-A6A1D926F09C}" presName="Accent1Text" presStyleLbl="node1" presStyleIdx="5" presStyleCnt="12" custLinFactNeighborX="991" custLinFactNeighborY="-101"/>
       <dgm:spPr/>
     </dgm:pt>
     <dgm:pt modelId="{2CBFD129-6924-4414-A01E-EDA7D286AA9F}" type="pres">
@@ -2475,7 +2516,7 @@
       <dgm:spPr/>
     </dgm:pt>
     <dgm:pt modelId="{5A7FD379-8D6E-4A42-899D-AB8F698A4B0D}" type="pres">
-      <dgm:prSet presAssocID="{752A20F4-2525-42C2-89BF-519927210D03}" presName="Parent1" presStyleLbl="node1" presStyleIdx="6" presStyleCnt="10" custLinFactNeighborX="991" custLinFactNeighborY="-101">
+      <dgm:prSet presAssocID="{752A20F4-2525-42C2-89BF-519927210D03}" presName="Parent1" presStyleLbl="node1" presStyleIdx="6" presStyleCnt="12" custLinFactNeighborX="-6171" custLinFactNeighborY="-1429">
         <dgm:presLayoutVars>
           <dgm:chMax val="1"/>
           <dgm:chPref val="1"/>
@@ -2485,7 +2526,7 @@
       <dgm:spPr/>
     </dgm:pt>
     <dgm:pt modelId="{BE3ABF59-58E8-49C6-9A6F-CAA8DCBE73EF}" type="pres">
-      <dgm:prSet presAssocID="{752A20F4-2525-42C2-89BF-519927210D03}" presName="Childtext1" presStyleLbl="revTx" presStyleIdx="3" presStyleCnt="5">
+      <dgm:prSet presAssocID="{752A20F4-2525-42C2-89BF-519927210D03}" presName="Childtext1" presStyleLbl="revTx" presStyleIdx="3" presStyleCnt="6">
         <dgm:presLayoutVars>
           <dgm:chMax val="0"/>
           <dgm:chPref val="0"/>
@@ -2503,7 +2544,7 @@
       <dgm:spPr/>
     </dgm:pt>
     <dgm:pt modelId="{94C18C43-122C-49FA-AC76-08D9233B1389}" type="pres">
-      <dgm:prSet presAssocID="{777DC43B-3C6B-4619-9410-D4FF53D08702}" presName="Accent1Text" presStyleLbl="node1" presStyleIdx="7" presStyleCnt="10" custLinFactNeighborY="0"/>
+      <dgm:prSet presAssocID="{777DC43B-3C6B-4619-9410-D4FF53D08702}" presName="Accent1Text" presStyleLbl="node1" presStyleIdx="7" presStyleCnt="12" custLinFactNeighborX="2214" custLinFactNeighborY="-1429"/>
       <dgm:spPr/>
     </dgm:pt>
     <dgm:pt modelId="{1BF84191-92D7-4052-80F7-995EB4468B37}" type="pres">
@@ -2515,7 +2556,7 @@
       <dgm:spPr/>
     </dgm:pt>
     <dgm:pt modelId="{66F4B548-50F1-43F0-9E36-E0256C2A892B}" type="pres">
-      <dgm:prSet presAssocID="{7F547ED9-4185-4C5C-95E9-E2D380D447AF}" presName="Parent1" presStyleLbl="node1" presStyleIdx="8" presStyleCnt="10">
+      <dgm:prSet presAssocID="{7F547ED9-4185-4C5C-95E9-E2D380D447AF}" presName="Parent1" presStyleLbl="node1" presStyleIdx="8" presStyleCnt="12">
         <dgm:presLayoutVars>
           <dgm:chMax val="1"/>
           <dgm:chPref val="1"/>
@@ -2525,7 +2566,7 @@
       <dgm:spPr/>
     </dgm:pt>
     <dgm:pt modelId="{80869D2B-F2A6-4E99-B76A-1E33C75CEED0}" type="pres">
-      <dgm:prSet presAssocID="{7F547ED9-4185-4C5C-95E9-E2D380D447AF}" presName="Childtext1" presStyleLbl="revTx" presStyleIdx="4" presStyleCnt="5">
+      <dgm:prSet presAssocID="{7F547ED9-4185-4C5C-95E9-E2D380D447AF}" presName="Childtext1" presStyleLbl="revTx" presStyleIdx="4" presStyleCnt="6">
         <dgm:presLayoutVars>
           <dgm:chMax val="0"/>
           <dgm:chPref val="0"/>
@@ -2543,7 +2584,47 @@
       <dgm:spPr/>
     </dgm:pt>
     <dgm:pt modelId="{B421F830-B9FA-4ABB-9837-23C680632A57}" type="pres">
-      <dgm:prSet presAssocID="{E631792D-7816-42EA-88FB-E27B1BC2C19B}" presName="Accent1Text" presStyleLbl="node1" presStyleIdx="9" presStyleCnt="10" custLinFactNeighborY="0"/>
+      <dgm:prSet presAssocID="{E631792D-7816-42EA-88FB-E27B1BC2C19B}" presName="Accent1Text" presStyleLbl="node1" presStyleIdx="9" presStyleCnt="12" custLinFactNeighborY="0"/>
+      <dgm:spPr/>
+    </dgm:pt>
+    <dgm:pt modelId="{17B81837-E0B3-4D8D-B1D2-60381C0B31FB}" type="pres">
+      <dgm:prSet presAssocID="{E631792D-7816-42EA-88FB-E27B1BC2C19B}" presName="spaceBetweenRectangles" presStyleCnt="0"/>
+      <dgm:spPr/>
+    </dgm:pt>
+    <dgm:pt modelId="{0F038C86-E0A1-4D7F-B597-4FBE5B14D3A0}" type="pres">
+      <dgm:prSet presAssocID="{DF729E29-49C5-40E2-897D-AE5016B03CF9}" presName="composite" presStyleCnt="0"/>
+      <dgm:spPr/>
+    </dgm:pt>
+    <dgm:pt modelId="{244B3184-BC5F-4ADD-97A0-DFE2540673D4}" type="pres">
+      <dgm:prSet presAssocID="{DF729E29-49C5-40E2-897D-AE5016B03CF9}" presName="Parent1" presStyleLbl="node1" presStyleIdx="10" presStyleCnt="12">
+        <dgm:presLayoutVars>
+          <dgm:chMax val="1"/>
+          <dgm:chPref val="1"/>
+          <dgm:bulletEnabled val="1"/>
+        </dgm:presLayoutVars>
+      </dgm:prSet>
+      <dgm:spPr/>
+    </dgm:pt>
+    <dgm:pt modelId="{745B69FB-9ED3-4F97-8D9B-16D05204306A}" type="pres">
+      <dgm:prSet presAssocID="{DF729E29-49C5-40E2-897D-AE5016B03CF9}" presName="Childtext1" presStyleLbl="revTx" presStyleIdx="5" presStyleCnt="6">
+        <dgm:presLayoutVars>
+          <dgm:chMax val="0"/>
+          <dgm:chPref val="0"/>
+          <dgm:bulletEnabled val="1"/>
+        </dgm:presLayoutVars>
+      </dgm:prSet>
+      <dgm:spPr/>
+    </dgm:pt>
+    <dgm:pt modelId="{ED008908-99B0-4896-94F4-3FD7EF472417}" type="pres">
+      <dgm:prSet presAssocID="{DF729E29-49C5-40E2-897D-AE5016B03CF9}" presName="BalanceSpacing" presStyleCnt="0"/>
+      <dgm:spPr/>
+    </dgm:pt>
+    <dgm:pt modelId="{6E50E8A5-A281-4E30-8404-6658A1FDA8D0}" type="pres">
+      <dgm:prSet presAssocID="{DF729E29-49C5-40E2-897D-AE5016B03CF9}" presName="BalanceSpacing1" presStyleCnt="0"/>
+      <dgm:spPr/>
+    </dgm:pt>
+    <dgm:pt modelId="{B24ECD5C-5439-46A1-B28A-B81F506C46B0}" type="pres">
+      <dgm:prSet presAssocID="{6A18FB7E-6F08-4BF7-9DBB-90095029113B}" presName="Accent1Text" presStyleLbl="node1" presStyleIdx="11" presStyleCnt="12" custLinFactNeighborY="0"/>
       <dgm:spPr/>
     </dgm:pt>
   </dgm:ptLst>
@@ -2555,14 +2636,17 @@
     <dgm:cxn modelId="{136D272E-9237-4DD7-9259-DE3767EF3ECF}" srcId="{4D3E3D03-E6FF-476F-9CFE-5D4255238083}" destId="{C825023B-4ED6-4693-95A7-3818E7CB9083}" srcOrd="2" destOrd="0" parTransId="{8DADB222-6122-466D-AE2D-155175CC0E01}" sibTransId="{2BA0BEF7-0D04-4247-88A9-A6A1D926F09C}"/>
     <dgm:cxn modelId="{AA4C7C33-6A9C-4450-945D-8ED14B326A1C}" srcId="{4D3E3D03-E6FF-476F-9CFE-5D4255238083}" destId="{B2760400-46B8-480A-864E-7FA2E1B4EA2B}" srcOrd="1" destOrd="0" parTransId="{8752665D-1B63-46C8-AAC7-A3B5D7F33FF1}" sibTransId="{4CE40ECC-4B7E-4C56-906D-E957FB99B300}"/>
     <dgm:cxn modelId="{49EC7C39-787A-419B-AA5B-DFA05778C71A}" type="presOf" srcId="{E5050651-3757-48E7-85A6-56DBD14F7253}" destId="{D2286EE6-011C-49FA-9726-AF5036AB86A3}" srcOrd="0" destOrd="0" presId="urn:microsoft.com/office/officeart/2008/layout/AlternatingHexagons"/>
+    <dgm:cxn modelId="{E8CE9C5E-6322-4B7F-8FE0-E37EE4436844}" srcId="{4D3E3D03-E6FF-476F-9CFE-5D4255238083}" destId="{DF729E29-49C5-40E2-897D-AE5016B03CF9}" srcOrd="5" destOrd="0" parTransId="{1C536307-3FD9-4623-B551-EB520C74EC43}" sibTransId="{6A18FB7E-6F08-4BF7-9DBB-90095029113B}"/>
     <dgm:cxn modelId="{F2157F46-8C2C-4E1B-8768-AAB9A2D6E75A}" type="presOf" srcId="{777DC43B-3C6B-4619-9410-D4FF53D08702}" destId="{94C18C43-122C-49FA-AC76-08D9233B1389}" srcOrd="0" destOrd="0" presId="urn:microsoft.com/office/officeart/2008/layout/AlternatingHexagons"/>
     <dgm:cxn modelId="{80C2EB6B-4D68-4317-A623-099BBD4FFC26}" srcId="{4D3E3D03-E6FF-476F-9CFE-5D4255238083}" destId="{7F547ED9-4185-4C5C-95E9-E2D380D447AF}" srcOrd="4" destOrd="0" parTransId="{4E3373D0-5399-487C-8FE7-1EDEDB3F61DD}" sibTransId="{E631792D-7816-42EA-88FB-E27B1BC2C19B}"/>
     <dgm:cxn modelId="{894CA952-127A-4F2F-B886-215A2593FBAC}" type="presOf" srcId="{E631792D-7816-42EA-88FB-E27B1BC2C19B}" destId="{B421F830-B9FA-4ABB-9837-23C680632A57}" srcOrd="0" destOrd="0" presId="urn:microsoft.com/office/officeart/2008/layout/AlternatingHexagons"/>
+    <dgm:cxn modelId="{F73DD274-10F7-487A-A39C-DC4A6E93C12F}" type="presOf" srcId="{DF729E29-49C5-40E2-897D-AE5016B03CF9}" destId="{244B3184-BC5F-4ADD-97A0-DFE2540673D4}" srcOrd="0" destOrd="0" presId="urn:microsoft.com/office/officeart/2008/layout/AlternatingHexagons"/>
     <dgm:cxn modelId="{4C425C91-D73A-402F-9099-8D7DB32D4C73}" type="presOf" srcId="{2BA0BEF7-0D04-4247-88A9-A6A1D926F09C}" destId="{6BD7B044-836A-4AEE-A815-755B44C80448}" srcOrd="0" destOrd="0" presId="urn:microsoft.com/office/officeart/2008/layout/AlternatingHexagons"/>
     <dgm:cxn modelId="{E5E65FA9-652F-4586-AE59-C28F58E00171}" type="presOf" srcId="{C825023B-4ED6-4693-95A7-3818E7CB9083}" destId="{D84CD058-2A15-4ADA-AFD1-32720FECC116}" srcOrd="0" destOrd="0" presId="urn:microsoft.com/office/officeart/2008/layout/AlternatingHexagons"/>
     <dgm:cxn modelId="{4BE335B6-4E46-462D-A8FB-5BFD05513961}" srcId="{4D3E3D03-E6FF-476F-9CFE-5D4255238083}" destId="{752A20F4-2525-42C2-89BF-519927210D03}" srcOrd="3" destOrd="0" parTransId="{3CDEC82B-772C-4966-A4F7-986787A0532C}" sibTransId="{777DC43B-3C6B-4619-9410-D4FF53D08702}"/>
     <dgm:cxn modelId="{628BF5B8-89DE-4FF4-95C3-F3DBC9C870D7}" srcId="{4D3E3D03-E6FF-476F-9CFE-5D4255238083}" destId="{E5050651-3757-48E7-85A6-56DBD14F7253}" srcOrd="0" destOrd="0" parTransId="{20D895F1-7BF4-4376-8F17-82E225565E2F}" sibTransId="{53DC7991-71D7-4893-B053-3BBE04829F99}"/>
     <dgm:cxn modelId="{430954BD-A77B-4938-B2A9-69542131057E}" type="presOf" srcId="{752A20F4-2525-42C2-89BF-519927210D03}" destId="{5A7FD379-8D6E-4A42-899D-AB8F698A4B0D}" srcOrd="0" destOrd="0" presId="urn:microsoft.com/office/officeart/2008/layout/AlternatingHexagons"/>
+    <dgm:cxn modelId="{7BEF20F7-7C9B-4B8B-A916-690B272B8978}" type="presOf" srcId="{6A18FB7E-6F08-4BF7-9DBB-90095029113B}" destId="{B24ECD5C-5439-46A1-B28A-B81F506C46B0}" srcOrd="0" destOrd="0" presId="urn:microsoft.com/office/officeart/2008/layout/AlternatingHexagons"/>
     <dgm:cxn modelId="{D30AD4F9-9F34-48BB-9FF1-5806CC4FCE9B}" type="presOf" srcId="{53DC7991-71D7-4893-B053-3BBE04829F99}" destId="{5D82964B-D814-46A7-8811-405F2B55A641}" srcOrd="0" destOrd="0" presId="urn:microsoft.com/office/officeart/2008/layout/AlternatingHexagons"/>
     <dgm:cxn modelId="{27AFAD9E-0BEF-46F5-954B-1F9F2C75B886}" type="presParOf" srcId="{1FC59A1F-CE5F-437C-B9CA-6060AFF67286}" destId="{0FDEAE5E-2786-4C61-BF2C-673EDC88CA90}" srcOrd="0" destOrd="0" presId="urn:microsoft.com/office/officeart/2008/layout/AlternatingHexagons"/>
     <dgm:cxn modelId="{7BDAB753-707D-4BD3-A52A-10277AB631C6}" type="presParOf" srcId="{0FDEAE5E-2786-4C61-BF2C-673EDC88CA90}" destId="{D2286EE6-011C-49FA-9726-AF5036AB86A3}" srcOrd="0" destOrd="0" presId="urn:microsoft.com/office/officeart/2008/layout/AlternatingHexagons"/>
@@ -2598,6 +2682,13 @@
     <dgm:cxn modelId="{A652B810-04F8-4525-8AC9-9DB1FED287C6}" type="presParOf" srcId="{85FD9FF9-C493-495E-9D0C-CCC41C22D7F3}" destId="{4EED69F0-B853-4F8C-B198-37EB8C8C8AD9}" srcOrd="2" destOrd="0" presId="urn:microsoft.com/office/officeart/2008/layout/AlternatingHexagons"/>
     <dgm:cxn modelId="{334C21FF-B3F8-4B2B-BA48-92797DC46DD3}" type="presParOf" srcId="{85FD9FF9-C493-495E-9D0C-CCC41C22D7F3}" destId="{BA01EB0A-292E-4C76-A112-1B7C13B82866}" srcOrd="3" destOrd="0" presId="urn:microsoft.com/office/officeart/2008/layout/AlternatingHexagons"/>
     <dgm:cxn modelId="{ACA45641-031C-4183-AEFE-01EA1ABAD3AA}" type="presParOf" srcId="{85FD9FF9-C493-495E-9D0C-CCC41C22D7F3}" destId="{B421F830-B9FA-4ABB-9837-23C680632A57}" srcOrd="4" destOrd="0" presId="urn:microsoft.com/office/officeart/2008/layout/AlternatingHexagons"/>
+    <dgm:cxn modelId="{CBEC857B-6E58-4115-BB09-B837F2F2C9CF}" type="presParOf" srcId="{1FC59A1F-CE5F-437C-B9CA-6060AFF67286}" destId="{17B81837-E0B3-4D8D-B1D2-60381C0B31FB}" srcOrd="9" destOrd="0" presId="urn:microsoft.com/office/officeart/2008/layout/AlternatingHexagons"/>
+    <dgm:cxn modelId="{AA9E413C-7E2C-4CA1-877D-69034F343B22}" type="presParOf" srcId="{1FC59A1F-CE5F-437C-B9CA-6060AFF67286}" destId="{0F038C86-E0A1-4D7F-B597-4FBE5B14D3A0}" srcOrd="10" destOrd="0" presId="urn:microsoft.com/office/officeart/2008/layout/AlternatingHexagons"/>
+    <dgm:cxn modelId="{D2B292C7-33D1-4B78-938B-B2945A2BF3E5}" type="presParOf" srcId="{0F038C86-E0A1-4D7F-B597-4FBE5B14D3A0}" destId="{244B3184-BC5F-4ADD-97A0-DFE2540673D4}" srcOrd="0" destOrd="0" presId="urn:microsoft.com/office/officeart/2008/layout/AlternatingHexagons"/>
+    <dgm:cxn modelId="{AB52CA10-167C-4F4B-9608-83F814A13828}" type="presParOf" srcId="{0F038C86-E0A1-4D7F-B597-4FBE5B14D3A0}" destId="{745B69FB-9ED3-4F97-8D9B-16D05204306A}" srcOrd="1" destOrd="0" presId="urn:microsoft.com/office/officeart/2008/layout/AlternatingHexagons"/>
+    <dgm:cxn modelId="{E97A911E-2EBA-4467-9C05-3797E34E7152}" type="presParOf" srcId="{0F038C86-E0A1-4D7F-B597-4FBE5B14D3A0}" destId="{ED008908-99B0-4896-94F4-3FD7EF472417}" srcOrd="2" destOrd="0" presId="urn:microsoft.com/office/officeart/2008/layout/AlternatingHexagons"/>
+    <dgm:cxn modelId="{7B7F1B3C-88A1-4E16-AA44-E09D7DE1EC03}" type="presParOf" srcId="{0F038C86-E0A1-4D7F-B597-4FBE5B14D3A0}" destId="{6E50E8A5-A281-4E30-8404-6658A1FDA8D0}" srcOrd="3" destOrd="0" presId="urn:microsoft.com/office/officeart/2008/layout/AlternatingHexagons"/>
+    <dgm:cxn modelId="{1131354E-0143-473F-AC04-E1B9CA372A42}" type="presParOf" srcId="{0F038C86-E0A1-4D7F-B597-4FBE5B14D3A0}" destId="{B24ECD5C-5439-46A1-B28A-B81F506C46B0}" srcOrd="4" destOrd="0" presId="urn:microsoft.com/office/officeart/2008/layout/AlternatingHexagons"/>
   </dgm:cxnLst>
   <dgm:bg/>
   <dgm:whole/>
@@ -3080,8 +3171,8 @@
       </dsp:nvSpPr>
       <dsp:spPr>
         <a:xfrm rot="5400000">
-          <a:off x="4572355" y="80380"/>
-          <a:ext cx="1205957" cy="1049182"/>
+          <a:off x="4457947" y="60453"/>
+          <a:ext cx="893575" cy="777410"/>
         </a:xfrm>
         <a:prstGeom prst="hexagon">
           <a:avLst>
@@ -3142,13 +3233,13 @@
           </a:pPr>
           <a:r>
             <a:rPr lang="en-IN" sz="1200" kern="1200" dirty="0"/>
-            <a:t>Loan Amount Vs  Income</a:t>
+            <a:t>Loan Amount</a:t>
           </a:r>
         </a:p>
       </dsp:txBody>
       <dsp:txXfrm rot="-5400000">
-        <a:off x="4814239" y="189921"/>
-        <a:ext cx="722188" cy="830101"/>
+        <a:off x="4637175" y="141620"/>
+        <a:ext cx="535118" cy="615077"/>
       </dsp:txXfrm>
     </dsp:sp>
     <dsp:sp modelId="{44188815-F950-4DC2-9852-A19085841EF9}">
@@ -3158,8 +3249,8 @@
       </dsp:nvSpPr>
       <dsp:spPr>
         <a:xfrm>
-          <a:off x="5809317" y="212324"/>
-          <a:ext cx="1253186" cy="723574"/>
+          <a:off x="5374496" y="158219"/>
+          <a:ext cx="928571" cy="536145"/>
         </a:xfrm>
         <a:prstGeom prst="rect">
           <a:avLst/>
@@ -3190,8 +3281,8 @@
       </dsp:nvSpPr>
       <dsp:spPr>
         <a:xfrm rot="5400000">
-          <a:off x="3449635" y="79162"/>
-          <a:ext cx="1205957" cy="1049182"/>
+          <a:off x="3626047" y="59550"/>
+          <a:ext cx="893575" cy="777410"/>
         </a:xfrm>
         <a:prstGeom prst="hexagon">
           <a:avLst>
@@ -3203,8 +3294,8 @@
           <a:schemeClr val="accent2">
             <a:shade val="50000"/>
             <a:hueOff val="0"/>
-            <a:satOff val="-6506"/>
-            <a:lumOff val="10556"/>
+            <a:satOff val="-5422"/>
+            <a:lumOff val="8796"/>
             <a:alphaOff val="0"/>
           </a:schemeClr>
         </a:solidFill>
@@ -3257,8 +3348,8 @@
         </a:p>
       </dsp:txBody>
       <dsp:txXfrm rot="-5400000">
-        <a:off x="3691519" y="188703"/>
-        <a:ext cx="722188" cy="830101"/>
+        <a:off x="3805275" y="140717"/>
+        <a:ext cx="535118" cy="615077"/>
       </dsp:txXfrm>
     </dsp:sp>
     <dsp:sp modelId="{87316106-55EE-42F7-B8A3-2A9452E435F3}">
@@ -3268,8 +3359,8 @@
       </dsp:nvSpPr>
       <dsp:spPr>
         <a:xfrm rot="5400000">
-          <a:off x="4014023" y="1102779"/>
-          <a:ext cx="1205957" cy="1049182"/>
+          <a:off x="4044241" y="818017"/>
+          <a:ext cx="893575" cy="777410"/>
         </a:xfrm>
         <a:prstGeom prst="hexagon">
           <a:avLst>
@@ -3281,8 +3372,8 @@
           <a:schemeClr val="accent2">
             <a:shade val="50000"/>
             <a:hueOff val="0"/>
-            <a:satOff val="-13013"/>
-            <a:lumOff val="21111"/>
+            <a:satOff val="-10844"/>
+            <a:lumOff val="17593"/>
             <a:alphaOff val="0"/>
           </a:schemeClr>
         </a:solidFill>
@@ -3335,8 +3426,8 @@
         </a:p>
       </dsp:txBody>
       <dsp:txXfrm rot="-5400000">
-        <a:off x="4255907" y="1212320"/>
-        <a:ext cx="722188" cy="830101"/>
+        <a:off x="4223469" y="899184"/>
+        <a:ext cx="535118" cy="615077"/>
       </dsp:txXfrm>
     </dsp:sp>
     <dsp:sp modelId="{583E51D8-B657-4E2C-A64A-73D791452976}">
@@ -3346,8 +3437,8 @@
       </dsp:nvSpPr>
       <dsp:spPr>
         <a:xfrm>
-          <a:off x="2386474" y="1296388"/>
-          <a:ext cx="1302433" cy="723574"/>
+          <a:off x="2838279" y="961476"/>
+          <a:ext cx="965061" cy="536145"/>
         </a:xfrm>
         <a:prstGeom prst="rect">
           <a:avLst/>
@@ -3378,8 +3469,8 @@
       </dsp:nvSpPr>
       <dsp:spPr>
         <a:xfrm rot="5400000">
-          <a:off x="5159174" y="1131685"/>
-          <a:ext cx="1205957" cy="1049182"/>
+          <a:off x="4892762" y="839436"/>
+          <a:ext cx="893575" cy="777410"/>
         </a:xfrm>
         <a:prstGeom prst="hexagon">
           <a:avLst>
@@ -3391,8 +3482,8 @@
           <a:schemeClr val="accent2">
             <a:shade val="50000"/>
             <a:hueOff val="0"/>
-            <a:satOff val="-19519"/>
-            <a:lumOff val="31667"/>
+            <a:satOff val="-16266"/>
+            <a:lumOff val="26389"/>
             <a:alphaOff val="0"/>
           </a:schemeClr>
         </a:solidFill>
@@ -3445,8 +3536,8 @@
         </a:p>
       </dsp:txBody>
       <dsp:txXfrm rot="-5400000">
-        <a:off x="5401058" y="1241226"/>
-        <a:ext cx="722188" cy="830101"/>
+        <a:off x="5071990" y="920603"/>
+        <a:ext cx="535118" cy="615077"/>
       </dsp:txXfrm>
     </dsp:sp>
     <dsp:sp modelId="{D84CD058-2A15-4ADA-AFD1-32720FECC116}">
@@ -3456,8 +3547,8 @@
       </dsp:nvSpPr>
       <dsp:spPr>
         <a:xfrm rot="5400000">
-          <a:off x="4572355" y="2127613"/>
-          <a:ext cx="1205957" cy="1049182"/>
+          <a:off x="4457947" y="1577387"/>
+          <a:ext cx="893575" cy="777410"/>
         </a:xfrm>
         <a:prstGeom prst="hexagon">
           <a:avLst>
@@ -3469,8 +3560,8 @@
           <a:schemeClr val="accent2">
             <a:shade val="50000"/>
             <a:hueOff val="0"/>
-            <a:satOff val="-26026"/>
-            <a:lumOff val="42222"/>
+            <a:satOff val="-21688"/>
+            <a:lumOff val="35185"/>
             <a:alphaOff val="0"/>
           </a:schemeClr>
         </a:solidFill>
@@ -3523,8 +3614,8 @@
         </a:p>
       </dsp:txBody>
       <dsp:txXfrm rot="-5400000">
-        <a:off x="4814239" y="2237154"/>
-        <a:ext cx="722188" cy="830101"/>
+        <a:off x="4637175" y="1658554"/>
+        <a:ext cx="535118" cy="615077"/>
       </dsp:txXfrm>
     </dsp:sp>
     <dsp:sp modelId="{5B1E5CAF-64BE-4830-8CE3-32A9BE004B4F}">
@@ -3534,8 +3625,8 @@
       </dsp:nvSpPr>
       <dsp:spPr>
         <a:xfrm>
-          <a:off x="5731762" y="2290417"/>
-          <a:ext cx="1345848" cy="723574"/>
+          <a:off x="5317031" y="1698020"/>
+          <a:ext cx="997230" cy="536145"/>
         </a:xfrm>
         <a:prstGeom prst="rect">
           <a:avLst/>
@@ -3566,8 +3657,8 @@
       </dsp:nvSpPr>
       <dsp:spPr>
         <a:xfrm rot="5400000">
-          <a:off x="3449635" y="2126395"/>
-          <a:ext cx="1205957" cy="1049182"/>
+          <a:off x="3626047" y="1576484"/>
+          <a:ext cx="893575" cy="777410"/>
         </a:xfrm>
         <a:prstGeom prst="hexagon">
           <a:avLst>
@@ -3579,8 +3670,8 @@
           <a:schemeClr val="accent2">
             <a:shade val="50000"/>
             <a:hueOff val="0"/>
-            <a:satOff val="-32532"/>
-            <a:lumOff val="52778"/>
+            <a:satOff val="-27110"/>
+            <a:lumOff val="43982"/>
             <a:alphaOff val="0"/>
           </a:schemeClr>
         </a:solidFill>
@@ -3633,8 +3724,8 @@
         </a:p>
       </dsp:txBody>
       <dsp:txXfrm rot="-5400000">
-        <a:off x="3691519" y="2235936"/>
-        <a:ext cx="722188" cy="830101"/>
+        <a:off x="3805275" y="1657651"/>
+        <a:ext cx="535118" cy="615077"/>
       </dsp:txXfrm>
     </dsp:sp>
     <dsp:sp modelId="{5A7FD379-8D6E-4A42-899D-AB8F698A4B0D}">
@@ -3644,8 +3735,8 @@
       </dsp:nvSpPr>
       <dsp:spPr>
         <a:xfrm rot="5400000">
-          <a:off x="4014023" y="3150012"/>
-          <a:ext cx="1205957" cy="1049182"/>
+          <a:off x="3988563" y="2323085"/>
+          <a:ext cx="893575" cy="777410"/>
         </a:xfrm>
         <a:prstGeom prst="hexagon">
           <a:avLst>
@@ -3657,8 +3748,8 @@
           <a:schemeClr val="accent2">
             <a:shade val="50000"/>
             <a:hueOff val="0"/>
-            <a:satOff val="-26026"/>
-            <a:lumOff val="42222"/>
+            <a:satOff val="-32532"/>
+            <a:lumOff val="52778"/>
             <a:alphaOff val="0"/>
           </a:schemeClr>
         </a:solidFill>
@@ -3711,8 +3802,8 @@
         </a:p>
       </dsp:txBody>
       <dsp:txXfrm rot="-5400000">
-        <a:off x="4255907" y="3259553"/>
-        <a:ext cx="722188" cy="830101"/>
+        <a:off x="4167791" y="2404252"/>
+        <a:ext cx="535118" cy="615077"/>
       </dsp:txXfrm>
     </dsp:sp>
     <dsp:sp modelId="{BE3ABF59-58E8-49C6-9A6F-CAA8DCBE73EF}">
@@ -3722,8 +3813,8 @@
       </dsp:nvSpPr>
       <dsp:spPr>
         <a:xfrm>
-          <a:off x="2736165" y="3314034"/>
-          <a:ext cx="1302433" cy="723574"/>
+          <a:off x="3097389" y="2456487"/>
+          <a:ext cx="965061" cy="536145"/>
         </a:xfrm>
         <a:prstGeom prst="rect">
           <a:avLst/>
@@ -3754,8 +3845,8 @@
       </dsp:nvSpPr>
       <dsp:spPr>
         <a:xfrm rot="5400000">
-          <a:off x="5136743" y="3151230"/>
-          <a:ext cx="1205957" cy="1049182"/>
+          <a:off x="4893352" y="2323085"/>
+          <a:ext cx="893575" cy="777410"/>
         </a:xfrm>
         <a:prstGeom prst="hexagon">
           <a:avLst>
@@ -3767,8 +3858,8 @@
           <a:schemeClr val="accent2">
             <a:shade val="50000"/>
             <a:hueOff val="0"/>
-            <a:satOff val="-19519"/>
-            <a:lumOff val="31667"/>
+            <a:satOff val="-27110"/>
+            <a:lumOff val="43982"/>
             <a:alphaOff val="0"/>
           </a:schemeClr>
         </a:solidFill>
@@ -3821,8 +3912,8 @@
         </a:p>
       </dsp:txBody>
       <dsp:txXfrm rot="-5400000">
-        <a:off x="5378627" y="3260771"/>
-        <a:ext cx="722188" cy="830101"/>
+        <a:off x="5072580" y="2404252"/>
+        <a:ext cx="535118" cy="615077"/>
       </dsp:txXfrm>
     </dsp:sp>
     <dsp:sp modelId="{66F4B548-50F1-43F0-9E36-E0256C2A892B}">
@@ -3832,8 +3923,8 @@
       </dsp:nvSpPr>
       <dsp:spPr>
         <a:xfrm rot="5400000">
-          <a:off x="4572355" y="4174846"/>
-          <a:ext cx="1205957" cy="1049182"/>
+          <a:off x="4457947" y="3094321"/>
+          <a:ext cx="893575" cy="777410"/>
         </a:xfrm>
         <a:prstGeom prst="hexagon">
           <a:avLst>
@@ -3845,8 +3936,8 @@
           <a:schemeClr val="accent2">
             <a:shade val="50000"/>
             <a:hueOff val="0"/>
-            <a:satOff val="-13013"/>
-            <a:lumOff val="21111"/>
+            <a:satOff val="-21688"/>
+            <a:lumOff val="35185"/>
             <a:alphaOff val="0"/>
           </a:schemeClr>
         </a:solidFill>
@@ -3899,8 +3990,8 @@
         </a:p>
       </dsp:txBody>
       <dsp:txXfrm rot="-5400000">
-        <a:off x="4814239" y="4284387"/>
-        <a:ext cx="722188" cy="830101"/>
+        <a:off x="4637175" y="3175488"/>
+        <a:ext cx="535118" cy="615077"/>
       </dsp:txXfrm>
     </dsp:sp>
     <dsp:sp modelId="{80869D2B-F2A6-4E99-B76A-1E33C75CEED0}">
@@ -3910,8 +4001,8 @@
       </dsp:nvSpPr>
       <dsp:spPr>
         <a:xfrm>
-          <a:off x="5731762" y="4337650"/>
-          <a:ext cx="1345848" cy="723574"/>
+          <a:off x="5317031" y="3214954"/>
+          <a:ext cx="997230" cy="536145"/>
         </a:xfrm>
         <a:prstGeom prst="rect">
           <a:avLst/>
@@ -3942,8 +4033,8 @@
       </dsp:nvSpPr>
       <dsp:spPr>
         <a:xfrm rot="5400000">
-          <a:off x="3439238" y="4174846"/>
-          <a:ext cx="1205957" cy="1049182"/>
+          <a:off x="3618343" y="3094321"/>
+          <a:ext cx="893575" cy="777410"/>
         </a:xfrm>
         <a:prstGeom prst="hexagon">
           <a:avLst>
@@ -3955,8 +4046,8 @@
           <a:schemeClr val="accent2">
             <a:shade val="50000"/>
             <a:hueOff val="0"/>
-            <a:satOff val="-6506"/>
-            <a:lumOff val="10556"/>
+            <a:satOff val="-16266"/>
+            <a:lumOff val="26389"/>
             <a:alphaOff val="0"/>
           </a:schemeClr>
         </a:solidFill>
@@ -3990,7 +4081,7 @@
         </a:bodyPr>
         <a:lstStyle/>
         <a:p>
-          <a:pPr marL="0" lvl="0" indent="0" algn="ctr" defTabSz="488950">
+          <a:pPr marL="0" lvl="0" indent="0" algn="ctr" defTabSz="355600">
             <a:lnSpc>
               <a:spcPct val="90000"/>
             </a:lnSpc>
@@ -4003,14 +4094,202 @@
             <a:buNone/>
           </a:pPr>
           <a:r>
-            <a:rPr lang="en-IN" sz="1100" kern="1200" dirty="0"/>
+            <a:rPr lang="en-IN" sz="800" kern="1200" dirty="0"/>
             <a:t>Home Ownership</a:t>
           </a:r>
         </a:p>
       </dsp:txBody>
       <dsp:txXfrm rot="-5400000">
-        <a:off x="3681122" y="4284387"/>
-        <a:ext cx="722188" cy="830101"/>
+        <a:off x="3797571" y="3175488"/>
+        <a:ext cx="535118" cy="615077"/>
+      </dsp:txXfrm>
+    </dsp:sp>
+    <dsp:sp modelId="{244B3184-BC5F-4ADD-97A0-DFE2540673D4}">
+      <dsp:nvSpPr>
+        <dsp:cNvPr id="0" name=""/>
+        <dsp:cNvSpPr/>
+      </dsp:nvSpPr>
+      <dsp:spPr>
+        <a:xfrm rot="5400000">
+          <a:off x="4036537" y="3852788"/>
+          <a:ext cx="893575" cy="777410"/>
+        </a:xfrm>
+        <a:prstGeom prst="hexagon">
+          <a:avLst>
+            <a:gd name="adj" fmla="val 25000"/>
+            <a:gd name="vf" fmla="val 115470"/>
+          </a:avLst>
+        </a:prstGeom>
+        <a:solidFill>
+          <a:schemeClr val="accent2">
+            <a:shade val="50000"/>
+            <a:hueOff val="0"/>
+            <a:satOff val="-10844"/>
+            <a:lumOff val="17593"/>
+            <a:alphaOff val="0"/>
+          </a:schemeClr>
+        </a:solidFill>
+        <a:ln>
+          <a:noFill/>
+        </a:ln>
+        <a:effectLst/>
+        <a:sp3d extrusionH="381000" contourW="38100" prstMaterial="matte">
+          <a:contourClr>
+            <a:schemeClr val="lt1"/>
+          </a:contourClr>
+        </a:sp3d>
+      </dsp:spPr>
+      <dsp:style>
+        <a:lnRef idx="0">
+          <a:scrgbClr r="0" g="0" b="0"/>
+        </a:lnRef>
+        <a:fillRef idx="1">
+          <a:scrgbClr r="0" g="0" b="0"/>
+        </a:fillRef>
+        <a:effectRef idx="0">
+          <a:scrgbClr r="0" g="0" b="0"/>
+        </a:effectRef>
+        <a:fontRef idx="minor">
+          <a:schemeClr val="lt1"/>
+        </a:fontRef>
+      </dsp:style>
+      <dsp:txBody>
+        <a:bodyPr spcFirstLastPara="0" vert="horz" wrap="square" lIns="45720" tIns="45720" rIns="45720" bIns="45720" numCol="1" spcCol="1270" anchor="ctr" anchorCtr="0">
+          <a:noAutofit/>
+        </a:bodyPr>
+        <a:lstStyle/>
+        <a:p>
+          <a:pPr marL="0" lvl="0" indent="0" algn="ctr" defTabSz="533400">
+            <a:lnSpc>
+              <a:spcPct val="90000"/>
+            </a:lnSpc>
+            <a:spcBef>
+              <a:spcPct val="0"/>
+            </a:spcBef>
+            <a:spcAft>
+              <a:spcPct val="35000"/>
+            </a:spcAft>
+            <a:buNone/>
+          </a:pPr>
+          <a:r>
+            <a:rPr lang="en-IN" sz="1200" kern="1200" dirty="0"/>
+            <a:t>Verification Status </a:t>
+          </a:r>
+        </a:p>
+      </dsp:txBody>
+      <dsp:txXfrm rot="-5400000">
+        <a:off x="4215765" y="3933955"/>
+        <a:ext cx="535118" cy="615077"/>
+      </dsp:txXfrm>
+    </dsp:sp>
+    <dsp:sp modelId="{745B69FB-9ED3-4F97-8D9B-16D05204306A}">
+      <dsp:nvSpPr>
+        <dsp:cNvPr id="0" name=""/>
+        <dsp:cNvSpPr/>
+      </dsp:nvSpPr>
+      <dsp:spPr>
+        <a:xfrm>
+          <a:off x="3097389" y="3973421"/>
+          <a:ext cx="965061" cy="536145"/>
+        </a:xfrm>
+        <a:prstGeom prst="rect">
+          <a:avLst/>
+        </a:prstGeom>
+        <a:noFill/>
+        <a:ln>
+          <a:noFill/>
+        </a:ln>
+        <a:effectLst/>
+      </dsp:spPr>
+      <dsp:style>
+        <a:lnRef idx="0">
+          <a:scrgbClr r="0" g="0" b="0"/>
+        </a:lnRef>
+        <a:fillRef idx="0">
+          <a:scrgbClr r="0" g="0" b="0"/>
+        </a:fillRef>
+        <a:effectRef idx="0">
+          <a:scrgbClr r="0" g="0" b="0"/>
+        </a:effectRef>
+        <a:fontRef idx="minor"/>
+      </dsp:style>
+    </dsp:sp>
+    <dsp:sp modelId="{B24ECD5C-5439-46A1-B28A-B81F506C46B0}">
+      <dsp:nvSpPr>
+        <dsp:cNvPr id="0" name=""/>
+        <dsp:cNvSpPr/>
+      </dsp:nvSpPr>
+      <dsp:spPr>
+        <a:xfrm rot="5400000">
+          <a:off x="4876141" y="3852788"/>
+          <a:ext cx="893575" cy="777410"/>
+        </a:xfrm>
+        <a:prstGeom prst="hexagon">
+          <a:avLst>
+            <a:gd name="adj" fmla="val 25000"/>
+            <a:gd name="vf" fmla="val 115470"/>
+          </a:avLst>
+        </a:prstGeom>
+        <a:solidFill>
+          <a:schemeClr val="accent2">
+            <a:shade val="50000"/>
+            <a:hueOff val="0"/>
+            <a:satOff val="-5422"/>
+            <a:lumOff val="8796"/>
+            <a:alphaOff val="0"/>
+          </a:schemeClr>
+        </a:solidFill>
+        <a:ln>
+          <a:noFill/>
+        </a:ln>
+        <a:effectLst/>
+        <a:sp3d extrusionH="381000" contourW="38100" prstMaterial="matte">
+          <a:contourClr>
+            <a:schemeClr val="lt1"/>
+          </a:contourClr>
+        </a:sp3d>
+      </dsp:spPr>
+      <dsp:style>
+        <a:lnRef idx="0">
+          <a:scrgbClr r="0" g="0" b="0"/>
+        </a:lnRef>
+        <a:fillRef idx="1">
+          <a:scrgbClr r="0" g="0" b="0"/>
+        </a:fillRef>
+        <a:effectRef idx="0">
+          <a:scrgbClr r="0" g="0" b="0"/>
+        </a:effectRef>
+        <a:fontRef idx="minor">
+          <a:schemeClr val="lt1"/>
+        </a:fontRef>
+      </dsp:style>
+      <dsp:txBody>
+        <a:bodyPr spcFirstLastPara="0" vert="horz" wrap="square" lIns="0" tIns="0" rIns="0" bIns="0" numCol="1" spcCol="1270" anchor="ctr" anchorCtr="0">
+          <a:noAutofit/>
+        </a:bodyPr>
+        <a:lstStyle/>
+        <a:p>
+          <a:pPr marL="0" lvl="0" indent="0" algn="ctr" defTabSz="533400">
+            <a:lnSpc>
+              <a:spcPct val="90000"/>
+            </a:lnSpc>
+            <a:spcBef>
+              <a:spcPct val="0"/>
+            </a:spcBef>
+            <a:spcAft>
+              <a:spcPct val="35000"/>
+            </a:spcAft>
+            <a:buNone/>
+          </a:pPr>
+          <a:r>
+            <a:rPr lang="en-IN" sz="1200" kern="1200" dirty="0"/>
+            <a:t>Income</a:t>
+          </a:r>
+        </a:p>
+      </dsp:txBody>
+      <dsp:txXfrm rot="-5400000">
+        <a:off x="5055369" y="3933955"/>
+        <a:ext cx="535118" cy="615077"/>
       </dsp:txXfrm>
     </dsp:sp>
   </dsp:spTree>
@@ -7113,7 +7392,7 @@
           <a:p>
             <a:fld id="{B4ACAA13-6CD2-44AA-9A83-CBDA6074545A}" type="slidenum">
               <a:rPr lang="en-IN" smtClean="0"/>
-              <a:t>5</a:t>
+              <a:t>6</a:t>
             </a:fld>
             <a:endParaRPr lang="en-IN"/>
           </a:p>
@@ -10889,6 +11168,190 @@
           </a:p>
         </p:txBody>
       </p:sp>
+      <p:sp>
+        <p:nvSpPr>
+          <p:cNvPr id="3" name="Slide Number Placeholder 1">
+            <a:extLst>
+              <a:ext uri="{FF2B5EF4-FFF2-40B4-BE49-F238E27FC236}">
+                <a16:creationId xmlns:a16="http://schemas.microsoft.com/office/drawing/2014/main" id="{0640076B-3ADA-D380-72C1-BE0DB2DE7C19}"/>
+              </a:ext>
+            </a:extLst>
+          </p:cNvPr>
+          <p:cNvSpPr txBox="1">
+            <a:spLocks/>
+          </p:cNvSpPr>
+          <p:nvPr/>
+        </p:nvSpPr>
+        <p:spPr bwMode="auto">
+          <a:xfrm>
+            <a:off x="8316416" y="6583362"/>
+            <a:ext cx="827584" cy="274638"/>
+          </a:xfrm>
+          <a:prstGeom prst="rect">
+            <a:avLst/>
+          </a:prstGeom>
+          <a:solidFill>
+            <a:srgbClr val="025198"/>
+          </a:solidFill>
+          <a:ln>
+            <a:noFill/>
+          </a:ln>
+          <a:effectLst/>
+        </p:spPr>
+        <p:txBody>
+          <a:bodyPr vert="horz" wrap="square" lIns="91440" tIns="45720" rIns="91440" bIns="45720" numCol="1" anchor="t" anchorCtr="0" compatLnSpc="1">
+            <a:prstTxWarp prst="textNoShape">
+              <a:avLst/>
+            </a:prstTxWarp>
+          </a:bodyPr>
+          <a:lstStyle>
+            <a:defPPr>
+              <a:defRPr lang="es-ES"/>
+            </a:defPPr>
+            <a:lvl1pPr algn="r" rtl="0" eaLnBrk="1" fontAlgn="base" hangingPunct="1">
+              <a:spcBef>
+                <a:spcPct val="0"/>
+              </a:spcBef>
+              <a:spcAft>
+                <a:spcPct val="0"/>
+              </a:spcAft>
+              <a:defRPr sz="1400" kern="1200">
+                <a:solidFill>
+                  <a:schemeClr val="tx1"/>
+                </a:solidFill>
+                <a:latin typeface="Arial" panose="020B0604020202020204" pitchFamily="34" charset="0"/>
+                <a:ea typeface="+mn-ea"/>
+                <a:cs typeface="Arial" panose="020B0604020202020204" pitchFamily="34" charset="0"/>
+              </a:defRPr>
+            </a:lvl1pPr>
+            <a:lvl2pPr marL="457200" algn="l" rtl="0" eaLnBrk="0" fontAlgn="base" hangingPunct="0">
+              <a:spcBef>
+                <a:spcPct val="0"/>
+              </a:spcBef>
+              <a:spcAft>
+                <a:spcPct val="0"/>
+              </a:spcAft>
+              <a:defRPr kern="1200">
+                <a:solidFill>
+                  <a:schemeClr val="tx1"/>
+                </a:solidFill>
+                <a:latin typeface="Arial" panose="020B0604020202020204" pitchFamily="34" charset="0"/>
+                <a:ea typeface="+mn-ea"/>
+                <a:cs typeface="Arial" panose="020B0604020202020204" pitchFamily="34" charset="0"/>
+              </a:defRPr>
+            </a:lvl2pPr>
+            <a:lvl3pPr marL="914400" algn="l" rtl="0" eaLnBrk="0" fontAlgn="base" hangingPunct="0">
+              <a:spcBef>
+                <a:spcPct val="0"/>
+              </a:spcBef>
+              <a:spcAft>
+                <a:spcPct val="0"/>
+              </a:spcAft>
+              <a:defRPr kern="1200">
+                <a:solidFill>
+                  <a:schemeClr val="tx1"/>
+                </a:solidFill>
+                <a:latin typeface="Arial" panose="020B0604020202020204" pitchFamily="34" charset="0"/>
+                <a:ea typeface="+mn-ea"/>
+                <a:cs typeface="Arial" panose="020B0604020202020204" pitchFamily="34" charset="0"/>
+              </a:defRPr>
+            </a:lvl3pPr>
+            <a:lvl4pPr marL="1371600" algn="l" rtl="0" eaLnBrk="0" fontAlgn="base" hangingPunct="0">
+              <a:spcBef>
+                <a:spcPct val="0"/>
+              </a:spcBef>
+              <a:spcAft>
+                <a:spcPct val="0"/>
+              </a:spcAft>
+              <a:defRPr kern="1200">
+                <a:solidFill>
+                  <a:schemeClr val="tx1"/>
+                </a:solidFill>
+                <a:latin typeface="Arial" panose="020B0604020202020204" pitchFamily="34" charset="0"/>
+                <a:ea typeface="+mn-ea"/>
+                <a:cs typeface="Arial" panose="020B0604020202020204" pitchFamily="34" charset="0"/>
+              </a:defRPr>
+            </a:lvl4pPr>
+            <a:lvl5pPr marL="1828800" algn="l" rtl="0" eaLnBrk="0" fontAlgn="base" hangingPunct="0">
+              <a:spcBef>
+                <a:spcPct val="0"/>
+              </a:spcBef>
+              <a:spcAft>
+                <a:spcPct val="0"/>
+              </a:spcAft>
+              <a:defRPr kern="1200">
+                <a:solidFill>
+                  <a:schemeClr val="tx1"/>
+                </a:solidFill>
+                <a:latin typeface="Arial" panose="020B0604020202020204" pitchFamily="34" charset="0"/>
+                <a:ea typeface="+mn-ea"/>
+                <a:cs typeface="Arial" panose="020B0604020202020204" pitchFamily="34" charset="0"/>
+              </a:defRPr>
+            </a:lvl5pPr>
+            <a:lvl6pPr marL="2286000" algn="l" defTabSz="914400" rtl="0" eaLnBrk="1" latinLnBrk="0" hangingPunct="1">
+              <a:defRPr kern="1200">
+                <a:solidFill>
+                  <a:schemeClr val="tx1"/>
+                </a:solidFill>
+                <a:latin typeface="Arial" panose="020B0604020202020204" pitchFamily="34" charset="0"/>
+                <a:ea typeface="+mn-ea"/>
+                <a:cs typeface="Arial" panose="020B0604020202020204" pitchFamily="34" charset="0"/>
+              </a:defRPr>
+            </a:lvl6pPr>
+            <a:lvl7pPr marL="2743200" algn="l" defTabSz="914400" rtl="0" eaLnBrk="1" latinLnBrk="0" hangingPunct="1">
+              <a:defRPr kern="1200">
+                <a:solidFill>
+                  <a:schemeClr val="tx1"/>
+                </a:solidFill>
+                <a:latin typeface="Arial" panose="020B0604020202020204" pitchFamily="34" charset="0"/>
+                <a:ea typeface="+mn-ea"/>
+                <a:cs typeface="Arial" panose="020B0604020202020204" pitchFamily="34" charset="0"/>
+              </a:defRPr>
+            </a:lvl7pPr>
+            <a:lvl8pPr marL="3200400" algn="l" defTabSz="914400" rtl="0" eaLnBrk="1" latinLnBrk="0" hangingPunct="1">
+              <a:defRPr kern="1200">
+                <a:solidFill>
+                  <a:schemeClr val="tx1"/>
+                </a:solidFill>
+                <a:latin typeface="Arial" panose="020B0604020202020204" pitchFamily="34" charset="0"/>
+                <a:ea typeface="+mn-ea"/>
+                <a:cs typeface="Arial" panose="020B0604020202020204" pitchFamily="34" charset="0"/>
+              </a:defRPr>
+            </a:lvl8pPr>
+            <a:lvl9pPr marL="3657600" algn="l" defTabSz="914400" rtl="0" eaLnBrk="1" latinLnBrk="0" hangingPunct="1">
+              <a:defRPr kern="1200">
+                <a:solidFill>
+                  <a:schemeClr val="tx1"/>
+                </a:solidFill>
+                <a:latin typeface="Arial" panose="020B0604020202020204" pitchFamily="34" charset="0"/>
+                <a:ea typeface="+mn-ea"/>
+                <a:cs typeface="Arial" panose="020B0604020202020204" pitchFamily="34" charset="0"/>
+              </a:defRPr>
+            </a:lvl9pPr>
+          </a:lstStyle>
+          <a:p>
+            <a:pPr>
+              <a:defRPr/>
+            </a:pPr>
+            <a:fld id="{3D8BF74B-B5E3-4D3D-9E8C-0CE8B052EA45}" type="slidenum">
+              <a:rPr lang="es-ES" altLang="en-US" smtClean="0">
+                <a:solidFill>
+                  <a:schemeClr val="bg1"/>
+                </a:solidFill>
+              </a:rPr>
+              <a:pPr>
+                <a:defRPr/>
+              </a:pPr>
+              <a:t>1</a:t>
+            </a:fld>
+            <a:endParaRPr lang="es-ES" altLang="en-US" dirty="0">
+              <a:solidFill>
+                <a:schemeClr val="bg1"/>
+              </a:solidFill>
+            </a:endParaRPr>
+          </a:p>
+        </p:txBody>
+      </p:sp>
     </p:spTree>
   </p:cSld>
   <p:clrMapOvr>
@@ -10932,7 +11395,7 @@
         </p:nvSpPr>
         <p:spPr>
           <a:xfrm>
-            <a:off x="1686173" y="188640"/>
+            <a:off x="1691680" y="341857"/>
             <a:ext cx="6480000" cy="981075"/>
           </a:xfrm>
         </p:spPr>
@@ -10949,7 +11412,26 @@
                   </a:schemeClr>
                 </a:solidFill>
               </a:rPr>
-              <a:t>         Bivariate Analysis – Home Ownership </a:t>
+              <a:t>         Bivariate Analysis – </a:t>
+            </a:r>
+            <a:br>
+              <a:rPr lang="en-US" altLang="en-US" sz="3500" dirty="0">
+                <a:solidFill>
+                  <a:schemeClr val="accent1">
+                    <a:lumMod val="90000"/>
+                  </a:schemeClr>
+                </a:solidFill>
+              </a:rPr>
+            </a:br>
+            <a:r>
+              <a:rPr lang="en-US" altLang="en-US" sz="3500" dirty="0">
+                <a:solidFill>
+                  <a:schemeClr val="accent1">
+                    <a:lumMod val="90000"/>
+                  </a:schemeClr>
+                </a:solidFill>
+              </a:rPr>
+              <a:t>Employee Length &amp; Purpose</a:t>
             </a:r>
             <a:br>
               <a:rPr lang="en-US" altLang="en-US" sz="3500" dirty="0">
@@ -10972,10 +11454,10 @@
       </p:sp>
       <p:sp>
         <p:nvSpPr>
-          <p:cNvPr id="2" name="TextBox 1">
+          <p:cNvPr id="6" name="TextBox 5">
             <a:extLst>
               <a:ext uri="{FF2B5EF4-FFF2-40B4-BE49-F238E27FC236}">
-                <a16:creationId xmlns:a16="http://schemas.microsoft.com/office/drawing/2014/main" id="{79957AFD-4410-DCE2-3A52-199C302FA8C0}"/>
+                <a16:creationId xmlns:a16="http://schemas.microsoft.com/office/drawing/2014/main" id="{31661278-8D03-F953-A360-3F12AF568A53}"/>
               </a:ext>
             </a:extLst>
           </p:cNvPr>
@@ -10984,8 +11466,8 @@
         </p:nvSpPr>
         <p:spPr>
           <a:xfrm>
-            <a:off x="3779912" y="903500"/>
-            <a:ext cx="2965877" cy="477054"/>
+            <a:off x="5661065" y="4516288"/>
+            <a:ext cx="3051088" cy="954107"/>
           </a:xfrm>
           <a:prstGeom prst="rect">
             <a:avLst/>
@@ -10993,23 +11475,571 @@
           <a:noFill/>
         </p:spPr>
         <p:txBody>
-          <a:bodyPr vert="horz" wrap="none" rtlCol="0" anchor="ctr" anchorCtr="1">
+          <a:bodyPr wrap="square" rtlCol="0">
             <a:spAutoFit/>
           </a:bodyPr>
           <a:lstStyle/>
           <a:p>
+            <a:pPr marL="285750" indent="-285750">
+              <a:buFont typeface="Arial" panose="020B0604020202020204" pitchFamily="34" charset="0"/>
+              <a:buChar char="•"/>
+            </a:pPr>
+            <a:r>
+              <a:rPr lang="en-IN" sz="1400" dirty="0"/>
+              <a:t>Employment length &lt; 2 </a:t>
+            </a:r>
+            <a:r>
+              <a:rPr lang="en-IN" sz="1400" dirty="0" err="1"/>
+              <a:t>yrs</a:t>
+            </a:r>
+            <a:r>
+              <a:rPr lang="en-IN" sz="1400" dirty="0"/>
+              <a:t> &amp; 10+ years to be watched as deflater peaks </a:t>
+            </a:r>
+          </a:p>
+          <a:p>
+            <a:endParaRPr lang="en-IN" sz="1400" dirty="0"/>
+          </a:p>
+        </p:txBody>
+      </p:sp>
+      <p:pic>
+        <p:nvPicPr>
+          <p:cNvPr id="2052" name="Picture 4">
+            <a:extLst>
+              <a:ext uri="{FF2B5EF4-FFF2-40B4-BE49-F238E27FC236}">
+                <a16:creationId xmlns:a16="http://schemas.microsoft.com/office/drawing/2014/main" id="{76177404-69D3-0E3D-E656-7F6CC21845B9}"/>
+              </a:ext>
+            </a:extLst>
+          </p:cNvPr>
+          <p:cNvPicPr>
+            <a:picLocks noChangeAspect="1" noChangeArrowheads="1"/>
+          </p:cNvPicPr>
+          <p:nvPr/>
+        </p:nvPicPr>
+        <p:blipFill>
+          <a:blip r:embed="rId2">
+            <a:extLst>
+              <a:ext uri="{28A0092B-C50C-407E-A947-70E740481C1C}">
+                <a14:useLocalDpi xmlns:a14="http://schemas.microsoft.com/office/drawing/2010/main" val="0"/>
+              </a:ext>
+            </a:extLst>
+          </a:blip>
+          <a:srcRect/>
+          <a:stretch>
+            <a:fillRect/>
+          </a:stretch>
+        </p:blipFill>
+        <p:spPr bwMode="auto">
+          <a:xfrm>
+            <a:off x="5130105" y="1640912"/>
+            <a:ext cx="3762375" cy="2495550"/>
+          </a:xfrm>
+          <a:prstGeom prst="rect">
+            <a:avLst/>
+          </a:prstGeom>
+          <a:noFill/>
+          <a:extLst>
+            <a:ext uri="{909E8E84-426E-40DD-AFC4-6F175D3DCCD1}">
+              <a14:hiddenFill xmlns:a14="http://schemas.microsoft.com/office/drawing/2010/main">
+                <a:solidFill>
+                  <a:srgbClr val="FFFFFF"/>
+                </a:solidFill>
+              </a14:hiddenFill>
+            </a:ext>
+          </a:extLst>
+        </p:spPr>
+      </p:pic>
+      <p:sp>
+        <p:nvSpPr>
+          <p:cNvPr id="3" name="Arrow: Left 2">
+            <a:extLst>
+              <a:ext uri="{FF2B5EF4-FFF2-40B4-BE49-F238E27FC236}">
+                <a16:creationId xmlns:a16="http://schemas.microsoft.com/office/drawing/2014/main" id="{59137BDA-047A-3009-41BF-47BBC53A4E7F}"/>
+              </a:ext>
+            </a:extLst>
+          </p:cNvPr>
+          <p:cNvSpPr/>
+          <p:nvPr/>
+        </p:nvSpPr>
+        <p:spPr>
+          <a:xfrm>
+            <a:off x="6156176" y="2276872"/>
+            <a:ext cx="576064" cy="288032"/>
+          </a:xfrm>
+          <a:prstGeom prst="leftArrow">
+            <a:avLst/>
+          </a:prstGeom>
+          <a:solidFill>
+            <a:schemeClr val="accent2">
+              <a:lumMod val="60000"/>
+              <a:lumOff val="40000"/>
+            </a:schemeClr>
+          </a:solidFill>
+        </p:spPr>
+        <p:style>
+          <a:lnRef idx="2">
+            <a:schemeClr val="accent1">
+              <a:shade val="50000"/>
+            </a:schemeClr>
+          </a:lnRef>
+          <a:fillRef idx="1">
+            <a:schemeClr val="accent1"/>
+          </a:fillRef>
+          <a:effectRef idx="0">
+            <a:schemeClr val="accent1"/>
+          </a:effectRef>
+          <a:fontRef idx="minor">
+            <a:schemeClr val="lt1"/>
+          </a:fontRef>
+        </p:style>
+        <p:txBody>
+          <a:bodyPr rtlCol="0" anchor="ctr"/>
+          <a:lstStyle/>
+          <a:p>
             <a:pPr algn="ctr"/>
-            <a:r>
-              <a:rPr lang="en-IN" sz="2500">
+            <a:endParaRPr lang="en-IN"/>
+          </a:p>
+        </p:txBody>
+      </p:sp>
+      <p:sp>
+        <p:nvSpPr>
+          <p:cNvPr id="7" name="Arrow: Left 6">
+            <a:extLst>
+              <a:ext uri="{FF2B5EF4-FFF2-40B4-BE49-F238E27FC236}">
+                <a16:creationId xmlns:a16="http://schemas.microsoft.com/office/drawing/2014/main" id="{38CC6900-FE79-EAA0-4E05-58B42C2868EB}"/>
+              </a:ext>
+            </a:extLst>
+          </p:cNvPr>
+          <p:cNvSpPr/>
+          <p:nvPr/>
+        </p:nvSpPr>
+        <p:spPr>
+          <a:xfrm flipH="1">
+            <a:off x="7956376" y="2276872"/>
+            <a:ext cx="576064" cy="288032"/>
+          </a:xfrm>
+          <a:prstGeom prst="leftArrow">
+            <a:avLst/>
+          </a:prstGeom>
+          <a:solidFill>
+            <a:schemeClr val="accent2">
+              <a:lumMod val="60000"/>
+              <a:lumOff val="40000"/>
+            </a:schemeClr>
+          </a:solidFill>
+        </p:spPr>
+        <p:style>
+          <a:lnRef idx="2">
+            <a:schemeClr val="accent1">
+              <a:shade val="50000"/>
+            </a:schemeClr>
+          </a:lnRef>
+          <a:fillRef idx="1">
+            <a:schemeClr val="accent1"/>
+          </a:fillRef>
+          <a:effectRef idx="0">
+            <a:schemeClr val="accent1"/>
+          </a:effectRef>
+          <a:fontRef idx="minor">
+            <a:schemeClr val="lt1"/>
+          </a:fontRef>
+        </p:style>
+        <p:txBody>
+          <a:bodyPr rtlCol="0" anchor="ctr"/>
+          <a:lstStyle/>
+          <a:p>
+            <a:pPr algn="ctr"/>
+            <a:endParaRPr lang="en-IN"/>
+          </a:p>
+        </p:txBody>
+      </p:sp>
+      <p:sp>
+        <p:nvSpPr>
+          <p:cNvPr id="4" name="Slide Number Placeholder 3">
+            <a:extLst>
+              <a:ext uri="{FF2B5EF4-FFF2-40B4-BE49-F238E27FC236}">
+                <a16:creationId xmlns:a16="http://schemas.microsoft.com/office/drawing/2014/main" id="{19F027D3-64A3-5768-82D7-C49A613B374D}"/>
+              </a:ext>
+            </a:extLst>
+          </p:cNvPr>
+          <p:cNvSpPr>
+            <a:spLocks noGrp="1"/>
+          </p:cNvSpPr>
+          <p:nvPr>
+            <p:ph type="sldNum" sz="quarter" idx="12"/>
+          </p:nvPr>
+        </p:nvSpPr>
+        <p:spPr>
+          <a:solidFill>
+            <a:srgbClr val="025198"/>
+          </a:solidFill>
+          <a:ln>
+            <a:noFill/>
+          </a:ln>
+          <a:effectLst/>
+        </p:spPr>
+        <p:txBody>
+          <a:bodyPr vert="horz" wrap="square" lIns="91440" tIns="45720" rIns="91440" bIns="45720" numCol="1" anchor="t" anchorCtr="0" compatLnSpc="1">
+            <a:prstTxWarp prst="textNoShape">
+              <a:avLst/>
+            </a:prstTxWarp>
+          </a:bodyPr>
+          <a:lstStyle/>
+          <a:p>
+            <a:fld id="{3D8BF74B-B5E3-4D3D-9E8C-0CE8B052EA45}" type="slidenum">
+              <a:rPr lang="es-ES" altLang="en-US" smtClean="0">
                 <a:solidFill>
                   <a:schemeClr val="bg1"/>
                 </a:solidFill>
               </a:rPr>
-              <a:t>Data Insights - 5/10</a:t>
-            </a:r>
-            <a:endParaRPr lang="en-IN" sz="2500" dirty="0">
+              <a:pPr/>
+              <a:t>10</a:t>
+            </a:fld>
+            <a:endParaRPr lang="es-ES" altLang="en-US">
               <a:solidFill>
                 <a:schemeClr val="bg1"/>
+              </a:solidFill>
+            </a:endParaRPr>
+          </a:p>
+        </p:txBody>
+      </p:sp>
+      <p:sp>
+        <p:nvSpPr>
+          <p:cNvPr id="8" name="TextBox 7">
+            <a:extLst>
+              <a:ext uri="{FF2B5EF4-FFF2-40B4-BE49-F238E27FC236}">
+                <a16:creationId xmlns:a16="http://schemas.microsoft.com/office/drawing/2014/main" id="{01DD98A2-6BEA-EA41-4356-ADE3BA29CA2A}"/>
+              </a:ext>
+            </a:extLst>
+          </p:cNvPr>
+          <p:cNvSpPr txBox="1"/>
+          <p:nvPr/>
+        </p:nvSpPr>
+        <p:spPr>
+          <a:xfrm>
+            <a:off x="161556" y="5042118"/>
+            <a:ext cx="4410444" cy="1815882"/>
+          </a:xfrm>
+          <a:prstGeom prst="rect">
+            <a:avLst/>
+          </a:prstGeom>
+          <a:noFill/>
+        </p:spPr>
+        <p:txBody>
+          <a:bodyPr wrap="square" rtlCol="0">
+            <a:spAutoFit/>
+          </a:bodyPr>
+          <a:lstStyle/>
+          <a:p>
+            <a:pPr marL="285750" indent="-285750">
+              <a:buFont typeface="Arial" panose="020B0604020202020204" pitchFamily="34" charset="0"/>
+              <a:buChar char="•"/>
+            </a:pPr>
+            <a:r>
+              <a:rPr lang="en-IN" sz="1400" dirty="0"/>
+              <a:t>Below loan purpose categories to be handled cautiously as % defaulters are higher side </a:t>
+            </a:r>
+          </a:p>
+          <a:p>
+            <a:pPr marL="742950" lvl="1" indent="-285750">
+              <a:buFont typeface="Arial" panose="020B0604020202020204" pitchFamily="34" charset="0"/>
+              <a:buChar char="•"/>
+            </a:pPr>
+            <a:r>
+              <a:rPr lang="en-IN" sz="1400" dirty="0"/>
+              <a:t>Dept Consolidation</a:t>
+            </a:r>
+          </a:p>
+          <a:p>
+            <a:pPr marL="742950" lvl="1" indent="-285750">
+              <a:buFont typeface="Arial" panose="020B0604020202020204" pitchFamily="34" charset="0"/>
+              <a:buChar char="•"/>
+            </a:pPr>
+            <a:r>
+              <a:rPr lang="en-IN" sz="1400" dirty="0"/>
+              <a:t>Credit Card</a:t>
+            </a:r>
+          </a:p>
+          <a:p>
+            <a:pPr marL="742950" lvl="1" indent="-285750">
+              <a:buFont typeface="Arial" panose="020B0604020202020204" pitchFamily="34" charset="0"/>
+              <a:buChar char="•"/>
+            </a:pPr>
+            <a:r>
+              <a:rPr lang="en-IN" sz="1400" dirty="0"/>
+              <a:t>Small Business </a:t>
+            </a:r>
+          </a:p>
+          <a:p>
+            <a:pPr marL="285750" indent="-285750">
+              <a:buFont typeface="Arial" panose="020B0604020202020204" pitchFamily="34" charset="0"/>
+              <a:buChar char="•"/>
+            </a:pPr>
+            <a:r>
+              <a:rPr lang="en-IN" sz="1400" dirty="0"/>
+              <a:t>Highest % defaulters are in Small Business Category</a:t>
+            </a:r>
+          </a:p>
+          <a:p>
+            <a:endParaRPr lang="en-IN" sz="1400" dirty="0"/>
+          </a:p>
+        </p:txBody>
+      </p:sp>
+      <p:pic>
+        <p:nvPicPr>
+          <p:cNvPr id="2050" name="Picture 2">
+            <a:extLst>
+              <a:ext uri="{FF2B5EF4-FFF2-40B4-BE49-F238E27FC236}">
+                <a16:creationId xmlns:a16="http://schemas.microsoft.com/office/drawing/2014/main" id="{928B5240-151F-CBB5-CEA1-84404F4F54C1}"/>
+              </a:ext>
+            </a:extLst>
+          </p:cNvPr>
+          <p:cNvPicPr>
+            <a:picLocks noChangeAspect="1" noChangeArrowheads="1"/>
+          </p:cNvPicPr>
+          <p:nvPr/>
+        </p:nvPicPr>
+        <p:blipFill>
+          <a:blip r:embed="rId3">
+            <a:extLst>
+              <a:ext uri="{28A0092B-C50C-407E-A947-70E740481C1C}">
+                <a14:useLocalDpi xmlns:a14="http://schemas.microsoft.com/office/drawing/2010/main" val="0"/>
+              </a:ext>
+            </a:extLst>
+          </a:blip>
+          <a:srcRect/>
+          <a:stretch>
+            <a:fillRect/>
+          </a:stretch>
+        </p:blipFill>
+        <p:spPr bwMode="auto">
+          <a:xfrm>
+            <a:off x="338508" y="1527724"/>
+            <a:ext cx="3567461" cy="3667125"/>
+          </a:xfrm>
+          <a:prstGeom prst="rect">
+            <a:avLst/>
+          </a:prstGeom>
+          <a:noFill/>
+          <a:extLst>
+            <a:ext uri="{909E8E84-426E-40DD-AFC4-6F175D3DCCD1}">
+              <a14:hiddenFill xmlns:a14="http://schemas.microsoft.com/office/drawing/2010/main">
+                <a:solidFill>
+                  <a:srgbClr val="FFFFFF"/>
+                </a:solidFill>
+              </a14:hiddenFill>
+            </a:ext>
+          </a:extLst>
+        </p:spPr>
+      </p:pic>
+      <p:sp>
+        <p:nvSpPr>
+          <p:cNvPr id="10" name="Rectangle: Beveled 9">
+            <a:hlinkClick r:id="rId4" action="ppaction://hlinksldjump"/>
+            <a:extLst>
+              <a:ext uri="{FF2B5EF4-FFF2-40B4-BE49-F238E27FC236}">
+                <a16:creationId xmlns:a16="http://schemas.microsoft.com/office/drawing/2014/main" id="{17B5A9DB-482F-11FB-C872-2D9330336916}"/>
+              </a:ext>
+            </a:extLst>
+          </p:cNvPr>
+          <p:cNvSpPr/>
+          <p:nvPr/>
+        </p:nvSpPr>
+        <p:spPr>
+          <a:xfrm>
+            <a:off x="7704348" y="5877272"/>
+            <a:ext cx="1224136" cy="274638"/>
+          </a:xfrm>
+          <a:prstGeom prst="bevel">
+            <a:avLst/>
+          </a:prstGeom>
+          <a:solidFill>
+            <a:schemeClr val="accent1">
+              <a:alpha val="50000"/>
+            </a:schemeClr>
+          </a:solidFill>
+          <a:ln>
+            <a:noFill/>
+          </a:ln>
+        </p:spPr>
+        <p:style>
+          <a:lnRef idx="0">
+            <a:scrgbClr r="0" g="0" b="0"/>
+          </a:lnRef>
+          <a:fillRef idx="0">
+            <a:scrgbClr r="0" g="0" b="0"/>
+          </a:fillRef>
+          <a:effectRef idx="0">
+            <a:scrgbClr r="0" g="0" b="0"/>
+          </a:effectRef>
+          <a:fontRef idx="minor">
+            <a:schemeClr val="lt1"/>
+          </a:fontRef>
+        </p:style>
+        <p:txBody>
+          <a:bodyPr rtlCol="0" anchor="ctr"/>
+          <a:lstStyle/>
+          <a:p>
+            <a:pPr algn="ctr"/>
+            <a:r>
+              <a:rPr lang="en-IN" sz="1200" u="sng" dirty="0">
+                <a:solidFill>
+                  <a:schemeClr val="accent2">
+                    <a:lumMod val="60000"/>
+                    <a:lumOff val="40000"/>
+                  </a:schemeClr>
+                </a:solidFill>
+              </a:rPr>
+              <a:t>Go </a:t>
+            </a:r>
+            <a:r>
+              <a:rPr lang="en-IN" sz="1200" u="sng" dirty="0">
+                <a:solidFill>
+                  <a:schemeClr val="accent2">
+                    <a:lumMod val="60000"/>
+                    <a:lumOff val="40000"/>
+                  </a:schemeClr>
+                </a:solidFill>
+                <a:hlinkClick r:id="rId4" action="ppaction://hlinksldjump">
+                  <a:extLst>
+                    <a:ext uri="{A12FA001-AC4F-418D-AE19-62706E023703}">
+                      <ahyp:hlinkClr xmlns:ahyp="http://schemas.microsoft.com/office/drawing/2018/hyperlinkcolor" val="tx"/>
+                    </a:ext>
+                  </a:extLst>
+                </a:hlinkClick>
+              </a:rPr>
+              <a:t>Back</a:t>
+            </a:r>
+            <a:endParaRPr lang="en-IN" sz="1200" u="sng" dirty="0">
+              <a:solidFill>
+                <a:schemeClr val="accent2">
+                  <a:lumMod val="60000"/>
+                  <a:lumOff val="40000"/>
+                </a:schemeClr>
+              </a:solidFill>
+            </a:endParaRPr>
+          </a:p>
+        </p:txBody>
+      </p:sp>
+      <p:cxnSp>
+        <p:nvCxnSpPr>
+          <p:cNvPr id="11" name="Straight Connector 10">
+            <a:extLst>
+              <a:ext uri="{FF2B5EF4-FFF2-40B4-BE49-F238E27FC236}">
+                <a16:creationId xmlns:a16="http://schemas.microsoft.com/office/drawing/2014/main" id="{D8C8509D-6A24-FE1E-7547-AB07AACC46C6}"/>
+              </a:ext>
+            </a:extLst>
+          </p:cNvPr>
+          <p:cNvCxnSpPr>
+            <a:cxnSpLocks/>
+          </p:cNvCxnSpPr>
+          <p:nvPr/>
+        </p:nvCxnSpPr>
+        <p:spPr>
+          <a:xfrm>
+            <a:off x="4861501" y="1527724"/>
+            <a:ext cx="0" cy="4925612"/>
+          </a:xfrm>
+          <a:prstGeom prst="line">
+            <a:avLst/>
+          </a:prstGeom>
+        </p:spPr>
+        <p:style>
+          <a:lnRef idx="3">
+            <a:schemeClr val="accent2"/>
+          </a:lnRef>
+          <a:fillRef idx="0">
+            <a:schemeClr val="accent2"/>
+          </a:fillRef>
+          <a:effectRef idx="2">
+            <a:schemeClr val="accent2"/>
+          </a:effectRef>
+          <a:fontRef idx="minor">
+            <a:schemeClr val="tx1"/>
+          </a:fontRef>
+        </p:style>
+      </p:cxnSp>
+    </p:spTree>
+    <p:extLst>
+      <p:ext uri="{BB962C8B-B14F-4D97-AF65-F5344CB8AC3E}">
+        <p14:creationId xmlns:p14="http://schemas.microsoft.com/office/powerpoint/2010/main" val="1786619864"/>
+      </p:ext>
+    </p:extLst>
+  </p:cSld>
+  <p:clrMapOvr>
+    <a:masterClrMapping/>
+  </p:clrMapOvr>
+</p:sld>
+</file>
+
+<file path=ppt/slides/slide11.xml><?xml version="1.0" encoding="utf-8"?>
+<p:sld xmlns:a="http://schemas.openxmlformats.org/drawingml/2006/main" xmlns:r="http://schemas.openxmlformats.org/officeDocument/2006/relationships" xmlns:p="http://schemas.openxmlformats.org/presentationml/2006/main">
+  <p:cSld>
+    <p:spTree>
+      <p:nvGrpSpPr>
+        <p:cNvPr id="1" name=""/>
+        <p:cNvGrpSpPr/>
+        <p:nvPr/>
+      </p:nvGrpSpPr>
+      <p:grpSpPr>
+        <a:xfrm>
+          <a:off x="0" y="0"/>
+          <a:ext cx="0" cy="0"/>
+          <a:chOff x="0" y="0"/>
+          <a:chExt cx="0" cy="0"/>
+        </a:xfrm>
+      </p:grpSpPr>
+      <p:sp>
+        <p:nvSpPr>
+          <p:cNvPr id="4098" name="Rectangle 2">
+            <a:extLst>
+              <a:ext uri="{FF2B5EF4-FFF2-40B4-BE49-F238E27FC236}">
+                <a16:creationId xmlns:a16="http://schemas.microsoft.com/office/drawing/2014/main" id="{2BAFB2C9-6F6C-E160-9580-037FF81E1208}"/>
+              </a:ext>
+            </a:extLst>
+          </p:cNvPr>
+          <p:cNvSpPr>
+            <a:spLocks noGrp="1" noChangeArrowheads="1"/>
+          </p:cNvSpPr>
+          <p:nvPr>
+            <p:ph type="title"/>
+          </p:nvPr>
+        </p:nvSpPr>
+        <p:spPr>
+          <a:xfrm>
+            <a:off x="1686173" y="188640"/>
+            <a:ext cx="6480000" cy="981075"/>
+          </a:xfrm>
+        </p:spPr>
+        <p:txBody>
+          <a:bodyPr vert="horz" wrap="none" anchor="ctr" anchorCtr="1"/>
+          <a:lstStyle/>
+          <a:p>
+            <a:pPr eaLnBrk="1" hangingPunct="1"/>
+            <a:r>
+              <a:rPr lang="en-US" altLang="en-US" sz="3500" dirty="0">
+                <a:solidFill>
+                  <a:schemeClr val="accent1">
+                    <a:lumMod val="90000"/>
+                  </a:schemeClr>
+                </a:solidFill>
+              </a:rPr>
+              <a:t>         Bivariate Analysis – Home Ownership </a:t>
+            </a:r>
+            <a:br>
+              <a:rPr lang="en-US" altLang="en-US" sz="3500" dirty="0">
+                <a:solidFill>
+                  <a:schemeClr val="accent1">
+                    <a:lumMod val="90000"/>
+                  </a:schemeClr>
+                </a:solidFill>
+              </a:rPr>
+            </a:br>
+            <a:endParaRPr lang="en-US" altLang="en-US" sz="3500" dirty="0">
+              <a:solidFill>
+                <a:schemeClr val="accent1">
+                  <a:lumMod val="90000"/>
+                </a:schemeClr>
               </a:solidFill>
             </a:endParaRPr>
           </a:p>
@@ -11044,7 +12074,7 @@
               <a:pPr>
                 <a:defRPr/>
               </a:pPr>
-              <a:t>10</a:t>
+              <a:t>11</a:t>
             </a:fld>
             <a:endParaRPr lang="es-ES" altLang="en-US"/>
           </a:p>
@@ -11292,6 +12322,190 @@
           </a:p>
         </p:txBody>
       </p:sp>
+      <p:sp>
+        <p:nvSpPr>
+          <p:cNvPr id="4" name="Slide Number Placeholder 1">
+            <a:extLst>
+              <a:ext uri="{FF2B5EF4-FFF2-40B4-BE49-F238E27FC236}">
+                <a16:creationId xmlns:a16="http://schemas.microsoft.com/office/drawing/2014/main" id="{F56E69F2-B801-05D2-2EAF-6EA90908BEB1}"/>
+              </a:ext>
+            </a:extLst>
+          </p:cNvPr>
+          <p:cNvSpPr txBox="1">
+            <a:spLocks/>
+          </p:cNvSpPr>
+          <p:nvPr/>
+        </p:nvSpPr>
+        <p:spPr bwMode="auto">
+          <a:xfrm>
+            <a:off x="8316416" y="6610746"/>
+            <a:ext cx="827584" cy="274638"/>
+          </a:xfrm>
+          <a:prstGeom prst="rect">
+            <a:avLst/>
+          </a:prstGeom>
+          <a:solidFill>
+            <a:srgbClr val="025198"/>
+          </a:solidFill>
+          <a:ln>
+            <a:noFill/>
+          </a:ln>
+          <a:effectLst/>
+        </p:spPr>
+        <p:txBody>
+          <a:bodyPr vert="horz" wrap="square" lIns="91440" tIns="45720" rIns="91440" bIns="45720" numCol="1" anchor="t" anchorCtr="0" compatLnSpc="1">
+            <a:prstTxWarp prst="textNoShape">
+              <a:avLst/>
+            </a:prstTxWarp>
+          </a:bodyPr>
+          <a:lstStyle>
+            <a:defPPr>
+              <a:defRPr lang="es-ES"/>
+            </a:defPPr>
+            <a:lvl1pPr algn="r" rtl="0" eaLnBrk="1" fontAlgn="base" hangingPunct="1">
+              <a:spcBef>
+                <a:spcPct val="0"/>
+              </a:spcBef>
+              <a:spcAft>
+                <a:spcPct val="0"/>
+              </a:spcAft>
+              <a:defRPr sz="1400" kern="1200">
+                <a:solidFill>
+                  <a:schemeClr val="tx1"/>
+                </a:solidFill>
+                <a:latin typeface="Arial" panose="020B0604020202020204" pitchFamily="34" charset="0"/>
+                <a:ea typeface="+mn-ea"/>
+                <a:cs typeface="Arial" panose="020B0604020202020204" pitchFamily="34" charset="0"/>
+              </a:defRPr>
+            </a:lvl1pPr>
+            <a:lvl2pPr marL="457200" algn="l" rtl="0" eaLnBrk="0" fontAlgn="base" hangingPunct="0">
+              <a:spcBef>
+                <a:spcPct val="0"/>
+              </a:spcBef>
+              <a:spcAft>
+                <a:spcPct val="0"/>
+              </a:spcAft>
+              <a:defRPr kern="1200">
+                <a:solidFill>
+                  <a:schemeClr val="tx1"/>
+                </a:solidFill>
+                <a:latin typeface="Arial" panose="020B0604020202020204" pitchFamily="34" charset="0"/>
+                <a:ea typeface="+mn-ea"/>
+                <a:cs typeface="Arial" panose="020B0604020202020204" pitchFamily="34" charset="0"/>
+              </a:defRPr>
+            </a:lvl2pPr>
+            <a:lvl3pPr marL="914400" algn="l" rtl="0" eaLnBrk="0" fontAlgn="base" hangingPunct="0">
+              <a:spcBef>
+                <a:spcPct val="0"/>
+              </a:spcBef>
+              <a:spcAft>
+                <a:spcPct val="0"/>
+              </a:spcAft>
+              <a:defRPr kern="1200">
+                <a:solidFill>
+                  <a:schemeClr val="tx1"/>
+                </a:solidFill>
+                <a:latin typeface="Arial" panose="020B0604020202020204" pitchFamily="34" charset="0"/>
+                <a:ea typeface="+mn-ea"/>
+                <a:cs typeface="Arial" panose="020B0604020202020204" pitchFamily="34" charset="0"/>
+              </a:defRPr>
+            </a:lvl3pPr>
+            <a:lvl4pPr marL="1371600" algn="l" rtl="0" eaLnBrk="0" fontAlgn="base" hangingPunct="0">
+              <a:spcBef>
+                <a:spcPct val="0"/>
+              </a:spcBef>
+              <a:spcAft>
+                <a:spcPct val="0"/>
+              </a:spcAft>
+              <a:defRPr kern="1200">
+                <a:solidFill>
+                  <a:schemeClr val="tx1"/>
+                </a:solidFill>
+                <a:latin typeface="Arial" panose="020B0604020202020204" pitchFamily="34" charset="0"/>
+                <a:ea typeface="+mn-ea"/>
+                <a:cs typeface="Arial" panose="020B0604020202020204" pitchFamily="34" charset="0"/>
+              </a:defRPr>
+            </a:lvl4pPr>
+            <a:lvl5pPr marL="1828800" algn="l" rtl="0" eaLnBrk="0" fontAlgn="base" hangingPunct="0">
+              <a:spcBef>
+                <a:spcPct val="0"/>
+              </a:spcBef>
+              <a:spcAft>
+                <a:spcPct val="0"/>
+              </a:spcAft>
+              <a:defRPr kern="1200">
+                <a:solidFill>
+                  <a:schemeClr val="tx1"/>
+                </a:solidFill>
+                <a:latin typeface="Arial" panose="020B0604020202020204" pitchFamily="34" charset="0"/>
+                <a:ea typeface="+mn-ea"/>
+                <a:cs typeface="Arial" panose="020B0604020202020204" pitchFamily="34" charset="0"/>
+              </a:defRPr>
+            </a:lvl5pPr>
+            <a:lvl6pPr marL="2286000" algn="l" defTabSz="914400" rtl="0" eaLnBrk="1" latinLnBrk="0" hangingPunct="1">
+              <a:defRPr kern="1200">
+                <a:solidFill>
+                  <a:schemeClr val="tx1"/>
+                </a:solidFill>
+                <a:latin typeface="Arial" panose="020B0604020202020204" pitchFamily="34" charset="0"/>
+                <a:ea typeface="+mn-ea"/>
+                <a:cs typeface="Arial" panose="020B0604020202020204" pitchFamily="34" charset="0"/>
+              </a:defRPr>
+            </a:lvl6pPr>
+            <a:lvl7pPr marL="2743200" algn="l" defTabSz="914400" rtl="0" eaLnBrk="1" latinLnBrk="0" hangingPunct="1">
+              <a:defRPr kern="1200">
+                <a:solidFill>
+                  <a:schemeClr val="tx1"/>
+                </a:solidFill>
+                <a:latin typeface="Arial" panose="020B0604020202020204" pitchFamily="34" charset="0"/>
+                <a:ea typeface="+mn-ea"/>
+                <a:cs typeface="Arial" panose="020B0604020202020204" pitchFamily="34" charset="0"/>
+              </a:defRPr>
+            </a:lvl7pPr>
+            <a:lvl8pPr marL="3200400" algn="l" defTabSz="914400" rtl="0" eaLnBrk="1" latinLnBrk="0" hangingPunct="1">
+              <a:defRPr kern="1200">
+                <a:solidFill>
+                  <a:schemeClr val="tx1"/>
+                </a:solidFill>
+                <a:latin typeface="Arial" panose="020B0604020202020204" pitchFamily="34" charset="0"/>
+                <a:ea typeface="+mn-ea"/>
+                <a:cs typeface="Arial" panose="020B0604020202020204" pitchFamily="34" charset="0"/>
+              </a:defRPr>
+            </a:lvl8pPr>
+            <a:lvl9pPr marL="3657600" algn="l" defTabSz="914400" rtl="0" eaLnBrk="1" latinLnBrk="0" hangingPunct="1">
+              <a:defRPr kern="1200">
+                <a:solidFill>
+                  <a:schemeClr val="tx1"/>
+                </a:solidFill>
+                <a:latin typeface="Arial" panose="020B0604020202020204" pitchFamily="34" charset="0"/>
+                <a:ea typeface="+mn-ea"/>
+                <a:cs typeface="Arial" panose="020B0604020202020204" pitchFamily="34" charset="0"/>
+              </a:defRPr>
+            </a:lvl9pPr>
+          </a:lstStyle>
+          <a:p>
+            <a:pPr>
+              <a:defRPr/>
+            </a:pPr>
+            <a:fld id="{3D8BF74B-B5E3-4D3D-9E8C-0CE8B052EA45}" type="slidenum">
+              <a:rPr lang="es-ES" altLang="en-US" smtClean="0">
+                <a:solidFill>
+                  <a:schemeClr val="bg1"/>
+                </a:solidFill>
+              </a:rPr>
+              <a:pPr>
+                <a:defRPr/>
+              </a:pPr>
+              <a:t>11</a:t>
+            </a:fld>
+            <a:endParaRPr lang="es-ES" altLang="en-US" dirty="0">
+              <a:solidFill>
+                <a:schemeClr val="bg1"/>
+              </a:solidFill>
+            </a:endParaRPr>
+          </a:p>
+        </p:txBody>
+      </p:sp>
     </p:spTree>
     <p:extLst>
       <p:ext uri="{BB962C8B-B14F-4D97-AF65-F5344CB8AC3E}">
@@ -11305,7 +12519,545 @@
 </p:sld>
 </file>
 
-<file path=ppt/slides/slide11.xml><?xml version="1.0" encoding="utf-8"?>
+<file path=ppt/slides/slide12.xml><?xml version="1.0" encoding="utf-8"?>
+<p:sld xmlns:a="http://schemas.openxmlformats.org/drawingml/2006/main" xmlns:r="http://schemas.openxmlformats.org/officeDocument/2006/relationships" xmlns:p="http://schemas.openxmlformats.org/presentationml/2006/main">
+  <p:cSld>
+    <p:spTree>
+      <p:nvGrpSpPr>
+        <p:cNvPr id="1" name=""/>
+        <p:cNvGrpSpPr/>
+        <p:nvPr/>
+      </p:nvGrpSpPr>
+      <p:grpSpPr>
+        <a:xfrm>
+          <a:off x="0" y="0"/>
+          <a:ext cx="0" cy="0"/>
+          <a:chOff x="0" y="0"/>
+          <a:chExt cx="0" cy="0"/>
+        </a:xfrm>
+      </p:grpSpPr>
+      <p:sp>
+        <p:nvSpPr>
+          <p:cNvPr id="4098" name="Rectangle 2">
+            <a:extLst>
+              <a:ext uri="{FF2B5EF4-FFF2-40B4-BE49-F238E27FC236}">
+                <a16:creationId xmlns:a16="http://schemas.microsoft.com/office/drawing/2014/main" id="{2BAFB2C9-6F6C-E160-9580-037FF81E1208}"/>
+              </a:ext>
+            </a:extLst>
+          </p:cNvPr>
+          <p:cNvSpPr>
+            <a:spLocks noGrp="1" noChangeArrowheads="1"/>
+          </p:cNvSpPr>
+          <p:nvPr>
+            <p:ph type="title"/>
+          </p:nvPr>
+        </p:nvSpPr>
+        <p:spPr>
+          <a:xfrm>
+            <a:off x="1691680" y="124668"/>
+            <a:ext cx="6480000" cy="981075"/>
+          </a:xfrm>
+        </p:spPr>
+        <p:txBody>
+          <a:bodyPr vert="horz" wrap="none" anchor="ctr" anchorCtr="1"/>
+          <a:lstStyle/>
+          <a:p>
+            <a:pPr eaLnBrk="1" hangingPunct="1"/>
+            <a:r>
+              <a:rPr lang="en-US" altLang="en-US" sz="3500" dirty="0">
+                <a:solidFill>
+                  <a:schemeClr val="accent1">
+                    <a:lumMod val="90000"/>
+                  </a:schemeClr>
+                </a:solidFill>
+              </a:rPr>
+              <a:t>         Bivariate Analysis – Verification Status </a:t>
+            </a:r>
+            <a:br>
+              <a:rPr lang="en-US" altLang="en-US" sz="3500" dirty="0">
+                <a:solidFill>
+                  <a:schemeClr val="accent1">
+                    <a:lumMod val="90000"/>
+                  </a:schemeClr>
+                </a:solidFill>
+              </a:rPr>
+            </a:br>
+            <a:endParaRPr lang="en-US" altLang="en-US" sz="3500" dirty="0">
+              <a:solidFill>
+                <a:schemeClr val="accent1">
+                  <a:lumMod val="90000"/>
+                </a:schemeClr>
+              </a:solidFill>
+            </a:endParaRPr>
+          </a:p>
+        </p:txBody>
+      </p:sp>
+      <p:sp>
+        <p:nvSpPr>
+          <p:cNvPr id="3" name="Slide Number Placeholder 2">
+            <a:extLst>
+              <a:ext uri="{FF2B5EF4-FFF2-40B4-BE49-F238E27FC236}">
+                <a16:creationId xmlns:a16="http://schemas.microsoft.com/office/drawing/2014/main" id="{3A0ABE8B-D939-2CFA-A60A-B4EF6D42DC7B}"/>
+              </a:ext>
+            </a:extLst>
+          </p:cNvPr>
+          <p:cNvSpPr>
+            <a:spLocks noGrp="1"/>
+          </p:cNvSpPr>
+          <p:nvPr>
+            <p:ph type="sldNum" sz="quarter" idx="12"/>
+          </p:nvPr>
+        </p:nvSpPr>
+        <p:spPr/>
+        <p:txBody>
+          <a:bodyPr/>
+          <a:lstStyle/>
+          <a:p>
+            <a:pPr>
+              <a:defRPr/>
+            </a:pPr>
+            <a:fld id="{3D8BF74B-B5E3-4D3D-9E8C-0CE8B052EA45}" type="slidenum">
+              <a:rPr lang="es-ES" altLang="en-US" smtClean="0"/>
+              <a:pPr>
+                <a:defRPr/>
+              </a:pPr>
+              <a:t>12</a:t>
+            </a:fld>
+            <a:endParaRPr lang="es-ES" altLang="en-US"/>
+          </a:p>
+        </p:txBody>
+      </p:sp>
+      <p:sp>
+        <p:nvSpPr>
+          <p:cNvPr id="7" name="TextBox 6">
+            <a:extLst>
+              <a:ext uri="{FF2B5EF4-FFF2-40B4-BE49-F238E27FC236}">
+                <a16:creationId xmlns:a16="http://schemas.microsoft.com/office/drawing/2014/main" id="{F5763D75-EC44-C808-9852-2C605305313F}"/>
+              </a:ext>
+            </a:extLst>
+          </p:cNvPr>
+          <p:cNvSpPr txBox="1"/>
+          <p:nvPr/>
+        </p:nvSpPr>
+        <p:spPr>
+          <a:xfrm>
+            <a:off x="649710" y="5246745"/>
+            <a:ext cx="7200800" cy="954107"/>
+          </a:xfrm>
+          <a:prstGeom prst="rect">
+            <a:avLst/>
+          </a:prstGeom>
+          <a:noFill/>
+        </p:spPr>
+        <p:txBody>
+          <a:bodyPr wrap="square" rtlCol="0">
+            <a:spAutoFit/>
+          </a:bodyPr>
+          <a:lstStyle/>
+          <a:p>
+            <a:pPr marL="285750" indent="-285750">
+              <a:buFont typeface="Arial" panose="020B0604020202020204" pitchFamily="34" charset="0"/>
+              <a:buChar char="•"/>
+            </a:pPr>
+            <a:r>
+              <a:rPr lang="en-US" sz="1400" dirty="0"/>
+              <a:t>Surprisingly defaulter rate is lower in 'Not Verified' state compare to 'Verified' &amp; 'Source Verified’</a:t>
+            </a:r>
+          </a:p>
+          <a:p>
+            <a:pPr marL="285750" indent="-285750">
+              <a:buFont typeface="Arial" panose="020B0604020202020204" pitchFamily="34" charset="0"/>
+              <a:buChar char="•"/>
+            </a:pPr>
+            <a:r>
+              <a:rPr lang="en-US" sz="1400" dirty="0"/>
+              <a:t>But, no major losses when source was verified. Better to mandate verification &amp; source verification process </a:t>
+            </a:r>
+            <a:endParaRPr lang="en-IN" sz="1400" dirty="0"/>
+          </a:p>
+        </p:txBody>
+      </p:sp>
+      <p:sp>
+        <p:nvSpPr>
+          <p:cNvPr id="8" name="Rectangle: Beveled 7">
+            <a:hlinkClick r:id="rId2" action="ppaction://hlinksldjump"/>
+            <a:extLst>
+              <a:ext uri="{FF2B5EF4-FFF2-40B4-BE49-F238E27FC236}">
+                <a16:creationId xmlns:a16="http://schemas.microsoft.com/office/drawing/2014/main" id="{0BFCE876-2C2C-670A-4051-E786EADB628F}"/>
+              </a:ext>
+            </a:extLst>
+          </p:cNvPr>
+          <p:cNvSpPr/>
+          <p:nvPr/>
+        </p:nvSpPr>
+        <p:spPr>
+          <a:xfrm>
+            <a:off x="7704348" y="5877272"/>
+            <a:ext cx="1224136" cy="274638"/>
+          </a:xfrm>
+          <a:prstGeom prst="bevel">
+            <a:avLst/>
+          </a:prstGeom>
+          <a:solidFill>
+            <a:schemeClr val="accent1">
+              <a:alpha val="50000"/>
+            </a:schemeClr>
+          </a:solidFill>
+          <a:ln>
+            <a:noFill/>
+          </a:ln>
+        </p:spPr>
+        <p:style>
+          <a:lnRef idx="0">
+            <a:scrgbClr r="0" g="0" b="0"/>
+          </a:lnRef>
+          <a:fillRef idx="0">
+            <a:scrgbClr r="0" g="0" b="0"/>
+          </a:fillRef>
+          <a:effectRef idx="0">
+            <a:scrgbClr r="0" g="0" b="0"/>
+          </a:effectRef>
+          <a:fontRef idx="minor">
+            <a:schemeClr val="lt1"/>
+          </a:fontRef>
+        </p:style>
+        <p:txBody>
+          <a:bodyPr rtlCol="0" anchor="ctr"/>
+          <a:lstStyle/>
+          <a:p>
+            <a:pPr algn="ctr"/>
+            <a:r>
+              <a:rPr lang="en-IN" sz="1200" u="sng" dirty="0">
+                <a:solidFill>
+                  <a:schemeClr val="accent2">
+                    <a:lumMod val="60000"/>
+                    <a:lumOff val="40000"/>
+                  </a:schemeClr>
+                </a:solidFill>
+              </a:rPr>
+              <a:t>Go </a:t>
+            </a:r>
+            <a:r>
+              <a:rPr lang="en-IN" sz="1200" u="sng" dirty="0">
+                <a:solidFill>
+                  <a:schemeClr val="accent2">
+                    <a:lumMod val="60000"/>
+                    <a:lumOff val="40000"/>
+                  </a:schemeClr>
+                </a:solidFill>
+                <a:hlinkClick r:id="rId2" action="ppaction://hlinksldjump">
+                  <a:extLst>
+                    <a:ext uri="{A12FA001-AC4F-418D-AE19-62706E023703}">
+                      <ahyp:hlinkClr xmlns:ahyp="http://schemas.microsoft.com/office/drawing/2018/hyperlinkcolor" val="tx"/>
+                    </a:ext>
+                  </a:extLst>
+                </a:hlinkClick>
+              </a:rPr>
+              <a:t>Back</a:t>
+            </a:r>
+            <a:endParaRPr lang="en-IN" sz="1200" u="sng" dirty="0">
+              <a:solidFill>
+                <a:schemeClr val="accent2">
+                  <a:lumMod val="60000"/>
+                  <a:lumOff val="40000"/>
+                </a:schemeClr>
+              </a:solidFill>
+            </a:endParaRPr>
+          </a:p>
+        </p:txBody>
+      </p:sp>
+      <p:pic>
+        <p:nvPicPr>
+          <p:cNvPr id="1026" name="Picture 2">
+            <a:extLst>
+              <a:ext uri="{FF2B5EF4-FFF2-40B4-BE49-F238E27FC236}">
+                <a16:creationId xmlns:a16="http://schemas.microsoft.com/office/drawing/2014/main" id="{C6D9ECC3-1A91-0C38-FAF3-980648E04A9B}"/>
+              </a:ext>
+            </a:extLst>
+          </p:cNvPr>
+          <p:cNvPicPr>
+            <a:picLocks noChangeAspect="1" noChangeArrowheads="1"/>
+          </p:cNvPicPr>
+          <p:nvPr/>
+        </p:nvPicPr>
+        <p:blipFill>
+          <a:blip r:embed="rId3">
+            <a:extLst>
+              <a:ext uri="{28A0092B-C50C-407E-A947-70E740481C1C}">
+                <a14:useLocalDpi xmlns:a14="http://schemas.microsoft.com/office/drawing/2010/main" val="0"/>
+              </a:ext>
+            </a:extLst>
+          </a:blip>
+          <a:srcRect/>
+          <a:stretch>
+            <a:fillRect/>
+          </a:stretch>
+        </p:blipFill>
+        <p:spPr bwMode="auto">
+          <a:xfrm>
+            <a:off x="395536" y="1791945"/>
+            <a:ext cx="4709810" cy="2255887"/>
+          </a:xfrm>
+          <a:prstGeom prst="rect">
+            <a:avLst/>
+          </a:prstGeom>
+          <a:noFill/>
+          <a:extLst>
+            <a:ext uri="{909E8E84-426E-40DD-AFC4-6F175D3DCCD1}">
+              <a14:hiddenFill xmlns:a14="http://schemas.microsoft.com/office/drawing/2010/main">
+                <a:solidFill>
+                  <a:srgbClr val="FFFFFF"/>
+                </a:solidFill>
+              </a14:hiddenFill>
+            </a:ext>
+          </a:extLst>
+        </p:spPr>
+      </p:pic>
+      <p:pic>
+        <p:nvPicPr>
+          <p:cNvPr id="1028" name="Picture 4">
+            <a:extLst>
+              <a:ext uri="{FF2B5EF4-FFF2-40B4-BE49-F238E27FC236}">
+                <a16:creationId xmlns:a16="http://schemas.microsoft.com/office/drawing/2014/main" id="{DBB8B78C-118E-720E-4B62-F3EA2D164BF7}"/>
+              </a:ext>
+            </a:extLst>
+          </p:cNvPr>
+          <p:cNvPicPr>
+            <a:picLocks noChangeAspect="1" noChangeArrowheads="1"/>
+          </p:cNvPicPr>
+          <p:nvPr/>
+        </p:nvPicPr>
+        <p:blipFill>
+          <a:blip r:embed="rId4">
+            <a:extLst>
+              <a:ext uri="{28A0092B-C50C-407E-A947-70E740481C1C}">
+                <a14:useLocalDpi xmlns:a14="http://schemas.microsoft.com/office/drawing/2010/main" val="0"/>
+              </a:ext>
+            </a:extLst>
+          </a:blip>
+          <a:srcRect/>
+          <a:stretch>
+            <a:fillRect/>
+          </a:stretch>
+        </p:blipFill>
+        <p:spPr bwMode="auto">
+          <a:xfrm>
+            <a:off x="5179637" y="2610377"/>
+            <a:ext cx="3533775" cy="2524125"/>
+          </a:xfrm>
+          <a:prstGeom prst="rect">
+            <a:avLst/>
+          </a:prstGeom>
+          <a:noFill/>
+          <a:extLst>
+            <a:ext uri="{909E8E84-426E-40DD-AFC4-6F175D3DCCD1}">
+              <a14:hiddenFill xmlns:a14="http://schemas.microsoft.com/office/drawing/2010/main">
+                <a:solidFill>
+                  <a:srgbClr val="FFFFFF"/>
+                </a:solidFill>
+              </a14:hiddenFill>
+            </a:ext>
+          </a:extLst>
+        </p:spPr>
+      </p:pic>
+      <p:sp>
+        <p:nvSpPr>
+          <p:cNvPr id="4" name="Slide Number Placeholder 1">
+            <a:extLst>
+              <a:ext uri="{FF2B5EF4-FFF2-40B4-BE49-F238E27FC236}">
+                <a16:creationId xmlns:a16="http://schemas.microsoft.com/office/drawing/2014/main" id="{6D11A26F-8A6E-CCB2-9F8B-7C7D95839AAC}"/>
+              </a:ext>
+            </a:extLst>
+          </p:cNvPr>
+          <p:cNvSpPr txBox="1">
+            <a:spLocks/>
+          </p:cNvSpPr>
+          <p:nvPr/>
+        </p:nvSpPr>
+        <p:spPr bwMode="auto">
+          <a:xfrm>
+            <a:off x="8316416" y="6620042"/>
+            <a:ext cx="827584" cy="274638"/>
+          </a:xfrm>
+          <a:prstGeom prst="rect">
+            <a:avLst/>
+          </a:prstGeom>
+          <a:solidFill>
+            <a:srgbClr val="025198"/>
+          </a:solidFill>
+          <a:ln>
+            <a:noFill/>
+          </a:ln>
+          <a:effectLst/>
+        </p:spPr>
+        <p:txBody>
+          <a:bodyPr vert="horz" wrap="square" lIns="91440" tIns="45720" rIns="91440" bIns="45720" numCol="1" anchor="t" anchorCtr="0" compatLnSpc="1">
+            <a:prstTxWarp prst="textNoShape">
+              <a:avLst/>
+            </a:prstTxWarp>
+          </a:bodyPr>
+          <a:lstStyle>
+            <a:defPPr>
+              <a:defRPr lang="es-ES"/>
+            </a:defPPr>
+            <a:lvl1pPr algn="r" rtl="0" eaLnBrk="1" fontAlgn="base" hangingPunct="1">
+              <a:spcBef>
+                <a:spcPct val="0"/>
+              </a:spcBef>
+              <a:spcAft>
+                <a:spcPct val="0"/>
+              </a:spcAft>
+              <a:defRPr sz="1400" kern="1200">
+                <a:solidFill>
+                  <a:schemeClr val="tx1"/>
+                </a:solidFill>
+                <a:latin typeface="Arial" panose="020B0604020202020204" pitchFamily="34" charset="0"/>
+                <a:ea typeface="+mn-ea"/>
+                <a:cs typeface="Arial" panose="020B0604020202020204" pitchFamily="34" charset="0"/>
+              </a:defRPr>
+            </a:lvl1pPr>
+            <a:lvl2pPr marL="457200" algn="l" rtl="0" eaLnBrk="0" fontAlgn="base" hangingPunct="0">
+              <a:spcBef>
+                <a:spcPct val="0"/>
+              </a:spcBef>
+              <a:spcAft>
+                <a:spcPct val="0"/>
+              </a:spcAft>
+              <a:defRPr kern="1200">
+                <a:solidFill>
+                  <a:schemeClr val="tx1"/>
+                </a:solidFill>
+                <a:latin typeface="Arial" panose="020B0604020202020204" pitchFamily="34" charset="0"/>
+                <a:ea typeface="+mn-ea"/>
+                <a:cs typeface="Arial" panose="020B0604020202020204" pitchFamily="34" charset="0"/>
+              </a:defRPr>
+            </a:lvl2pPr>
+            <a:lvl3pPr marL="914400" algn="l" rtl="0" eaLnBrk="0" fontAlgn="base" hangingPunct="0">
+              <a:spcBef>
+                <a:spcPct val="0"/>
+              </a:spcBef>
+              <a:spcAft>
+                <a:spcPct val="0"/>
+              </a:spcAft>
+              <a:defRPr kern="1200">
+                <a:solidFill>
+                  <a:schemeClr val="tx1"/>
+                </a:solidFill>
+                <a:latin typeface="Arial" panose="020B0604020202020204" pitchFamily="34" charset="0"/>
+                <a:ea typeface="+mn-ea"/>
+                <a:cs typeface="Arial" panose="020B0604020202020204" pitchFamily="34" charset="0"/>
+              </a:defRPr>
+            </a:lvl3pPr>
+            <a:lvl4pPr marL="1371600" algn="l" rtl="0" eaLnBrk="0" fontAlgn="base" hangingPunct="0">
+              <a:spcBef>
+                <a:spcPct val="0"/>
+              </a:spcBef>
+              <a:spcAft>
+                <a:spcPct val="0"/>
+              </a:spcAft>
+              <a:defRPr kern="1200">
+                <a:solidFill>
+                  <a:schemeClr val="tx1"/>
+                </a:solidFill>
+                <a:latin typeface="Arial" panose="020B0604020202020204" pitchFamily="34" charset="0"/>
+                <a:ea typeface="+mn-ea"/>
+                <a:cs typeface="Arial" panose="020B0604020202020204" pitchFamily="34" charset="0"/>
+              </a:defRPr>
+            </a:lvl4pPr>
+            <a:lvl5pPr marL="1828800" algn="l" rtl="0" eaLnBrk="0" fontAlgn="base" hangingPunct="0">
+              <a:spcBef>
+                <a:spcPct val="0"/>
+              </a:spcBef>
+              <a:spcAft>
+                <a:spcPct val="0"/>
+              </a:spcAft>
+              <a:defRPr kern="1200">
+                <a:solidFill>
+                  <a:schemeClr val="tx1"/>
+                </a:solidFill>
+                <a:latin typeface="Arial" panose="020B0604020202020204" pitchFamily="34" charset="0"/>
+                <a:ea typeface="+mn-ea"/>
+                <a:cs typeface="Arial" panose="020B0604020202020204" pitchFamily="34" charset="0"/>
+              </a:defRPr>
+            </a:lvl5pPr>
+            <a:lvl6pPr marL="2286000" algn="l" defTabSz="914400" rtl="0" eaLnBrk="1" latinLnBrk="0" hangingPunct="1">
+              <a:defRPr kern="1200">
+                <a:solidFill>
+                  <a:schemeClr val="tx1"/>
+                </a:solidFill>
+                <a:latin typeface="Arial" panose="020B0604020202020204" pitchFamily="34" charset="0"/>
+                <a:ea typeface="+mn-ea"/>
+                <a:cs typeface="Arial" panose="020B0604020202020204" pitchFamily="34" charset="0"/>
+              </a:defRPr>
+            </a:lvl6pPr>
+            <a:lvl7pPr marL="2743200" algn="l" defTabSz="914400" rtl="0" eaLnBrk="1" latinLnBrk="0" hangingPunct="1">
+              <a:defRPr kern="1200">
+                <a:solidFill>
+                  <a:schemeClr val="tx1"/>
+                </a:solidFill>
+                <a:latin typeface="Arial" panose="020B0604020202020204" pitchFamily="34" charset="0"/>
+                <a:ea typeface="+mn-ea"/>
+                <a:cs typeface="Arial" panose="020B0604020202020204" pitchFamily="34" charset="0"/>
+              </a:defRPr>
+            </a:lvl7pPr>
+            <a:lvl8pPr marL="3200400" algn="l" defTabSz="914400" rtl="0" eaLnBrk="1" latinLnBrk="0" hangingPunct="1">
+              <a:defRPr kern="1200">
+                <a:solidFill>
+                  <a:schemeClr val="tx1"/>
+                </a:solidFill>
+                <a:latin typeface="Arial" panose="020B0604020202020204" pitchFamily="34" charset="0"/>
+                <a:ea typeface="+mn-ea"/>
+                <a:cs typeface="Arial" panose="020B0604020202020204" pitchFamily="34" charset="0"/>
+              </a:defRPr>
+            </a:lvl8pPr>
+            <a:lvl9pPr marL="3657600" algn="l" defTabSz="914400" rtl="0" eaLnBrk="1" latinLnBrk="0" hangingPunct="1">
+              <a:defRPr kern="1200">
+                <a:solidFill>
+                  <a:schemeClr val="tx1"/>
+                </a:solidFill>
+                <a:latin typeface="Arial" panose="020B0604020202020204" pitchFamily="34" charset="0"/>
+                <a:ea typeface="+mn-ea"/>
+                <a:cs typeface="Arial" panose="020B0604020202020204" pitchFamily="34" charset="0"/>
+              </a:defRPr>
+            </a:lvl9pPr>
+          </a:lstStyle>
+          <a:p>
+            <a:pPr>
+              <a:defRPr/>
+            </a:pPr>
+            <a:fld id="{3D8BF74B-B5E3-4D3D-9E8C-0CE8B052EA45}" type="slidenum">
+              <a:rPr lang="es-ES" altLang="en-US" smtClean="0">
+                <a:solidFill>
+                  <a:schemeClr val="bg1"/>
+                </a:solidFill>
+              </a:rPr>
+              <a:pPr>
+                <a:defRPr/>
+              </a:pPr>
+              <a:t>12</a:t>
+            </a:fld>
+            <a:endParaRPr lang="es-ES" altLang="en-US" dirty="0">
+              <a:solidFill>
+                <a:schemeClr val="bg1"/>
+              </a:solidFill>
+            </a:endParaRPr>
+          </a:p>
+        </p:txBody>
+      </p:sp>
+    </p:spTree>
+    <p:extLst>
+      <p:ext uri="{BB962C8B-B14F-4D97-AF65-F5344CB8AC3E}">
+        <p14:creationId xmlns:p14="http://schemas.microsoft.com/office/powerpoint/2010/main" val="2347724470"/>
+      </p:ext>
+    </p:extLst>
+  </p:cSld>
+  <p:clrMapOvr>
+    <a:masterClrMapping/>
+  </p:clrMapOvr>
+</p:sld>
+</file>
+
+<file path=ppt/slides/slide13.xml><?xml version="1.0" encoding="utf-8"?>
 <p:sld xmlns:a="http://schemas.openxmlformats.org/drawingml/2006/main" xmlns:r="http://schemas.openxmlformats.org/officeDocument/2006/relationships" xmlns:p="http://schemas.openxmlformats.org/presentationml/2006/main">
   <p:cSld>
     <p:spTree>
@@ -11394,46 +13146,6 @@
                 </a:schemeClr>
               </a:solidFill>
             </a:endParaRPr>
-          </a:p>
-        </p:txBody>
-      </p:sp>
-      <p:sp>
-        <p:nvSpPr>
-          <p:cNvPr id="2" name="TextBox 1">
-            <a:extLst>
-              <a:ext uri="{FF2B5EF4-FFF2-40B4-BE49-F238E27FC236}">
-                <a16:creationId xmlns:a16="http://schemas.microsoft.com/office/drawing/2014/main" id="{79957AFD-4410-DCE2-3A52-199C302FA8C0}"/>
-              </a:ext>
-            </a:extLst>
-          </p:cNvPr>
-          <p:cNvSpPr txBox="1"/>
-          <p:nvPr/>
-        </p:nvSpPr>
-        <p:spPr>
-          <a:xfrm>
-            <a:off x="3596883" y="1081187"/>
-            <a:ext cx="2965877" cy="477054"/>
-          </a:xfrm>
-          <a:prstGeom prst="rect">
-            <a:avLst/>
-          </a:prstGeom>
-          <a:noFill/>
-        </p:spPr>
-        <p:txBody>
-          <a:bodyPr vert="horz" wrap="none" rtlCol="0" anchor="ctr" anchorCtr="1">
-            <a:spAutoFit/>
-          </a:bodyPr>
-          <a:lstStyle/>
-          <a:p>
-            <a:pPr algn="ctr"/>
-            <a:r>
-              <a:rPr lang="en-IN" sz="2500" dirty="0">
-                <a:solidFill>
-                  <a:schemeClr val="bg1"/>
-                </a:solidFill>
-              </a:rPr>
-              <a:t>Data Insights - 6/10</a:t>
-            </a:r>
           </a:p>
         </p:txBody>
       </p:sp>
@@ -11693,7 +13405,7 @@
                 </a:solidFill>
               </a:rPr>
               <a:pPr/>
-              <a:t>11</a:t>
+              <a:t>13</a:t>
             </a:fld>
             <a:endParaRPr lang="es-ES" altLang="en-US">
               <a:solidFill>
@@ -11779,7 +13491,7 @@
 </p:sld>
 </file>
 
-<file path=ppt/slides/slide12.xml><?xml version="1.0" encoding="utf-8"?>
+<file path=ppt/slides/slide14.xml><?xml version="1.0" encoding="utf-8"?>
 <p:sld xmlns:a="http://schemas.openxmlformats.org/drawingml/2006/main" xmlns:r="http://schemas.openxmlformats.org/officeDocument/2006/relationships" xmlns:p="http://schemas.openxmlformats.org/presentationml/2006/main">
   <p:cSld>
     <p:spTree>
@@ -12016,46 +13728,6 @@
       </p:sp>
       <p:sp>
         <p:nvSpPr>
-          <p:cNvPr id="6" name="TextBox 5">
-            <a:extLst>
-              <a:ext uri="{FF2B5EF4-FFF2-40B4-BE49-F238E27FC236}">
-                <a16:creationId xmlns:a16="http://schemas.microsoft.com/office/drawing/2014/main" id="{38268448-7037-39B2-CBBA-254B9AC1D10D}"/>
-              </a:ext>
-            </a:extLst>
-          </p:cNvPr>
-          <p:cNvSpPr txBox="1"/>
-          <p:nvPr/>
-        </p:nvSpPr>
-        <p:spPr>
-          <a:xfrm>
-            <a:off x="3709941" y="1100734"/>
-            <a:ext cx="2965877" cy="477054"/>
-          </a:xfrm>
-          <a:prstGeom prst="rect">
-            <a:avLst/>
-          </a:prstGeom>
-          <a:noFill/>
-        </p:spPr>
-        <p:txBody>
-          <a:bodyPr vert="horz" wrap="none" rtlCol="0" anchor="ctr" anchorCtr="1">
-            <a:spAutoFit/>
-          </a:bodyPr>
-          <a:lstStyle/>
-          <a:p>
-            <a:pPr algn="ctr"/>
-            <a:r>
-              <a:rPr lang="en-IN" sz="2500" dirty="0">
-                <a:solidFill>
-                  <a:schemeClr val="bg1"/>
-                </a:solidFill>
-              </a:rPr>
-              <a:t>Data Insights - 7/10</a:t>
-            </a:r>
-          </a:p>
-        </p:txBody>
-      </p:sp>
-      <p:sp>
-        <p:nvSpPr>
           <p:cNvPr id="2" name="Slide Number Placeholder 1">
             <a:extLst>
               <a:ext uri="{FF2B5EF4-FFF2-40B4-BE49-F238E27FC236}">
@@ -12094,7 +13766,7 @@
                 </a:solidFill>
               </a:rPr>
               <a:pPr/>
-              <a:t>12</a:t>
+              <a:t>14</a:t>
             </a:fld>
             <a:endParaRPr lang="es-ES" altLang="en-US">
               <a:solidFill>
@@ -12217,7 +13889,7 @@
 </p:sld>
 </file>
 
-<file path=ppt/slides/slide13.xml><?xml version="1.0" encoding="utf-8"?>
+<file path=ppt/slides/slide15.xml><?xml version="1.0" encoding="utf-8"?>
 <p:sld xmlns:a="http://schemas.openxmlformats.org/drawingml/2006/main" xmlns:r="http://schemas.openxmlformats.org/officeDocument/2006/relationships" xmlns:p="http://schemas.openxmlformats.org/presentationml/2006/main">
   <p:cSld>
     <p:spTree>
@@ -12335,15 +14007,7 @@
             </a:pPr>
             <a:r>
               <a:rPr lang="en-IN" sz="1400" dirty="0"/>
-              <a:t>Initial sub grades are with wide spread across loss and profit scale and to be </a:t>
-            </a:r>
-            <a:r>
-              <a:rPr lang="en-IN" sz="1400" dirty="0" err="1"/>
-              <a:t>reveiwed</a:t>
-            </a:r>
-            <a:r>
-              <a:rPr lang="en-IN" sz="1400" dirty="0"/>
-              <a:t> closely   </a:t>
+              <a:t>Initial sub grades are with wide spread across loss and profit scale and to be reviewed closely   </a:t>
             </a:r>
           </a:p>
         </p:txBody>
@@ -12467,46 +14131,6 @@
                 </a:schemeClr>
               </a:solidFill>
             </a:endParaRPr>
-          </a:p>
-        </p:txBody>
-      </p:sp>
-      <p:sp>
-        <p:nvSpPr>
-          <p:cNvPr id="6" name="TextBox 5">
-            <a:extLst>
-              <a:ext uri="{FF2B5EF4-FFF2-40B4-BE49-F238E27FC236}">
-                <a16:creationId xmlns:a16="http://schemas.microsoft.com/office/drawing/2014/main" id="{FF1B4D70-133F-EF81-C76A-E2283DF31738}"/>
-              </a:ext>
-            </a:extLst>
-          </p:cNvPr>
-          <p:cNvSpPr txBox="1"/>
-          <p:nvPr/>
-        </p:nvSpPr>
-        <p:spPr>
-          <a:xfrm>
-            <a:off x="3635896" y="977255"/>
-            <a:ext cx="2965876" cy="477054"/>
-          </a:xfrm>
-          <a:prstGeom prst="rect">
-            <a:avLst/>
-          </a:prstGeom>
-          <a:noFill/>
-        </p:spPr>
-        <p:txBody>
-          <a:bodyPr vert="horz" wrap="none" rtlCol="0" anchor="ctr" anchorCtr="1">
-            <a:spAutoFit/>
-          </a:bodyPr>
-          <a:lstStyle/>
-          <a:p>
-            <a:pPr algn="ctr"/>
-            <a:r>
-              <a:rPr lang="en-IN" sz="2500" dirty="0">
-                <a:solidFill>
-                  <a:schemeClr val="bg1"/>
-                </a:solidFill>
-              </a:rPr>
-              <a:t>Data Insights - 8/10</a:t>
-            </a:r>
           </a:p>
         </p:txBody>
       </p:sp>
@@ -12597,7 +14221,7 @@
                 </a:solidFill>
               </a:rPr>
               <a:pPr/>
-              <a:t>13</a:t>
+              <a:t>15</a:t>
             </a:fld>
             <a:endParaRPr lang="es-ES" altLang="en-US" dirty="0">
               <a:solidFill>
@@ -12709,7 +14333,7 @@
 </p:sld>
 </file>
 
-<file path=ppt/slides/slide14.xml><?xml version="1.0" encoding="utf-8"?>
+<file path=ppt/slides/slide16.xml><?xml version="1.0" encoding="utf-8"?>
 <p:sld xmlns:a="http://schemas.openxmlformats.org/drawingml/2006/main" xmlns:r="http://schemas.openxmlformats.org/officeDocument/2006/relationships" xmlns:p="http://schemas.openxmlformats.org/presentationml/2006/main">
   <p:cSld>
     <p:spTree>
@@ -12763,7 +14387,7 @@
               <a:pPr>
                 <a:defRPr/>
               </a:pPr>
-              <a:t>14</a:t>
+              <a:t>16</a:t>
             </a:fld>
             <a:endParaRPr lang="es-ES" altLang="en-US" dirty="0">
               <a:solidFill>
@@ -12892,46 +14516,6 @@
                 </a:schemeClr>
               </a:solidFill>
             </a:endParaRPr>
-          </a:p>
-        </p:txBody>
-      </p:sp>
-      <p:sp>
-        <p:nvSpPr>
-          <p:cNvPr id="5" name="TextBox 4">
-            <a:extLst>
-              <a:ext uri="{FF2B5EF4-FFF2-40B4-BE49-F238E27FC236}">
-                <a16:creationId xmlns:a16="http://schemas.microsoft.com/office/drawing/2014/main" id="{015376B4-59B9-DD53-237F-DEECBC0C1BB2}"/>
-              </a:ext>
-            </a:extLst>
-          </p:cNvPr>
-          <p:cNvSpPr txBox="1"/>
-          <p:nvPr/>
-        </p:nvSpPr>
-        <p:spPr>
-          <a:xfrm>
-            <a:off x="3923928" y="1080050"/>
-            <a:ext cx="2965877" cy="477054"/>
-          </a:xfrm>
-          <a:prstGeom prst="rect">
-            <a:avLst/>
-          </a:prstGeom>
-          <a:noFill/>
-        </p:spPr>
-        <p:txBody>
-          <a:bodyPr vert="horz" wrap="none" rtlCol="0" anchor="ctr" anchorCtr="1">
-            <a:spAutoFit/>
-          </a:bodyPr>
-          <a:lstStyle/>
-          <a:p>
-            <a:pPr algn="ctr"/>
-            <a:r>
-              <a:rPr lang="en-IN" sz="2500" dirty="0">
-                <a:solidFill>
-                  <a:schemeClr val="bg1"/>
-                </a:solidFill>
-              </a:rPr>
-              <a:t>Data Insights - 9/10</a:t>
-            </a:r>
           </a:p>
         </p:txBody>
       </p:sp>
@@ -13203,7 +14787,7 @@
 </p:sld>
 </file>
 
-<file path=ppt/slides/slide15.xml><?xml version="1.0" encoding="utf-8"?>
+<file path=ppt/slides/slide17.xml><?xml version="1.0" encoding="utf-8"?>
 <p:sld xmlns:a="http://schemas.openxmlformats.org/drawingml/2006/main" xmlns:r="http://schemas.openxmlformats.org/officeDocument/2006/relationships" xmlns:p="http://schemas.openxmlformats.org/presentationml/2006/main">
   <p:cSld>
     <p:spTree>
@@ -13391,46 +14975,6 @@
       </p:sp>
       <p:sp>
         <p:nvSpPr>
-          <p:cNvPr id="5" name="TextBox 4">
-            <a:extLst>
-              <a:ext uri="{FF2B5EF4-FFF2-40B4-BE49-F238E27FC236}">
-                <a16:creationId xmlns:a16="http://schemas.microsoft.com/office/drawing/2014/main" id="{4B1D9854-48C2-F4C3-0EC6-1ECED7F2B028}"/>
-              </a:ext>
-            </a:extLst>
-          </p:cNvPr>
-          <p:cNvSpPr txBox="1"/>
-          <p:nvPr/>
-        </p:nvSpPr>
-        <p:spPr>
-          <a:xfrm>
-            <a:off x="3629470" y="1111937"/>
-            <a:ext cx="3143809" cy="477054"/>
-          </a:xfrm>
-          <a:prstGeom prst="rect">
-            <a:avLst/>
-          </a:prstGeom>
-          <a:noFill/>
-        </p:spPr>
-        <p:txBody>
-          <a:bodyPr vert="horz" wrap="none" rtlCol="0" anchor="ctr" anchorCtr="1">
-            <a:spAutoFit/>
-          </a:bodyPr>
-          <a:lstStyle/>
-          <a:p>
-            <a:pPr algn="ctr"/>
-            <a:r>
-              <a:rPr lang="en-IN" sz="2500" dirty="0">
-                <a:solidFill>
-                  <a:schemeClr val="bg1"/>
-                </a:solidFill>
-              </a:rPr>
-              <a:t>Data Insights - 10/10</a:t>
-            </a:r>
-          </a:p>
-        </p:txBody>
-      </p:sp>
-      <p:sp>
-        <p:nvSpPr>
           <p:cNvPr id="6" name="TextBox 5">
             <a:extLst>
               <a:ext uri="{FF2B5EF4-FFF2-40B4-BE49-F238E27FC236}">
@@ -13545,7 +15089,7 @@
                 </a:solidFill>
               </a:rPr>
               <a:pPr/>
-              <a:t>15</a:t>
+              <a:t>17</a:t>
             </a:fld>
             <a:endParaRPr lang="es-ES" altLang="en-US" dirty="0">
               <a:solidFill>
@@ -13656,7 +15200,7 @@
 </p:sld>
 </file>
 
-<file path=ppt/slides/slide16.xml><?xml version="1.0" encoding="utf-8"?>
+<file path=ppt/slides/slide18.xml><?xml version="1.0" encoding="utf-8"?>
 <p:sld xmlns:a="http://schemas.openxmlformats.org/drawingml/2006/main" xmlns:r="http://schemas.openxmlformats.org/officeDocument/2006/relationships" xmlns:p="http://schemas.openxmlformats.org/presentationml/2006/main">
   <p:cSld>
     <p:spTree>
@@ -13759,7 +15303,7 @@
               <a:pPr>
                 <a:defRPr/>
               </a:pPr>
-              <a:t>16</a:t>
+              <a:t>18</a:t>
             </a:fld>
             <a:endParaRPr lang="es-ES" altLang="en-US">
               <a:solidFill>
@@ -13969,6 +15513,422 @@
       </p:grpSpPr>
       <p:sp>
         <p:nvSpPr>
+          <p:cNvPr id="2" name="Title 1">
+            <a:extLst>
+              <a:ext uri="{FF2B5EF4-FFF2-40B4-BE49-F238E27FC236}">
+                <a16:creationId xmlns:a16="http://schemas.microsoft.com/office/drawing/2014/main" id="{D10464B7-C117-FBDA-964D-833FCC34B910}"/>
+              </a:ext>
+            </a:extLst>
+          </p:cNvPr>
+          <p:cNvSpPr>
+            <a:spLocks noGrp="1"/>
+          </p:cNvSpPr>
+          <p:nvPr>
+            <p:ph type="title"/>
+          </p:nvPr>
+        </p:nvSpPr>
+        <p:spPr>
+          <a:noFill/>
+          <a:ln>
+            <a:noFill/>
+          </a:ln>
+          <a:effectLst/>
+          <a:extLst>
+            <a:ext uri="{909E8E84-426E-40DD-AFC4-6F175D3DCCD1}">
+              <a14:hiddenFill xmlns:a14="http://schemas.microsoft.com/office/drawing/2010/main">
+                <a:solidFill>
+                  <a:schemeClr val="accent1"/>
+                </a:solidFill>
+              </a14:hiddenFill>
+            </a:ext>
+            <a:ext uri="{91240B29-F687-4F45-9708-019B960494DF}">
+              <a14:hiddenLine xmlns:a14="http://schemas.microsoft.com/office/drawing/2010/main" w="9525">
+                <a:solidFill>
+                  <a:schemeClr val="tx1"/>
+                </a:solidFill>
+                <a:miter lim="800000"/>
+                <a:headEnd/>
+                <a:tailEnd/>
+              </a14:hiddenLine>
+            </a:ext>
+            <a:ext uri="{AF507438-7753-43E0-B8FC-AC1667EBCBE1}">
+              <a14:hiddenEffects xmlns:a14="http://schemas.microsoft.com/office/drawing/2010/main">
+                <a:effectLst>
+                  <a:outerShdw dist="35921" dir="2700000" algn="ctr" rotWithShape="0">
+                    <a:schemeClr val="bg2"/>
+                  </a:outerShdw>
+                </a:effectLst>
+              </a14:hiddenEffects>
+            </a:ext>
+          </a:extLst>
+        </p:spPr>
+        <p:txBody>
+          <a:bodyPr vert="horz" wrap="square" lIns="91440" tIns="45720" rIns="91440" bIns="45720" numCol="1" anchor="ctr" anchorCtr="0" compatLnSpc="1">
+            <a:prstTxWarp prst="textNoShape">
+              <a:avLst/>
+            </a:prstTxWarp>
+          </a:bodyPr>
+          <a:lstStyle/>
+          <a:p>
+            <a:pPr eaLnBrk="1" hangingPunct="1"/>
+            <a:r>
+              <a:rPr lang="en-IN" sz="3500" dirty="0">
+                <a:solidFill>
+                  <a:schemeClr val="accent1">
+                    <a:lumMod val="90000"/>
+                  </a:schemeClr>
+                </a:solidFill>
+              </a:rPr>
+              <a:t>Contents</a:t>
+            </a:r>
+          </a:p>
+        </p:txBody>
+      </p:sp>
+      <p:sp>
+        <p:nvSpPr>
+          <p:cNvPr id="3" name="Content Placeholder 2">
+            <a:extLst>
+              <a:ext uri="{FF2B5EF4-FFF2-40B4-BE49-F238E27FC236}">
+                <a16:creationId xmlns:a16="http://schemas.microsoft.com/office/drawing/2014/main" id="{44E6D4AA-BA63-F038-6E70-5BBB3BA59A93}"/>
+              </a:ext>
+            </a:extLst>
+          </p:cNvPr>
+          <p:cNvSpPr>
+            <a:spLocks noGrp="1"/>
+          </p:cNvSpPr>
+          <p:nvPr>
+            <p:ph idx="1"/>
+          </p:nvPr>
+        </p:nvSpPr>
+        <p:spPr/>
+        <p:txBody>
+          <a:bodyPr/>
+          <a:lstStyle/>
+          <a:p>
+            <a:r>
+              <a:rPr lang="en-IN" dirty="0"/>
+              <a:t>Business Objective</a:t>
+            </a:r>
+          </a:p>
+          <a:p>
+            <a:r>
+              <a:rPr lang="en-IN" dirty="0"/>
+              <a:t>Problem Solving Approach</a:t>
+            </a:r>
+          </a:p>
+          <a:p>
+            <a:r>
+              <a:rPr lang="en-IN" dirty="0"/>
+              <a:t>Top View of Profit &amp; Loss</a:t>
+            </a:r>
+          </a:p>
+          <a:p>
+            <a:r>
+              <a:rPr lang="en-IN" dirty="0"/>
+              <a:t>Conclusion Summary &amp; Recommendation</a:t>
+            </a:r>
+          </a:p>
+          <a:p>
+            <a:r>
+              <a:rPr lang="en-IN" dirty="0"/>
+              <a:t>Data Analysis Slides </a:t>
+            </a:r>
+          </a:p>
+          <a:p>
+            <a:pPr lvl="1">
+              <a:buFont typeface="Arial" panose="020B0604020202020204" pitchFamily="34" charset="0"/>
+              <a:buChar char="•"/>
+            </a:pPr>
+            <a:r>
+              <a:rPr lang="en-IN" dirty="0"/>
+              <a:t>Univariate Analysis </a:t>
+            </a:r>
+          </a:p>
+          <a:p>
+            <a:pPr lvl="1">
+              <a:buFont typeface="Arial" panose="020B0604020202020204" pitchFamily="34" charset="0"/>
+              <a:buChar char="•"/>
+            </a:pPr>
+            <a:r>
+              <a:rPr lang="en-IN" dirty="0"/>
+              <a:t>Segmented Univariate Analysis</a:t>
+            </a:r>
+          </a:p>
+          <a:p>
+            <a:pPr lvl="1">
+              <a:buFont typeface="Arial" panose="020B0604020202020204" pitchFamily="34" charset="0"/>
+              <a:buChar char="•"/>
+            </a:pPr>
+            <a:r>
+              <a:rPr lang="en-IN" dirty="0"/>
+              <a:t>Bivariate Analysis</a:t>
+            </a:r>
+          </a:p>
+          <a:p>
+            <a:endParaRPr lang="en-IN" dirty="0"/>
+          </a:p>
+          <a:p>
+            <a:endParaRPr lang="en-IN" dirty="0"/>
+          </a:p>
+          <a:p>
+            <a:endParaRPr lang="en-IN" dirty="0"/>
+          </a:p>
+          <a:p>
+            <a:endParaRPr lang="en-IN" dirty="0"/>
+          </a:p>
+        </p:txBody>
+      </p:sp>
+      <p:sp>
+        <p:nvSpPr>
+          <p:cNvPr id="4" name="Slide Number Placeholder 3">
+            <a:extLst>
+              <a:ext uri="{FF2B5EF4-FFF2-40B4-BE49-F238E27FC236}">
+                <a16:creationId xmlns:a16="http://schemas.microsoft.com/office/drawing/2014/main" id="{24654565-2D20-F256-7D04-95EE7189D94A}"/>
+              </a:ext>
+            </a:extLst>
+          </p:cNvPr>
+          <p:cNvSpPr>
+            <a:spLocks noGrp="1"/>
+          </p:cNvSpPr>
+          <p:nvPr>
+            <p:ph type="sldNum" sz="quarter" idx="12"/>
+          </p:nvPr>
+        </p:nvSpPr>
+        <p:spPr/>
+        <p:txBody>
+          <a:bodyPr/>
+          <a:lstStyle/>
+          <a:p>
+            <a:pPr>
+              <a:defRPr/>
+            </a:pPr>
+            <a:fld id="{3D8BF74B-B5E3-4D3D-9E8C-0CE8B052EA45}" type="slidenum">
+              <a:rPr lang="es-ES" altLang="en-US" smtClean="0"/>
+              <a:pPr>
+                <a:defRPr/>
+              </a:pPr>
+              <a:t>2</a:t>
+            </a:fld>
+            <a:endParaRPr lang="es-ES" altLang="en-US"/>
+          </a:p>
+        </p:txBody>
+      </p:sp>
+      <p:sp>
+        <p:nvSpPr>
+          <p:cNvPr id="5" name="Slide Number Placeholder 1">
+            <a:extLst>
+              <a:ext uri="{FF2B5EF4-FFF2-40B4-BE49-F238E27FC236}">
+                <a16:creationId xmlns:a16="http://schemas.microsoft.com/office/drawing/2014/main" id="{5FC01860-C4D2-9F35-D0E5-6A845F3AC1FA}"/>
+              </a:ext>
+            </a:extLst>
+          </p:cNvPr>
+          <p:cNvSpPr txBox="1">
+            <a:spLocks/>
+          </p:cNvSpPr>
+          <p:nvPr/>
+        </p:nvSpPr>
+        <p:spPr bwMode="auto">
+          <a:xfrm>
+            <a:off x="8316416" y="6610746"/>
+            <a:ext cx="827584" cy="274638"/>
+          </a:xfrm>
+          <a:prstGeom prst="rect">
+            <a:avLst/>
+          </a:prstGeom>
+          <a:solidFill>
+            <a:srgbClr val="025198"/>
+          </a:solidFill>
+          <a:ln>
+            <a:noFill/>
+          </a:ln>
+          <a:effectLst/>
+        </p:spPr>
+        <p:txBody>
+          <a:bodyPr vert="horz" wrap="square" lIns="91440" tIns="45720" rIns="91440" bIns="45720" numCol="1" anchor="t" anchorCtr="0" compatLnSpc="1">
+            <a:prstTxWarp prst="textNoShape">
+              <a:avLst/>
+            </a:prstTxWarp>
+          </a:bodyPr>
+          <a:lstStyle>
+            <a:defPPr>
+              <a:defRPr lang="es-ES"/>
+            </a:defPPr>
+            <a:lvl1pPr algn="r" rtl="0" eaLnBrk="1" fontAlgn="base" hangingPunct="1">
+              <a:spcBef>
+                <a:spcPct val="0"/>
+              </a:spcBef>
+              <a:spcAft>
+                <a:spcPct val="0"/>
+              </a:spcAft>
+              <a:defRPr sz="1400" kern="1200">
+                <a:solidFill>
+                  <a:schemeClr val="tx1"/>
+                </a:solidFill>
+                <a:latin typeface="Arial" panose="020B0604020202020204" pitchFamily="34" charset="0"/>
+                <a:ea typeface="+mn-ea"/>
+                <a:cs typeface="Arial" panose="020B0604020202020204" pitchFamily="34" charset="0"/>
+              </a:defRPr>
+            </a:lvl1pPr>
+            <a:lvl2pPr marL="457200" algn="l" rtl="0" eaLnBrk="0" fontAlgn="base" hangingPunct="0">
+              <a:spcBef>
+                <a:spcPct val="0"/>
+              </a:spcBef>
+              <a:spcAft>
+                <a:spcPct val="0"/>
+              </a:spcAft>
+              <a:defRPr kern="1200">
+                <a:solidFill>
+                  <a:schemeClr val="tx1"/>
+                </a:solidFill>
+                <a:latin typeface="Arial" panose="020B0604020202020204" pitchFamily="34" charset="0"/>
+                <a:ea typeface="+mn-ea"/>
+                <a:cs typeface="Arial" panose="020B0604020202020204" pitchFamily="34" charset="0"/>
+              </a:defRPr>
+            </a:lvl2pPr>
+            <a:lvl3pPr marL="914400" algn="l" rtl="0" eaLnBrk="0" fontAlgn="base" hangingPunct="0">
+              <a:spcBef>
+                <a:spcPct val="0"/>
+              </a:spcBef>
+              <a:spcAft>
+                <a:spcPct val="0"/>
+              </a:spcAft>
+              <a:defRPr kern="1200">
+                <a:solidFill>
+                  <a:schemeClr val="tx1"/>
+                </a:solidFill>
+                <a:latin typeface="Arial" panose="020B0604020202020204" pitchFamily="34" charset="0"/>
+                <a:ea typeface="+mn-ea"/>
+                <a:cs typeface="Arial" panose="020B0604020202020204" pitchFamily="34" charset="0"/>
+              </a:defRPr>
+            </a:lvl3pPr>
+            <a:lvl4pPr marL="1371600" algn="l" rtl="0" eaLnBrk="0" fontAlgn="base" hangingPunct="0">
+              <a:spcBef>
+                <a:spcPct val="0"/>
+              </a:spcBef>
+              <a:spcAft>
+                <a:spcPct val="0"/>
+              </a:spcAft>
+              <a:defRPr kern="1200">
+                <a:solidFill>
+                  <a:schemeClr val="tx1"/>
+                </a:solidFill>
+                <a:latin typeface="Arial" panose="020B0604020202020204" pitchFamily="34" charset="0"/>
+                <a:ea typeface="+mn-ea"/>
+                <a:cs typeface="Arial" panose="020B0604020202020204" pitchFamily="34" charset="0"/>
+              </a:defRPr>
+            </a:lvl4pPr>
+            <a:lvl5pPr marL="1828800" algn="l" rtl="0" eaLnBrk="0" fontAlgn="base" hangingPunct="0">
+              <a:spcBef>
+                <a:spcPct val="0"/>
+              </a:spcBef>
+              <a:spcAft>
+                <a:spcPct val="0"/>
+              </a:spcAft>
+              <a:defRPr kern="1200">
+                <a:solidFill>
+                  <a:schemeClr val="tx1"/>
+                </a:solidFill>
+                <a:latin typeface="Arial" panose="020B0604020202020204" pitchFamily="34" charset="0"/>
+                <a:ea typeface="+mn-ea"/>
+                <a:cs typeface="Arial" panose="020B0604020202020204" pitchFamily="34" charset="0"/>
+              </a:defRPr>
+            </a:lvl5pPr>
+            <a:lvl6pPr marL="2286000" algn="l" defTabSz="914400" rtl="0" eaLnBrk="1" latinLnBrk="0" hangingPunct="1">
+              <a:defRPr kern="1200">
+                <a:solidFill>
+                  <a:schemeClr val="tx1"/>
+                </a:solidFill>
+                <a:latin typeface="Arial" panose="020B0604020202020204" pitchFamily="34" charset="0"/>
+                <a:ea typeface="+mn-ea"/>
+                <a:cs typeface="Arial" panose="020B0604020202020204" pitchFamily="34" charset="0"/>
+              </a:defRPr>
+            </a:lvl6pPr>
+            <a:lvl7pPr marL="2743200" algn="l" defTabSz="914400" rtl="0" eaLnBrk="1" latinLnBrk="0" hangingPunct="1">
+              <a:defRPr kern="1200">
+                <a:solidFill>
+                  <a:schemeClr val="tx1"/>
+                </a:solidFill>
+                <a:latin typeface="Arial" panose="020B0604020202020204" pitchFamily="34" charset="0"/>
+                <a:ea typeface="+mn-ea"/>
+                <a:cs typeface="Arial" panose="020B0604020202020204" pitchFamily="34" charset="0"/>
+              </a:defRPr>
+            </a:lvl7pPr>
+            <a:lvl8pPr marL="3200400" algn="l" defTabSz="914400" rtl="0" eaLnBrk="1" latinLnBrk="0" hangingPunct="1">
+              <a:defRPr kern="1200">
+                <a:solidFill>
+                  <a:schemeClr val="tx1"/>
+                </a:solidFill>
+                <a:latin typeface="Arial" panose="020B0604020202020204" pitchFamily="34" charset="0"/>
+                <a:ea typeface="+mn-ea"/>
+                <a:cs typeface="Arial" panose="020B0604020202020204" pitchFamily="34" charset="0"/>
+              </a:defRPr>
+            </a:lvl8pPr>
+            <a:lvl9pPr marL="3657600" algn="l" defTabSz="914400" rtl="0" eaLnBrk="1" latinLnBrk="0" hangingPunct="1">
+              <a:defRPr kern="1200">
+                <a:solidFill>
+                  <a:schemeClr val="tx1"/>
+                </a:solidFill>
+                <a:latin typeface="Arial" panose="020B0604020202020204" pitchFamily="34" charset="0"/>
+                <a:ea typeface="+mn-ea"/>
+                <a:cs typeface="Arial" panose="020B0604020202020204" pitchFamily="34" charset="0"/>
+              </a:defRPr>
+            </a:lvl9pPr>
+          </a:lstStyle>
+          <a:p>
+            <a:pPr>
+              <a:defRPr/>
+            </a:pPr>
+            <a:fld id="{3D8BF74B-B5E3-4D3D-9E8C-0CE8B052EA45}" type="slidenum">
+              <a:rPr lang="es-ES" altLang="en-US" smtClean="0">
+                <a:solidFill>
+                  <a:schemeClr val="bg1"/>
+                </a:solidFill>
+              </a:rPr>
+              <a:pPr>
+                <a:defRPr/>
+              </a:pPr>
+              <a:t>2</a:t>
+            </a:fld>
+            <a:endParaRPr lang="es-ES" altLang="en-US" dirty="0">
+              <a:solidFill>
+                <a:schemeClr val="bg1"/>
+              </a:solidFill>
+            </a:endParaRPr>
+          </a:p>
+        </p:txBody>
+      </p:sp>
+    </p:spTree>
+    <p:extLst>
+      <p:ext uri="{BB962C8B-B14F-4D97-AF65-F5344CB8AC3E}">
+        <p14:creationId xmlns:p14="http://schemas.microsoft.com/office/powerpoint/2010/main" val="3373754031"/>
+      </p:ext>
+    </p:extLst>
+  </p:cSld>
+  <p:clrMapOvr>
+    <a:masterClrMapping/>
+  </p:clrMapOvr>
+</p:sld>
+</file>
+
+<file path=ppt/slides/slide3.xml><?xml version="1.0" encoding="utf-8"?>
+<p:sld xmlns:a="http://schemas.openxmlformats.org/drawingml/2006/main" xmlns:r="http://schemas.openxmlformats.org/officeDocument/2006/relationships" xmlns:p="http://schemas.openxmlformats.org/presentationml/2006/main">
+  <p:cSld>
+    <p:spTree>
+      <p:nvGrpSpPr>
+        <p:cNvPr id="1" name=""/>
+        <p:cNvGrpSpPr/>
+        <p:nvPr/>
+      </p:nvGrpSpPr>
+      <p:grpSpPr>
+        <a:xfrm>
+          <a:off x="0" y="0"/>
+          <a:ext cx="0" cy="0"/>
+          <a:chOff x="0" y="0"/>
+          <a:chExt cx="0" cy="0"/>
+        </a:xfrm>
+      </p:grpSpPr>
+      <p:sp>
+        <p:nvSpPr>
           <p:cNvPr id="4098" name="Rectangle 2">
             <a:extLst>
               <a:ext uri="{FF2B5EF4-FFF2-40B4-BE49-F238E27FC236}">
@@ -14581,7 +16541,7 @@
               <a:pPr>
                 <a:defRPr/>
               </a:pPr>
-              <a:t>2</a:t>
+              <a:t>3</a:t>
             </a:fld>
             <a:endParaRPr lang="es-ES" altLang="en-US" dirty="0">
               <a:solidFill>
@@ -14599,7 +16559,7 @@
 </p:sld>
 </file>
 
-<file path=ppt/slides/slide3.xml><?xml version="1.0" encoding="utf-8"?>
+<file path=ppt/slides/slide4.xml><?xml version="1.0" encoding="utf-8"?>
 <p:sld xmlns:a="http://schemas.openxmlformats.org/drawingml/2006/main" xmlns:r="http://schemas.openxmlformats.org/officeDocument/2006/relationships" xmlns:p="http://schemas.openxmlformats.org/presentationml/2006/main">
   <p:cSld>
     <p:spTree>
@@ -15130,7 +17090,7 @@
                 </a:solidFill>
               </a:rPr>
               <a:pPr/>
-              <a:t>3</a:t>
+              <a:t>4</a:t>
             </a:fld>
             <a:endParaRPr lang="es-ES" altLang="en-US">
               <a:solidFill>
@@ -15153,7 +17113,7 @@
 </p:sld>
 </file>
 
-<file path=ppt/slides/slide4.xml><?xml version="1.0" encoding="utf-8"?>
+<file path=ppt/slides/slide5.xml><?xml version="1.0" encoding="utf-8"?>
 <p:sld xmlns:a="http://schemas.openxmlformats.org/drawingml/2006/main" xmlns:r="http://schemas.openxmlformats.org/officeDocument/2006/relationships" xmlns:p="http://schemas.openxmlformats.org/presentationml/2006/main">
   <p:cSld>
     <p:spTree>
@@ -15241,7 +17201,7 @@
           <p:nvPr>
             <p:extLst>
               <p:ext uri="{D42A27DB-BD31-4B8C-83A1-F6EECF244321}">
-                <p14:modId xmlns:p14="http://schemas.microsoft.com/office/powerpoint/2010/main" val="2931175580"/>
+                <p14:modId xmlns:p14="http://schemas.microsoft.com/office/powerpoint/2010/main" val="807516285"/>
               </p:ext>
             </p:extLst>
           </p:nvPr>
@@ -15655,16 +17615,12 @@
                     <a:p>
                       <a:pPr algn="ctr"/>
                       <a:r>
-                        <a:rPr lang="en-IN" sz="1400" dirty="0"/>
-                        <a:t>-</a:t>
-                      </a:r>
-                      <a:r>
                         <a:rPr lang="en-IN" sz="1400" dirty="0">
                           <a:solidFill>
                             <a:srgbClr val="FF0000"/>
                           </a:solidFill>
                         </a:rPr>
-                        <a:t>40%</a:t>
+                        <a:t>-44%</a:t>
                       </a:r>
                     </a:p>
                   </a:txBody>
@@ -15680,46 +17636,6 @@
           </a:graphicData>
         </a:graphic>
       </p:graphicFrame>
-      <p:sp>
-        <p:nvSpPr>
-          <p:cNvPr id="4" name="TextBox 3">
-            <a:extLst>
-              <a:ext uri="{FF2B5EF4-FFF2-40B4-BE49-F238E27FC236}">
-                <a16:creationId xmlns:a16="http://schemas.microsoft.com/office/drawing/2014/main" id="{1786C883-4B78-895C-414C-952BC04E49E8}"/>
-              </a:ext>
-            </a:extLst>
-          </p:cNvPr>
-          <p:cNvSpPr txBox="1"/>
-          <p:nvPr/>
-        </p:nvSpPr>
-        <p:spPr>
-          <a:xfrm>
-            <a:off x="2195736" y="1117007"/>
-            <a:ext cx="5694806" cy="477054"/>
-          </a:xfrm>
-          <a:prstGeom prst="rect">
-            <a:avLst/>
-          </a:prstGeom>
-          <a:noFill/>
-        </p:spPr>
-        <p:txBody>
-          <a:bodyPr vert="horz" wrap="square" rtlCol="0" anchor="ctr" anchorCtr="1">
-            <a:spAutoFit/>
-          </a:bodyPr>
-          <a:lstStyle/>
-          <a:p>
-            <a:pPr algn="ctr"/>
-            <a:r>
-              <a:rPr lang="en-IN" sz="2500" dirty="0">
-                <a:solidFill>
-                  <a:schemeClr val="bg1"/>
-                </a:solidFill>
-              </a:rPr>
-              <a:t>Data Insights Summary - 1/2 </a:t>
-            </a:r>
-          </a:p>
-        </p:txBody>
-      </p:sp>
       <p:sp>
         <p:nvSpPr>
           <p:cNvPr id="5" name="TextBox 4">
@@ -15754,7 +17670,7 @@
             </a:pPr>
             <a:r>
               <a:rPr lang="en-IN" sz="1400" dirty="0"/>
-              <a:t>40% Loss in defaulter cases which drastically reducing overall profit to the company and urgent need to take corrective/preventive actions </a:t>
+              <a:t>44% Loss in defaulter cases which drastically reducing overall profit to the company and urgent need to take corrective/preventive actions </a:t>
             </a:r>
           </a:p>
           <a:p>
@@ -15802,7 +17718,7 @@
                 </a:solidFill>
               </a:rPr>
               <a:pPr/>
-              <a:t>4</a:t>
+              <a:t>5</a:t>
             </a:fld>
             <a:endParaRPr lang="es-ES" altLang="en-US">
               <a:solidFill>
@@ -15825,7 +17741,7 @@
 </p:sld>
 </file>
 
-<file path=ppt/slides/slide5.xml><?xml version="1.0" encoding="utf-8"?>
+<file path=ppt/slides/slide6.xml><?xml version="1.0" encoding="utf-8"?>
 <p:sld xmlns:a="http://schemas.openxmlformats.org/drawingml/2006/main" xmlns:r="http://schemas.openxmlformats.org/officeDocument/2006/relationships" xmlns:p="http://schemas.openxmlformats.org/presentationml/2006/main">
   <p:cSld>
     <p:spTree>
@@ -15896,14 +17812,14 @@
           <p:nvPr>
             <p:extLst>
               <p:ext uri="{D42A27DB-BD31-4B8C-83A1-F6EECF244321}">
-                <p14:modId xmlns:p14="http://schemas.microsoft.com/office/powerpoint/2010/main" val="3218598622"/>
+                <p14:modId xmlns:p14="http://schemas.microsoft.com/office/powerpoint/2010/main" val="2846358345"/>
               </p:ext>
             </p:extLst>
           </p:nvPr>
         </p:nvGraphicFramePr>
         <p:xfrm>
-          <a:off x="-468560" y="1467778"/>
-          <a:ext cx="9813776" cy="5304410"/>
+          <a:off x="-133826" y="1659737"/>
+          <a:ext cx="9411651" cy="4690653"/>
         </p:xfrm>
         <a:graphic>
           <a:graphicData uri="http://schemas.openxmlformats.org/drawingml/2006/diagram">
@@ -15951,7 +17867,7 @@
                 </a:solidFill>
               </a:rPr>
               <a:pPr/>
-              <a:t>5</a:t>
+              <a:t>6</a:t>
             </a:fld>
             <a:endParaRPr lang="es-ES" altLang="en-US">
               <a:solidFill>
@@ -15975,8 +17891,8 @@
         </p:nvSpPr>
         <p:spPr>
           <a:xfrm>
-            <a:off x="6712192" y="3013501"/>
-            <a:ext cx="1944216" cy="830997"/>
+            <a:off x="6300192" y="3024053"/>
+            <a:ext cx="2428224" cy="830997"/>
           </a:xfrm>
           <a:prstGeom prst="rect">
             <a:avLst/>
@@ -15990,10 +17906,19 @@
           <a:lstStyle/>
           <a:p>
             <a:r>
+              <a:rPr lang="en-IN" sz="1200" b="1" dirty="0">
+                <a:solidFill>
+                  <a:srgbClr val="000099"/>
+                </a:solidFill>
+                <a:latin typeface="+mn-lt"/>
+              </a:rPr>
+              <a:t>Employee length:</a:t>
+            </a:r>
+            <a:r>
               <a:rPr lang="en-IN" sz="1200" dirty="0">
                 <a:latin typeface="+mn-lt"/>
               </a:rPr>
-              <a:t>Employee length &lt; 2 </a:t>
+              <a:t> &lt; 2 </a:t>
             </a:r>
             <a:r>
               <a:rPr lang="en-IN" sz="1200" dirty="0" err="1">
@@ -16036,8 +17961,8 @@
         </p:nvSpPr>
         <p:spPr>
           <a:xfrm>
-            <a:off x="6785992" y="4356006"/>
-            <a:ext cx="1944216" cy="830997"/>
+            <a:off x="6373992" y="4199240"/>
+            <a:ext cx="2428224" cy="830997"/>
           </a:xfrm>
           <a:prstGeom prst="rect">
             <a:avLst/>
@@ -16051,10 +17976,19 @@
           <a:lstStyle/>
           <a:p>
             <a:r>
+              <a:rPr lang="en-IN" sz="1200" b="1" dirty="0">
+                <a:solidFill>
+                  <a:srgbClr val="000099"/>
+                </a:solidFill>
+                <a:latin typeface="+mn-lt"/>
+              </a:rPr>
+              <a:t>Purpose:</a:t>
+            </a:r>
+            <a:r>
               <a:rPr lang="en-IN" sz="1200" dirty="0">
                 <a:latin typeface="+mn-lt"/>
               </a:rPr>
-              <a:t>Reduce loan sanction for purpose as small business or scrutinize deep </a:t>
+              <a:t> reduce loan sanction for ‘Small Business’ &amp; ‘Renewable Energy’ or scrutinize deep </a:t>
             </a:r>
           </a:p>
         </p:txBody>
@@ -16073,8 +18007,8 @@
         </p:nvSpPr>
         <p:spPr>
           <a:xfrm>
-            <a:off x="6804248" y="5668866"/>
-            <a:ext cx="1944216" cy="646331"/>
+            <a:off x="6392248" y="5512100"/>
+            <a:ext cx="2428224" cy="646331"/>
           </a:xfrm>
           <a:prstGeom prst="rect">
             <a:avLst/>
@@ -16088,10 +18022,19 @@
           <a:lstStyle/>
           <a:p>
             <a:r>
+              <a:rPr lang="en-IN" sz="1200" b="1" dirty="0">
+                <a:solidFill>
+                  <a:srgbClr val="000099"/>
+                </a:solidFill>
+                <a:latin typeface="+mn-lt"/>
+              </a:rPr>
+              <a:t>Grade:</a:t>
+            </a:r>
+            <a:r>
               <a:rPr lang="en-IN" sz="1200" dirty="0">
                 <a:latin typeface="+mn-lt"/>
               </a:rPr>
-              <a:t>Lower Grades/Sub Grades with higher defaulter risks </a:t>
+              <a:t> Lower Grades/Sub Grades with higher defaulter risks </a:t>
             </a:r>
           </a:p>
         </p:txBody>
@@ -16110,8 +18053,8 @@
         </p:nvGrpSpPr>
         <p:grpSpPr>
           <a:xfrm>
-            <a:off x="6785992" y="1927907"/>
-            <a:ext cx="1944216" cy="562688"/>
+            <a:off x="6373992" y="1938459"/>
+            <a:ext cx="2354424" cy="562688"/>
             <a:chOff x="3449910" y="164705"/>
             <a:chExt cx="974541" cy="562688"/>
           </a:xfrm>
@@ -16234,11 +18177,19 @@
                 <a:buNone/>
               </a:pPr>
               <a:r>
-                <a:rPr lang="en-IN" sz="1200" kern="1200" dirty="0"/>
-                <a:t>Reject loan amount &gt; 15%  of </a:t>
+                <a:rPr lang="en-IN" sz="1200" b="1" kern="1200" dirty="0">
+                  <a:solidFill>
+                    <a:srgbClr val="000099"/>
+                  </a:solidFill>
+                </a:rPr>
+                <a:t>Loan Amount:</a:t>
               </a:r>
               <a:r>
-                <a:rPr lang="en-IN" sz="1200" kern="1200" dirty="0">
+                <a:rPr lang="en-IN" sz="1200" kern="1200" dirty="0"/>
+                <a:t> Reject loan amount &gt; 15%  of </a:t>
+              </a:r>
+              <a:r>
+                <a:rPr lang="en-IN" sz="1200" b="1" kern="1200" dirty="0">
                   <a:solidFill>
                     <a:srgbClr val="000000">
                       <a:hueOff val="0"/>
@@ -16253,8 +18204,12 @@
                 <a:t>annual</a:t>
               </a:r>
               <a:r>
+                <a:rPr lang="en-IN" sz="1200" b="1" kern="1200" dirty="0"/>
+                <a:t> income</a:t>
+              </a:r>
+              <a:r>
                 <a:rPr lang="en-IN" sz="1200" kern="1200" dirty="0"/>
-                <a:t> income for income &lt; 200K</a:t>
+                <a:t> for income &lt; 200K</a:t>
               </a:r>
             </a:p>
           </p:txBody>
@@ -16274,8 +18229,8 @@
         </p:nvSpPr>
         <p:spPr>
           <a:xfrm>
-            <a:off x="251520" y="4158877"/>
-            <a:ext cx="2498633" cy="1015663"/>
+            <a:off x="181180" y="4158877"/>
+            <a:ext cx="3238969" cy="830997"/>
           </a:xfrm>
           <a:prstGeom prst="rect">
             <a:avLst/>
@@ -16289,54 +18244,29 @@
           <a:lstStyle/>
           <a:p>
             <a:r>
+              <a:rPr lang="en-US" sz="1200" b="1" dirty="0">
+                <a:solidFill>
+                  <a:srgbClr val="000099"/>
+                </a:solidFill>
+                <a:latin typeface="+mn-lt"/>
+              </a:rPr>
+              <a:t>Interest Rate:</a:t>
+            </a:r>
+            <a:r>
               <a:rPr lang="en-US" sz="1200" dirty="0">
                 <a:latin typeface="+mn-lt"/>
               </a:rPr>
-              <a:t>Instead of keeping flat interest rate, apply more for boarder approval cases when higher DTI/Public Records/ Bank Accounts</a:t>
-            </a:r>
-            <a:endParaRPr lang="en-IN" sz="1200" dirty="0">
+              <a:t> Instead of keeping flat interest rate, apply more for boarder approval cases when higher </a:t>
+            </a:r>
+            <a:r>
+              <a:rPr lang="en-US" sz="1200" b="1" dirty="0">
+                <a:latin typeface="+mn-lt"/>
+              </a:rPr>
+              <a:t>DTI/Public Records/ Bank Accounts</a:t>
+            </a:r>
+            <a:endParaRPr lang="en-IN" sz="1200" b="1" dirty="0">
               <a:latin typeface="+mn-lt"/>
             </a:endParaRPr>
-          </a:p>
-        </p:txBody>
-      </p:sp>
-      <p:sp>
-        <p:nvSpPr>
-          <p:cNvPr id="14" name="TextBox 13">
-            <a:extLst>
-              <a:ext uri="{FF2B5EF4-FFF2-40B4-BE49-F238E27FC236}">
-                <a16:creationId xmlns:a16="http://schemas.microsoft.com/office/drawing/2014/main" id="{F8D33B76-0F83-D889-3B8E-311B1613F789}"/>
-              </a:ext>
-            </a:extLst>
-          </p:cNvPr>
-          <p:cNvSpPr txBox="1"/>
-          <p:nvPr/>
-        </p:nvSpPr>
-        <p:spPr>
-          <a:xfrm>
-            <a:off x="1151620" y="1055438"/>
-            <a:ext cx="7416824" cy="477054"/>
-          </a:xfrm>
-          <a:prstGeom prst="rect">
-            <a:avLst/>
-          </a:prstGeom>
-          <a:noFill/>
-        </p:spPr>
-        <p:txBody>
-          <a:bodyPr vert="horz" wrap="square" rtlCol="0" anchor="ctr" anchorCtr="1">
-            <a:spAutoFit/>
-          </a:bodyPr>
-          <a:lstStyle/>
-          <a:p>
-            <a:pPr algn="ctr"/>
-            <a:r>
-              <a:rPr lang="en-IN" sz="2500" dirty="0">
-                <a:solidFill>
-                  <a:schemeClr val="bg1"/>
-                </a:solidFill>
-              </a:rPr>
-              <a:t>Data Insights Summary - 2/2   </a:t>
-            </a:r>
           </a:p>
         </p:txBody>
       </p:sp>
@@ -16354,8 +18284,8 @@
         </p:nvSpPr>
         <p:spPr>
           <a:xfrm>
-            <a:off x="179512" y="1868455"/>
-            <a:ext cx="1944216" cy="646331"/>
+            <a:off x="181180" y="1868455"/>
+            <a:ext cx="2520280" cy="646331"/>
           </a:xfrm>
           <a:prstGeom prst="rect">
             <a:avLst/>
@@ -16369,10 +18299,19 @@
           <a:lstStyle/>
           <a:p>
             <a:r>
+              <a:rPr lang="en-IN" sz="1200" b="1" dirty="0">
+                <a:solidFill>
+                  <a:srgbClr val="000099"/>
+                </a:solidFill>
+                <a:latin typeface="+mn-lt"/>
+              </a:rPr>
+              <a:t>Term:</a:t>
+            </a:r>
+            <a:r>
               <a:rPr lang="en-IN" sz="1200" dirty="0">
                 <a:latin typeface="+mn-lt"/>
               </a:rPr>
-              <a:t>Offer 36 months term more as positive trend compare to 60 months  </a:t>
+              <a:t> Offer 36 months term more as with positive trend compare to 60 months  </a:t>
             </a:r>
           </a:p>
         </p:txBody>
@@ -16391,8 +18330,8 @@
         </p:nvSpPr>
         <p:spPr>
           <a:xfrm>
-            <a:off x="199241" y="3038792"/>
-            <a:ext cx="1944216" cy="646331"/>
+            <a:off x="200909" y="3038792"/>
+            <a:ext cx="2520280" cy="646331"/>
           </a:xfrm>
           <a:prstGeom prst="rect">
             <a:avLst/>
@@ -16406,10 +18345,19 @@
           <a:lstStyle/>
           <a:p>
             <a:r>
+              <a:rPr lang="en-IN" sz="1200" b="1" dirty="0">
+                <a:solidFill>
+                  <a:srgbClr val="000099"/>
+                </a:solidFill>
+                <a:latin typeface="+mn-lt"/>
+              </a:rPr>
+              <a:t>Home Ownership:</a:t>
+            </a:r>
+            <a:r>
               <a:rPr lang="en-IN" sz="1200" dirty="0">
                 <a:latin typeface="+mn-lt"/>
               </a:rPr>
-              <a:t>Reduce loan request for Rent category or reduce loan amount</a:t>
+              <a:t> Reduce loan request for Rent category or reduce loan amount</a:t>
             </a:r>
           </a:p>
         </p:txBody>
@@ -16429,7 +18377,7 @@
         </p:nvSpPr>
         <p:spPr>
           <a:xfrm>
-            <a:off x="338253" y="4005064"/>
+            <a:off x="271568" y="4005064"/>
             <a:ext cx="216024" cy="185856"/>
           </a:xfrm>
           <a:prstGeom prst="actionButtonInformation">
@@ -16570,7 +18518,7 @@
         </p:nvSpPr>
         <p:spPr>
           <a:xfrm>
-            <a:off x="6780303" y="1722337"/>
+            <a:off x="6373992" y="1722337"/>
             <a:ext cx="216024" cy="185856"/>
           </a:xfrm>
           <a:prstGeom prst="actionButtonInformation">
@@ -16617,7 +18565,7 @@
         </p:nvSpPr>
         <p:spPr>
           <a:xfrm>
-            <a:off x="6768244" y="2852936"/>
+            <a:off x="6356244" y="2852936"/>
             <a:ext cx="216024" cy="185856"/>
           </a:xfrm>
           <a:prstGeom prst="actionButtonInformation">
@@ -16664,7 +18612,7 @@
         </p:nvSpPr>
         <p:spPr>
           <a:xfrm>
-            <a:off x="6865327" y="4193374"/>
+            <a:off x="6453327" y="4026056"/>
             <a:ext cx="216024" cy="185856"/>
           </a:xfrm>
           <a:prstGeom prst="actionButtonInformation">
@@ -16711,7 +18659,7 @@
         </p:nvSpPr>
         <p:spPr>
           <a:xfrm>
-            <a:off x="6816307" y="5517232"/>
+            <a:off x="6404307" y="5349914"/>
             <a:ext cx="216024" cy="185856"/>
           </a:xfrm>
           <a:prstGeom prst="actionButtonInformation">
@@ -16745,10 +18693,10 @@
       </p:sp>
       <p:sp>
         <p:nvSpPr>
-          <p:cNvPr id="10" name="TextBox 9">
+          <p:cNvPr id="12" name="TextBox 11">
             <a:extLst>
               <a:ext uri="{FF2B5EF4-FFF2-40B4-BE49-F238E27FC236}">
-                <a16:creationId xmlns:a16="http://schemas.microsoft.com/office/drawing/2014/main" id="{1BF06A0C-0722-7AF0-FE48-402DDDED124F}"/>
+                <a16:creationId xmlns:a16="http://schemas.microsoft.com/office/drawing/2014/main" id="{7B639AF6-69A7-B90A-314D-95E1811A2D1F}"/>
               </a:ext>
             </a:extLst>
           </p:cNvPr>
@@ -16757,8 +18705,8 @@
         </p:nvSpPr>
         <p:spPr>
           <a:xfrm>
-            <a:off x="272368" y="5557270"/>
-            <a:ext cx="1944216" cy="646331"/>
+            <a:off x="179512" y="5368586"/>
+            <a:ext cx="2520280" cy="830997"/>
           </a:xfrm>
           <a:prstGeom prst="rect">
             <a:avLst/>
@@ -16772,22 +18720,36 @@
           <a:lstStyle/>
           <a:p>
             <a:r>
-              <a:rPr lang="en-IN" sz="1200" dirty="0"/>
-              <a:t>Reduce providing loans as well as reduce loan amount for Rent category</a:t>
-            </a:r>
-            <a:endParaRPr lang="en-IN" sz="1200" dirty="0">
-              <a:latin typeface="+mn-lt"/>
-            </a:endParaRPr>
+              <a:rPr lang="en-IN" sz="1200" b="1" dirty="0">
+                <a:solidFill>
+                  <a:srgbClr val="000099"/>
+                </a:solidFill>
+                <a:latin typeface="+mn-lt"/>
+              </a:rPr>
+              <a:t>Verification Status:</a:t>
+            </a:r>
+            <a:r>
+              <a:rPr lang="en-IN" sz="1200" b="1" dirty="0">
+                <a:latin typeface="+mn-lt"/>
+              </a:rPr>
+              <a:t> </a:t>
+            </a:r>
+            <a:r>
+              <a:rPr lang="en-IN" sz="1200" dirty="0">
+                <a:latin typeface="+mn-lt"/>
+              </a:rPr>
+              <a:t>Mandate source verification as no major loss when income source was verified </a:t>
+            </a:r>
           </a:p>
         </p:txBody>
       </p:sp>
       <p:sp>
         <p:nvSpPr>
-          <p:cNvPr id="11" name="Action Button: Get Information 10">
-            <a:hlinkClick r:id="rId10" action="ppaction://hlinksldjump" highlightClick="1"/>
+          <p:cNvPr id="24" name="Action Button: Get Information 23">
+            <a:hlinkClick r:id="rId14" action="ppaction://hlinksldjump" highlightClick="1"/>
             <a:extLst>
               <a:ext uri="{FF2B5EF4-FFF2-40B4-BE49-F238E27FC236}">
-                <a16:creationId xmlns:a16="http://schemas.microsoft.com/office/drawing/2014/main" id="{3020CDF1-2997-7B12-4934-58EED80FEA62}"/>
+                <a16:creationId xmlns:a16="http://schemas.microsoft.com/office/drawing/2014/main" id="{80F36FE9-9832-AC8C-9431-F6E2044DE10C}"/>
               </a:ext>
             </a:extLst>
           </p:cNvPr>
@@ -16796,7 +18758,7 @@
         </p:nvSpPr>
         <p:spPr>
           <a:xfrm>
-            <a:off x="344695" y="5371414"/>
+            <a:off x="215516" y="5205898"/>
             <a:ext cx="216024" cy="185856"/>
           </a:xfrm>
           <a:prstGeom prst="actionButtonInformation">
@@ -16828,6 +18790,92 @@
           </a:p>
         </p:txBody>
       </p:sp>
+      <p:sp>
+        <p:nvSpPr>
+          <p:cNvPr id="25" name="TextBox 24">
+            <a:extLst>
+              <a:ext uri="{FF2B5EF4-FFF2-40B4-BE49-F238E27FC236}">
+                <a16:creationId xmlns:a16="http://schemas.microsoft.com/office/drawing/2014/main" id="{EAF87965-08A8-ACA8-6B44-3F253A63BAC2}"/>
+              </a:ext>
+            </a:extLst>
+          </p:cNvPr>
+          <p:cNvSpPr txBox="1"/>
+          <p:nvPr/>
+        </p:nvSpPr>
+        <p:spPr>
+          <a:xfrm>
+            <a:off x="178330" y="6242591"/>
+            <a:ext cx="8210094" cy="276999"/>
+          </a:xfrm>
+          <a:prstGeom prst="rect">
+            <a:avLst/>
+          </a:prstGeom>
+          <a:noFill/>
+        </p:spPr>
+        <p:txBody>
+          <a:bodyPr wrap="square" rtlCol="0">
+            <a:spAutoFit/>
+          </a:bodyPr>
+          <a:lstStyle/>
+          <a:p>
+            <a:r>
+              <a:rPr lang="en-IN" sz="1200" b="1" i="1" dirty="0"/>
+              <a:t>Note:</a:t>
+            </a:r>
+            <a:r>
+              <a:rPr lang="en-IN" sz="1200" i="1" dirty="0"/>
+              <a:t> Use slide navigator        to see detailed analysis for each driving factor mentioned above</a:t>
+            </a:r>
+          </a:p>
+        </p:txBody>
+      </p:sp>
+      <p:sp>
+        <p:nvSpPr>
+          <p:cNvPr id="26" name="Action Button: Get Information 25">
+            <a:hlinkClick r:id="" action="ppaction://noaction" highlightClick="1"/>
+            <a:extLst>
+              <a:ext uri="{FF2B5EF4-FFF2-40B4-BE49-F238E27FC236}">
+                <a16:creationId xmlns:a16="http://schemas.microsoft.com/office/drawing/2014/main" id="{CD2F3F9A-5E14-F87C-226F-A00090D4ED3D}"/>
+              </a:ext>
+            </a:extLst>
+          </p:cNvPr>
+          <p:cNvSpPr/>
+          <p:nvPr/>
+        </p:nvSpPr>
+        <p:spPr>
+          <a:xfrm>
+            <a:off x="2051720" y="6283712"/>
+            <a:ext cx="216024" cy="185856"/>
+          </a:xfrm>
+          <a:prstGeom prst="actionButtonInformation">
+            <a:avLst/>
+          </a:prstGeom>
+        </p:spPr>
+        <p:style>
+          <a:lnRef idx="2">
+            <a:schemeClr val="accent1">
+              <a:shade val="50000"/>
+            </a:schemeClr>
+          </a:lnRef>
+          <a:fillRef idx="1">
+            <a:schemeClr val="accent1"/>
+          </a:fillRef>
+          <a:effectRef idx="0">
+            <a:schemeClr val="accent1"/>
+          </a:effectRef>
+          <a:fontRef idx="minor">
+            <a:schemeClr val="lt1"/>
+          </a:fontRef>
+        </p:style>
+        <p:txBody>
+          <a:bodyPr rtlCol="0" anchor="ctr"/>
+          <a:lstStyle/>
+          <a:p>
+            <a:pPr algn="ctr"/>
+            <a:endParaRPr lang="en-IN"/>
+          </a:p>
+        </p:txBody>
+      </p:sp>
     </p:spTree>
     <p:extLst>
       <p:ext uri="{BB962C8B-B14F-4D97-AF65-F5344CB8AC3E}">
@@ -16841,7 +18889,7 @@
 </p:sld>
 </file>
 
-<file path=ppt/slides/slide6.xml><?xml version="1.0" encoding="utf-8"?>
+<file path=ppt/slides/slide7.xml><?xml version="1.0" encoding="utf-8"?>
 <p:sld xmlns:a="http://schemas.openxmlformats.org/drawingml/2006/main" xmlns:r="http://schemas.openxmlformats.org/officeDocument/2006/relationships" xmlns:p="http://schemas.openxmlformats.org/presentationml/2006/main">
   <p:cSld>
     <p:spTree>
@@ -17544,51 +19592,6 @@
       </p:sp>
       <p:sp>
         <p:nvSpPr>
-          <p:cNvPr id="17" name="TextBox 16">
-            <a:extLst>
-              <a:ext uri="{FF2B5EF4-FFF2-40B4-BE49-F238E27FC236}">
-                <a16:creationId xmlns:a16="http://schemas.microsoft.com/office/drawing/2014/main" id="{382BA831-E0B1-E04B-C2A2-FD920BCEB168}"/>
-              </a:ext>
-            </a:extLst>
-          </p:cNvPr>
-          <p:cNvSpPr txBox="1"/>
-          <p:nvPr/>
-        </p:nvSpPr>
-        <p:spPr>
-          <a:xfrm>
-            <a:off x="3709134" y="990060"/>
-            <a:ext cx="2958502" cy="477054"/>
-          </a:xfrm>
-          <a:prstGeom prst="rect">
-            <a:avLst/>
-          </a:prstGeom>
-          <a:noFill/>
-        </p:spPr>
-        <p:txBody>
-          <a:bodyPr vert="horz" wrap="square" rtlCol="0" anchor="ctr" anchorCtr="1">
-            <a:spAutoFit/>
-          </a:bodyPr>
-          <a:lstStyle/>
-          <a:p>
-            <a:pPr algn="ctr"/>
-            <a:r>
-              <a:rPr lang="en-IN" sz="2500">
-                <a:solidFill>
-                  <a:schemeClr val="bg1"/>
-                </a:solidFill>
-              </a:rPr>
-              <a:t>Data Insights - 1/10 </a:t>
-            </a:r>
-            <a:endParaRPr lang="en-IN" sz="2500" dirty="0">
-              <a:solidFill>
-                <a:schemeClr val="bg1"/>
-              </a:solidFill>
-            </a:endParaRPr>
-          </a:p>
-        </p:txBody>
-      </p:sp>
-      <p:sp>
-        <p:nvSpPr>
           <p:cNvPr id="18" name="Rectangle: Rounded Corners 17">
             <a:extLst>
               <a:ext uri="{FF2B5EF4-FFF2-40B4-BE49-F238E27FC236}">
@@ -17838,7 +19841,7 @@
                 </a:solidFill>
               </a:rPr>
               <a:pPr/>
-              <a:t>6</a:t>
+              <a:t>7</a:t>
             </a:fld>
             <a:endParaRPr lang="es-ES" altLang="en-US">
               <a:solidFill>
@@ -17861,7 +19864,7 @@
 </p:sld>
 </file>
 
-<file path=ppt/slides/slide7.xml><?xml version="1.0" encoding="utf-8"?>
+<file path=ppt/slides/slide8.xml><?xml version="1.0" encoding="utf-8"?>
 <p:sld xmlns:a="http://schemas.openxmlformats.org/drawingml/2006/main" xmlns:r="http://schemas.openxmlformats.org/officeDocument/2006/relationships" xmlns:p="http://schemas.openxmlformats.org/presentationml/2006/main">
   <p:cSld>
     <p:spTree>
@@ -17915,51 +19918,6 @@
               </a:rPr>
               <a:t>         Segmented Univariate Analysis</a:t>
             </a:r>
-          </a:p>
-        </p:txBody>
-      </p:sp>
-      <p:sp>
-        <p:nvSpPr>
-          <p:cNvPr id="3" name="TextBox 2">
-            <a:extLst>
-              <a:ext uri="{FF2B5EF4-FFF2-40B4-BE49-F238E27FC236}">
-                <a16:creationId xmlns:a16="http://schemas.microsoft.com/office/drawing/2014/main" id="{9EBC87F0-EAC7-107A-A9C2-D17E84CF3092}"/>
-              </a:ext>
-            </a:extLst>
-          </p:cNvPr>
-          <p:cNvSpPr txBox="1"/>
-          <p:nvPr/>
-        </p:nvSpPr>
-        <p:spPr>
-          <a:xfrm>
-            <a:off x="3851920" y="910739"/>
-            <a:ext cx="2965877" cy="477054"/>
-          </a:xfrm>
-          <a:prstGeom prst="rect">
-            <a:avLst/>
-          </a:prstGeom>
-          <a:noFill/>
-        </p:spPr>
-        <p:txBody>
-          <a:bodyPr vert="horz" wrap="none" rtlCol="0" anchor="ctr" anchorCtr="1">
-            <a:spAutoFit/>
-          </a:bodyPr>
-          <a:lstStyle/>
-          <a:p>
-            <a:pPr algn="ctr"/>
-            <a:r>
-              <a:rPr lang="en-IN" sz="2500">
-                <a:solidFill>
-                  <a:schemeClr val="bg1"/>
-                </a:solidFill>
-              </a:rPr>
-              <a:t>Data Insights - 2/10</a:t>
-            </a:r>
-            <a:endParaRPr lang="en-IN" sz="2500" dirty="0">
-              <a:solidFill>
-                <a:schemeClr val="bg1"/>
-              </a:solidFill>
-            </a:endParaRPr>
           </a:p>
         </p:txBody>
       </p:sp>
@@ -18521,7 +20479,7 @@
                 </a:solidFill>
               </a:rPr>
               <a:pPr/>
-              <a:t>7</a:t>
+              <a:t>8</a:t>
             </a:fld>
             <a:endParaRPr lang="es-ES" altLang="en-US">
               <a:solidFill>
@@ -18544,7 +20502,7 @@
 </p:sld>
 </file>
 
-<file path=ppt/slides/slide8.xml><?xml version="1.0" encoding="utf-8"?>
+<file path=ppt/slides/slide9.xml><?xml version="1.0" encoding="utf-8"?>
 <p:sld xmlns:a="http://schemas.openxmlformats.org/drawingml/2006/main" xmlns:r="http://schemas.openxmlformats.org/officeDocument/2006/relationships" xmlns:p="http://schemas.openxmlformats.org/presentationml/2006/main">
   <p:cSld>
     <p:spTree>
@@ -18614,46 +20572,6 @@
                 </a:schemeClr>
               </a:solidFill>
             </a:endParaRPr>
-          </a:p>
-        </p:txBody>
-      </p:sp>
-      <p:sp>
-        <p:nvSpPr>
-          <p:cNvPr id="2" name="TextBox 1">
-            <a:extLst>
-              <a:ext uri="{FF2B5EF4-FFF2-40B4-BE49-F238E27FC236}">
-                <a16:creationId xmlns:a16="http://schemas.microsoft.com/office/drawing/2014/main" id="{79957AFD-4410-DCE2-3A52-199C302FA8C0}"/>
-              </a:ext>
-            </a:extLst>
-          </p:cNvPr>
-          <p:cNvSpPr txBox="1"/>
-          <p:nvPr/>
-        </p:nvSpPr>
-        <p:spPr>
-          <a:xfrm>
-            <a:off x="3635896" y="960169"/>
-            <a:ext cx="3055645" cy="477054"/>
-          </a:xfrm>
-          <a:prstGeom prst="rect">
-            <a:avLst/>
-          </a:prstGeom>
-          <a:noFill/>
-        </p:spPr>
-        <p:txBody>
-          <a:bodyPr vert="horz" wrap="none" rtlCol="0" anchor="ctr" anchorCtr="1">
-            <a:spAutoFit/>
-          </a:bodyPr>
-          <a:lstStyle/>
-          <a:p>
-            <a:pPr algn="ctr"/>
-            <a:r>
-              <a:rPr lang="en-IN" sz="2500" dirty="0">
-                <a:solidFill>
-                  <a:schemeClr val="bg1"/>
-                </a:solidFill>
-              </a:rPr>
-              <a:t> Data Insights - 3/10</a:t>
-            </a:r>
           </a:p>
         </p:txBody>
       </p:sp>
@@ -18783,7 +20701,7 @@
                 </a:solidFill>
               </a:rPr>
               <a:pPr/>
-              <a:t>8</a:t>
+              <a:t>9</a:t>
             </a:fld>
             <a:endParaRPr lang="es-ES" altLang="en-US">
               <a:solidFill>
@@ -19020,658 +20938,6 @@
     <p:extLst>
       <p:ext uri="{BB962C8B-B14F-4D97-AF65-F5344CB8AC3E}">
         <p14:creationId xmlns:p14="http://schemas.microsoft.com/office/powerpoint/2010/main" val="602744923"/>
-      </p:ext>
-    </p:extLst>
-  </p:cSld>
-  <p:clrMapOvr>
-    <a:masterClrMapping/>
-  </p:clrMapOvr>
-</p:sld>
-</file>
-
-<file path=ppt/slides/slide9.xml><?xml version="1.0" encoding="utf-8"?>
-<p:sld xmlns:a="http://schemas.openxmlformats.org/drawingml/2006/main" xmlns:r="http://schemas.openxmlformats.org/officeDocument/2006/relationships" xmlns:p="http://schemas.openxmlformats.org/presentationml/2006/main">
-  <p:cSld>
-    <p:spTree>
-      <p:nvGrpSpPr>
-        <p:cNvPr id="1" name=""/>
-        <p:cNvGrpSpPr/>
-        <p:nvPr/>
-      </p:nvGrpSpPr>
-      <p:grpSpPr>
-        <a:xfrm>
-          <a:off x="0" y="0"/>
-          <a:ext cx="0" cy="0"/>
-          <a:chOff x="0" y="0"/>
-          <a:chExt cx="0" cy="0"/>
-        </a:xfrm>
-      </p:grpSpPr>
-      <p:sp>
-        <p:nvSpPr>
-          <p:cNvPr id="4098" name="Rectangle 2">
-            <a:extLst>
-              <a:ext uri="{FF2B5EF4-FFF2-40B4-BE49-F238E27FC236}">
-                <a16:creationId xmlns:a16="http://schemas.microsoft.com/office/drawing/2014/main" id="{2BAFB2C9-6F6C-E160-9580-037FF81E1208}"/>
-              </a:ext>
-            </a:extLst>
-          </p:cNvPr>
-          <p:cNvSpPr>
-            <a:spLocks noGrp="1" noChangeArrowheads="1"/>
-          </p:cNvSpPr>
-          <p:nvPr>
-            <p:ph type="title"/>
-          </p:nvPr>
-        </p:nvSpPr>
-        <p:spPr>
-          <a:xfrm>
-            <a:off x="1691680" y="341857"/>
-            <a:ext cx="6480000" cy="981075"/>
-          </a:xfrm>
-        </p:spPr>
-        <p:txBody>
-          <a:bodyPr vert="horz" wrap="none" anchor="ctr" anchorCtr="1"/>
-          <a:lstStyle/>
-          <a:p>
-            <a:pPr eaLnBrk="1" hangingPunct="1"/>
-            <a:r>
-              <a:rPr lang="en-US" altLang="en-US" sz="3500" dirty="0">
-                <a:solidFill>
-                  <a:schemeClr val="accent1">
-                    <a:lumMod val="90000"/>
-                  </a:schemeClr>
-                </a:solidFill>
-              </a:rPr>
-              <a:t>         Bivariate Analysis – </a:t>
-            </a:r>
-            <a:br>
-              <a:rPr lang="en-US" altLang="en-US" sz="3500" dirty="0">
-                <a:solidFill>
-                  <a:schemeClr val="accent1">
-                    <a:lumMod val="90000"/>
-                  </a:schemeClr>
-                </a:solidFill>
-              </a:rPr>
-            </a:br>
-            <a:r>
-              <a:rPr lang="en-US" altLang="en-US" sz="3500" dirty="0">
-                <a:solidFill>
-                  <a:schemeClr val="accent1">
-                    <a:lumMod val="90000"/>
-                  </a:schemeClr>
-                </a:solidFill>
-              </a:rPr>
-              <a:t>Employee Length &amp; Purpose</a:t>
-            </a:r>
-            <a:br>
-              <a:rPr lang="en-US" altLang="en-US" sz="3500" dirty="0">
-                <a:solidFill>
-                  <a:schemeClr val="accent1">
-                    <a:lumMod val="90000"/>
-                  </a:schemeClr>
-                </a:solidFill>
-              </a:rPr>
-            </a:br>
-            <a:endParaRPr lang="en-US" altLang="en-US" sz="3500" dirty="0">
-              <a:solidFill>
-                <a:schemeClr val="accent1">
-                  <a:lumMod val="90000"/>
-                </a:schemeClr>
-              </a:solidFill>
-            </a:endParaRPr>
-          </a:p>
-        </p:txBody>
-      </p:sp>
-      <p:sp>
-        <p:nvSpPr>
-          <p:cNvPr id="2" name="TextBox 1">
-            <a:extLst>
-              <a:ext uri="{FF2B5EF4-FFF2-40B4-BE49-F238E27FC236}">
-                <a16:creationId xmlns:a16="http://schemas.microsoft.com/office/drawing/2014/main" id="{79957AFD-4410-DCE2-3A52-199C302FA8C0}"/>
-              </a:ext>
-            </a:extLst>
-          </p:cNvPr>
-          <p:cNvSpPr txBox="1"/>
-          <p:nvPr/>
-        </p:nvSpPr>
-        <p:spPr>
-          <a:xfrm>
-            <a:off x="1334971" y="1049317"/>
-            <a:ext cx="7522499" cy="477054"/>
-          </a:xfrm>
-          <a:prstGeom prst="rect">
-            <a:avLst/>
-          </a:prstGeom>
-          <a:noFill/>
-        </p:spPr>
-        <p:txBody>
-          <a:bodyPr vert="horz" wrap="square" rtlCol="0" anchor="ctr" anchorCtr="1">
-            <a:spAutoFit/>
-          </a:bodyPr>
-          <a:lstStyle/>
-          <a:p>
-            <a:pPr algn="ctr"/>
-            <a:r>
-              <a:rPr lang="en-IN" sz="2500" dirty="0">
-                <a:solidFill>
-                  <a:schemeClr val="bg1"/>
-                </a:solidFill>
-              </a:rPr>
-              <a:t>Data Insights - 4/10</a:t>
-            </a:r>
-          </a:p>
-        </p:txBody>
-      </p:sp>
-      <p:sp>
-        <p:nvSpPr>
-          <p:cNvPr id="6" name="TextBox 5">
-            <a:extLst>
-              <a:ext uri="{FF2B5EF4-FFF2-40B4-BE49-F238E27FC236}">
-                <a16:creationId xmlns:a16="http://schemas.microsoft.com/office/drawing/2014/main" id="{31661278-8D03-F953-A360-3F12AF568A53}"/>
-              </a:ext>
-            </a:extLst>
-          </p:cNvPr>
-          <p:cNvSpPr txBox="1"/>
-          <p:nvPr/>
-        </p:nvSpPr>
-        <p:spPr>
-          <a:xfrm>
-            <a:off x="5661065" y="4516288"/>
-            <a:ext cx="3051088" cy="954107"/>
-          </a:xfrm>
-          <a:prstGeom prst="rect">
-            <a:avLst/>
-          </a:prstGeom>
-          <a:noFill/>
-        </p:spPr>
-        <p:txBody>
-          <a:bodyPr wrap="square" rtlCol="0">
-            <a:spAutoFit/>
-          </a:bodyPr>
-          <a:lstStyle/>
-          <a:p>
-            <a:pPr marL="285750" indent="-285750">
-              <a:buFont typeface="Arial" panose="020B0604020202020204" pitchFamily="34" charset="0"/>
-              <a:buChar char="•"/>
-            </a:pPr>
-            <a:r>
-              <a:rPr lang="en-IN" sz="1400" dirty="0"/>
-              <a:t>Employment length &lt; 2 </a:t>
-            </a:r>
-            <a:r>
-              <a:rPr lang="en-IN" sz="1400" dirty="0" err="1"/>
-              <a:t>yrs</a:t>
-            </a:r>
-            <a:r>
-              <a:rPr lang="en-IN" sz="1400" dirty="0"/>
-              <a:t> &amp; 10+ years to be watched as deflater peaks </a:t>
-            </a:r>
-          </a:p>
-          <a:p>
-            <a:endParaRPr lang="en-IN" sz="1400" dirty="0"/>
-          </a:p>
-        </p:txBody>
-      </p:sp>
-      <p:pic>
-        <p:nvPicPr>
-          <p:cNvPr id="2052" name="Picture 4">
-            <a:extLst>
-              <a:ext uri="{FF2B5EF4-FFF2-40B4-BE49-F238E27FC236}">
-                <a16:creationId xmlns:a16="http://schemas.microsoft.com/office/drawing/2014/main" id="{76177404-69D3-0E3D-E656-7F6CC21845B9}"/>
-              </a:ext>
-            </a:extLst>
-          </p:cNvPr>
-          <p:cNvPicPr>
-            <a:picLocks noChangeAspect="1" noChangeArrowheads="1"/>
-          </p:cNvPicPr>
-          <p:nvPr/>
-        </p:nvPicPr>
-        <p:blipFill>
-          <a:blip r:embed="rId2">
-            <a:extLst>
-              <a:ext uri="{28A0092B-C50C-407E-A947-70E740481C1C}">
-                <a14:useLocalDpi xmlns:a14="http://schemas.microsoft.com/office/drawing/2010/main" val="0"/>
-              </a:ext>
-            </a:extLst>
-          </a:blip>
-          <a:srcRect/>
-          <a:stretch>
-            <a:fillRect/>
-          </a:stretch>
-        </p:blipFill>
-        <p:spPr bwMode="auto">
-          <a:xfrm>
-            <a:off x="5130105" y="1640912"/>
-            <a:ext cx="3762375" cy="2495550"/>
-          </a:xfrm>
-          <a:prstGeom prst="rect">
-            <a:avLst/>
-          </a:prstGeom>
-          <a:noFill/>
-          <a:extLst>
-            <a:ext uri="{909E8E84-426E-40DD-AFC4-6F175D3DCCD1}">
-              <a14:hiddenFill xmlns:a14="http://schemas.microsoft.com/office/drawing/2010/main">
-                <a:solidFill>
-                  <a:srgbClr val="FFFFFF"/>
-                </a:solidFill>
-              </a14:hiddenFill>
-            </a:ext>
-          </a:extLst>
-        </p:spPr>
-      </p:pic>
-      <p:sp>
-        <p:nvSpPr>
-          <p:cNvPr id="3" name="Arrow: Left 2">
-            <a:extLst>
-              <a:ext uri="{FF2B5EF4-FFF2-40B4-BE49-F238E27FC236}">
-                <a16:creationId xmlns:a16="http://schemas.microsoft.com/office/drawing/2014/main" id="{59137BDA-047A-3009-41BF-47BBC53A4E7F}"/>
-              </a:ext>
-            </a:extLst>
-          </p:cNvPr>
-          <p:cNvSpPr/>
-          <p:nvPr/>
-        </p:nvSpPr>
-        <p:spPr>
-          <a:xfrm>
-            <a:off x="6156176" y="2276872"/>
-            <a:ext cx="576064" cy="288032"/>
-          </a:xfrm>
-          <a:prstGeom prst="leftArrow">
-            <a:avLst/>
-          </a:prstGeom>
-          <a:solidFill>
-            <a:schemeClr val="accent2">
-              <a:lumMod val="60000"/>
-              <a:lumOff val="40000"/>
-            </a:schemeClr>
-          </a:solidFill>
-        </p:spPr>
-        <p:style>
-          <a:lnRef idx="2">
-            <a:schemeClr val="accent1">
-              <a:shade val="50000"/>
-            </a:schemeClr>
-          </a:lnRef>
-          <a:fillRef idx="1">
-            <a:schemeClr val="accent1"/>
-          </a:fillRef>
-          <a:effectRef idx="0">
-            <a:schemeClr val="accent1"/>
-          </a:effectRef>
-          <a:fontRef idx="minor">
-            <a:schemeClr val="lt1"/>
-          </a:fontRef>
-        </p:style>
-        <p:txBody>
-          <a:bodyPr rtlCol="0" anchor="ctr"/>
-          <a:lstStyle/>
-          <a:p>
-            <a:pPr algn="ctr"/>
-            <a:endParaRPr lang="en-IN"/>
-          </a:p>
-        </p:txBody>
-      </p:sp>
-      <p:sp>
-        <p:nvSpPr>
-          <p:cNvPr id="7" name="Arrow: Left 6">
-            <a:extLst>
-              <a:ext uri="{FF2B5EF4-FFF2-40B4-BE49-F238E27FC236}">
-                <a16:creationId xmlns:a16="http://schemas.microsoft.com/office/drawing/2014/main" id="{38CC6900-FE79-EAA0-4E05-58B42C2868EB}"/>
-              </a:ext>
-            </a:extLst>
-          </p:cNvPr>
-          <p:cNvSpPr/>
-          <p:nvPr/>
-        </p:nvSpPr>
-        <p:spPr>
-          <a:xfrm flipH="1">
-            <a:off x="7956376" y="2276872"/>
-            <a:ext cx="576064" cy="288032"/>
-          </a:xfrm>
-          <a:prstGeom prst="leftArrow">
-            <a:avLst/>
-          </a:prstGeom>
-          <a:solidFill>
-            <a:schemeClr val="accent2">
-              <a:lumMod val="60000"/>
-              <a:lumOff val="40000"/>
-            </a:schemeClr>
-          </a:solidFill>
-        </p:spPr>
-        <p:style>
-          <a:lnRef idx="2">
-            <a:schemeClr val="accent1">
-              <a:shade val="50000"/>
-            </a:schemeClr>
-          </a:lnRef>
-          <a:fillRef idx="1">
-            <a:schemeClr val="accent1"/>
-          </a:fillRef>
-          <a:effectRef idx="0">
-            <a:schemeClr val="accent1"/>
-          </a:effectRef>
-          <a:fontRef idx="minor">
-            <a:schemeClr val="lt1"/>
-          </a:fontRef>
-        </p:style>
-        <p:txBody>
-          <a:bodyPr rtlCol="0" anchor="ctr"/>
-          <a:lstStyle/>
-          <a:p>
-            <a:pPr algn="ctr"/>
-            <a:endParaRPr lang="en-IN"/>
-          </a:p>
-        </p:txBody>
-      </p:sp>
-      <p:sp>
-        <p:nvSpPr>
-          <p:cNvPr id="4" name="Slide Number Placeholder 3">
-            <a:extLst>
-              <a:ext uri="{FF2B5EF4-FFF2-40B4-BE49-F238E27FC236}">
-                <a16:creationId xmlns:a16="http://schemas.microsoft.com/office/drawing/2014/main" id="{19F027D3-64A3-5768-82D7-C49A613B374D}"/>
-              </a:ext>
-            </a:extLst>
-          </p:cNvPr>
-          <p:cNvSpPr>
-            <a:spLocks noGrp="1"/>
-          </p:cNvSpPr>
-          <p:nvPr>
-            <p:ph type="sldNum" sz="quarter" idx="12"/>
-          </p:nvPr>
-        </p:nvSpPr>
-        <p:spPr>
-          <a:solidFill>
-            <a:srgbClr val="025198"/>
-          </a:solidFill>
-          <a:ln>
-            <a:noFill/>
-          </a:ln>
-          <a:effectLst/>
-        </p:spPr>
-        <p:txBody>
-          <a:bodyPr vert="horz" wrap="square" lIns="91440" tIns="45720" rIns="91440" bIns="45720" numCol="1" anchor="t" anchorCtr="0" compatLnSpc="1">
-            <a:prstTxWarp prst="textNoShape">
-              <a:avLst/>
-            </a:prstTxWarp>
-          </a:bodyPr>
-          <a:lstStyle/>
-          <a:p>
-            <a:fld id="{3D8BF74B-B5E3-4D3D-9E8C-0CE8B052EA45}" type="slidenum">
-              <a:rPr lang="es-ES" altLang="en-US" smtClean="0">
-                <a:solidFill>
-                  <a:schemeClr val="bg1"/>
-                </a:solidFill>
-              </a:rPr>
-              <a:pPr/>
-              <a:t>9</a:t>
-            </a:fld>
-            <a:endParaRPr lang="es-ES" altLang="en-US">
-              <a:solidFill>
-                <a:schemeClr val="bg1"/>
-              </a:solidFill>
-            </a:endParaRPr>
-          </a:p>
-        </p:txBody>
-      </p:sp>
-      <p:sp>
-        <p:nvSpPr>
-          <p:cNvPr id="8" name="TextBox 7">
-            <a:extLst>
-              <a:ext uri="{FF2B5EF4-FFF2-40B4-BE49-F238E27FC236}">
-                <a16:creationId xmlns:a16="http://schemas.microsoft.com/office/drawing/2014/main" id="{01DD98A2-6BEA-EA41-4356-ADE3BA29CA2A}"/>
-              </a:ext>
-            </a:extLst>
-          </p:cNvPr>
-          <p:cNvSpPr txBox="1"/>
-          <p:nvPr/>
-        </p:nvSpPr>
-        <p:spPr>
-          <a:xfrm>
-            <a:off x="161556" y="5042118"/>
-            <a:ext cx="4410444" cy="1815882"/>
-          </a:xfrm>
-          <a:prstGeom prst="rect">
-            <a:avLst/>
-          </a:prstGeom>
-          <a:noFill/>
-        </p:spPr>
-        <p:txBody>
-          <a:bodyPr wrap="square" rtlCol="0">
-            <a:spAutoFit/>
-          </a:bodyPr>
-          <a:lstStyle/>
-          <a:p>
-            <a:pPr marL="285750" indent="-285750">
-              <a:buFont typeface="Arial" panose="020B0604020202020204" pitchFamily="34" charset="0"/>
-              <a:buChar char="•"/>
-            </a:pPr>
-            <a:r>
-              <a:rPr lang="en-IN" sz="1400" dirty="0"/>
-              <a:t>Below loan purpose categories to be handled cautiously as % defaulters are higher side </a:t>
-            </a:r>
-          </a:p>
-          <a:p>
-            <a:pPr marL="742950" lvl="1" indent="-285750">
-              <a:buFont typeface="Arial" panose="020B0604020202020204" pitchFamily="34" charset="0"/>
-              <a:buChar char="•"/>
-            </a:pPr>
-            <a:r>
-              <a:rPr lang="en-IN" sz="1400" dirty="0"/>
-              <a:t>Dept Consolidation</a:t>
-            </a:r>
-          </a:p>
-          <a:p>
-            <a:pPr marL="742950" lvl="1" indent="-285750">
-              <a:buFont typeface="Arial" panose="020B0604020202020204" pitchFamily="34" charset="0"/>
-              <a:buChar char="•"/>
-            </a:pPr>
-            <a:r>
-              <a:rPr lang="en-IN" sz="1400" dirty="0"/>
-              <a:t>Credit Card</a:t>
-            </a:r>
-          </a:p>
-          <a:p>
-            <a:pPr marL="742950" lvl="1" indent="-285750">
-              <a:buFont typeface="Arial" panose="020B0604020202020204" pitchFamily="34" charset="0"/>
-              <a:buChar char="•"/>
-            </a:pPr>
-            <a:r>
-              <a:rPr lang="en-IN" sz="1400" dirty="0"/>
-              <a:t>Small Business </a:t>
-            </a:r>
-          </a:p>
-          <a:p>
-            <a:pPr marL="285750" indent="-285750">
-              <a:buFont typeface="Arial" panose="020B0604020202020204" pitchFamily="34" charset="0"/>
-              <a:buChar char="•"/>
-            </a:pPr>
-            <a:r>
-              <a:rPr lang="en-IN" sz="1400" dirty="0"/>
-              <a:t>Highest % defaulters are in Small Business Category</a:t>
-            </a:r>
-          </a:p>
-          <a:p>
-            <a:endParaRPr lang="en-IN" sz="1400" dirty="0"/>
-          </a:p>
-        </p:txBody>
-      </p:sp>
-      <p:pic>
-        <p:nvPicPr>
-          <p:cNvPr id="2050" name="Picture 2">
-            <a:extLst>
-              <a:ext uri="{FF2B5EF4-FFF2-40B4-BE49-F238E27FC236}">
-                <a16:creationId xmlns:a16="http://schemas.microsoft.com/office/drawing/2014/main" id="{928B5240-151F-CBB5-CEA1-84404F4F54C1}"/>
-              </a:ext>
-            </a:extLst>
-          </p:cNvPr>
-          <p:cNvPicPr>
-            <a:picLocks noChangeAspect="1" noChangeArrowheads="1"/>
-          </p:cNvPicPr>
-          <p:nvPr/>
-        </p:nvPicPr>
-        <p:blipFill>
-          <a:blip r:embed="rId3">
-            <a:extLst>
-              <a:ext uri="{28A0092B-C50C-407E-A947-70E740481C1C}">
-                <a14:useLocalDpi xmlns:a14="http://schemas.microsoft.com/office/drawing/2010/main" val="0"/>
-              </a:ext>
-            </a:extLst>
-          </a:blip>
-          <a:srcRect/>
-          <a:stretch>
-            <a:fillRect/>
-          </a:stretch>
-        </p:blipFill>
-        <p:spPr bwMode="auto">
-          <a:xfrm>
-            <a:off x="338508" y="1527724"/>
-            <a:ext cx="3567461" cy="3667125"/>
-          </a:xfrm>
-          <a:prstGeom prst="rect">
-            <a:avLst/>
-          </a:prstGeom>
-          <a:noFill/>
-          <a:extLst>
-            <a:ext uri="{909E8E84-426E-40DD-AFC4-6F175D3DCCD1}">
-              <a14:hiddenFill xmlns:a14="http://schemas.microsoft.com/office/drawing/2010/main">
-                <a:solidFill>
-                  <a:srgbClr val="FFFFFF"/>
-                </a:solidFill>
-              </a14:hiddenFill>
-            </a:ext>
-          </a:extLst>
-        </p:spPr>
-      </p:pic>
-      <p:sp>
-        <p:nvSpPr>
-          <p:cNvPr id="10" name="Rectangle: Beveled 9">
-            <a:hlinkClick r:id="rId4" action="ppaction://hlinksldjump"/>
-            <a:extLst>
-              <a:ext uri="{FF2B5EF4-FFF2-40B4-BE49-F238E27FC236}">
-                <a16:creationId xmlns:a16="http://schemas.microsoft.com/office/drawing/2014/main" id="{17B5A9DB-482F-11FB-C872-2D9330336916}"/>
-              </a:ext>
-            </a:extLst>
-          </p:cNvPr>
-          <p:cNvSpPr/>
-          <p:nvPr/>
-        </p:nvSpPr>
-        <p:spPr>
-          <a:xfrm>
-            <a:off x="7704348" y="5877272"/>
-            <a:ext cx="1224136" cy="274638"/>
-          </a:xfrm>
-          <a:prstGeom prst="bevel">
-            <a:avLst/>
-          </a:prstGeom>
-          <a:solidFill>
-            <a:schemeClr val="accent1">
-              <a:alpha val="50000"/>
-            </a:schemeClr>
-          </a:solidFill>
-          <a:ln>
-            <a:noFill/>
-          </a:ln>
-        </p:spPr>
-        <p:style>
-          <a:lnRef idx="0">
-            <a:scrgbClr r="0" g="0" b="0"/>
-          </a:lnRef>
-          <a:fillRef idx="0">
-            <a:scrgbClr r="0" g="0" b="0"/>
-          </a:fillRef>
-          <a:effectRef idx="0">
-            <a:scrgbClr r="0" g="0" b="0"/>
-          </a:effectRef>
-          <a:fontRef idx="minor">
-            <a:schemeClr val="lt1"/>
-          </a:fontRef>
-        </p:style>
-        <p:txBody>
-          <a:bodyPr rtlCol="0" anchor="ctr"/>
-          <a:lstStyle/>
-          <a:p>
-            <a:pPr algn="ctr"/>
-            <a:r>
-              <a:rPr lang="en-IN" sz="1200" u="sng" dirty="0">
-                <a:solidFill>
-                  <a:schemeClr val="accent2">
-                    <a:lumMod val="60000"/>
-                    <a:lumOff val="40000"/>
-                  </a:schemeClr>
-                </a:solidFill>
-              </a:rPr>
-              <a:t>Go </a:t>
-            </a:r>
-            <a:r>
-              <a:rPr lang="en-IN" sz="1200" u="sng" dirty="0">
-                <a:solidFill>
-                  <a:schemeClr val="accent2">
-                    <a:lumMod val="60000"/>
-                    <a:lumOff val="40000"/>
-                  </a:schemeClr>
-                </a:solidFill>
-                <a:hlinkClick r:id="rId4" action="ppaction://hlinksldjump">
-                  <a:extLst>
-                    <a:ext uri="{A12FA001-AC4F-418D-AE19-62706E023703}">
-                      <ahyp:hlinkClr xmlns:ahyp="http://schemas.microsoft.com/office/drawing/2018/hyperlinkcolor" val="tx"/>
-                    </a:ext>
-                  </a:extLst>
-                </a:hlinkClick>
-              </a:rPr>
-              <a:t>Back</a:t>
-            </a:r>
-            <a:endParaRPr lang="en-IN" sz="1200" u="sng" dirty="0">
-              <a:solidFill>
-                <a:schemeClr val="accent2">
-                  <a:lumMod val="60000"/>
-                  <a:lumOff val="40000"/>
-                </a:schemeClr>
-              </a:solidFill>
-            </a:endParaRPr>
-          </a:p>
-        </p:txBody>
-      </p:sp>
-      <p:cxnSp>
-        <p:nvCxnSpPr>
-          <p:cNvPr id="11" name="Straight Connector 10">
-            <a:extLst>
-              <a:ext uri="{FF2B5EF4-FFF2-40B4-BE49-F238E27FC236}">
-                <a16:creationId xmlns:a16="http://schemas.microsoft.com/office/drawing/2014/main" id="{D8C8509D-6A24-FE1E-7547-AB07AACC46C6}"/>
-              </a:ext>
-            </a:extLst>
-          </p:cNvPr>
-          <p:cNvCxnSpPr>
-            <a:cxnSpLocks/>
-          </p:cNvCxnSpPr>
-          <p:nvPr/>
-        </p:nvCxnSpPr>
-        <p:spPr>
-          <a:xfrm>
-            <a:off x="4861501" y="1527724"/>
-            <a:ext cx="0" cy="4925612"/>
-          </a:xfrm>
-          <a:prstGeom prst="line">
-            <a:avLst/>
-          </a:prstGeom>
-        </p:spPr>
-        <p:style>
-          <a:lnRef idx="3">
-            <a:schemeClr val="accent2"/>
-          </a:lnRef>
-          <a:fillRef idx="0">
-            <a:schemeClr val="accent2"/>
-          </a:fillRef>
-          <a:effectRef idx="2">
-            <a:schemeClr val="accent2"/>
-          </a:effectRef>
-          <a:fontRef idx="minor">
-            <a:schemeClr val="tx1"/>
-          </a:fontRef>
-        </p:style>
-      </p:cxnSp>
-    </p:spTree>
-    <p:extLst>
-      <p:ext uri="{BB962C8B-B14F-4D97-AF65-F5344CB8AC3E}">
-        <p14:creationId xmlns:p14="http://schemas.microsoft.com/office/powerpoint/2010/main" val="1786619864"/>
       </p:ext>
     </p:extLst>
   </p:cSld>
